--- a/slide.pptx
+++ b/slide.pptx
@@ -155,65 +155,6 @@
 </p:cmAuthorLst>
 </file>
 
-<file path=ppt/comments/comment1.xml><?xml version="1.0" encoding="utf-8"?>
-<p:cmLst xmlns:a="http://schemas.openxmlformats.org/drawingml/2006/main" xmlns:r="http://schemas.openxmlformats.org/officeDocument/2006/relationships" xmlns:p="http://schemas.openxmlformats.org/presentationml/2006/main">
-  <p:cm authorId="1" dt="2019-06-25T10:30:44.233" idx="5">
-    <p:pos x="10" y="10"/>
-    <p:text>introductions: what is micro-service --&gt; this is sharing of author perspective</p:text>
-    <p:extLst>
-      <p:ext uri="{C676402C-5697-4E1C-873F-D02D1690AC5C}">
-        <p15:threadingInfo xmlns:p15="http://schemas.microsoft.com/office/powerpoint/2012/main" timeZoneBias="-420"/>
-      </p:ext>
-    </p:extLst>
-  </p:cm>
-</p:cmLst>
-</file>
-
-<file path=ppt/comments/comment2.xml><?xml version="1.0" encoding="utf-8"?>
-<p:cmLst xmlns:a="http://schemas.openxmlformats.org/drawingml/2006/main" xmlns:r="http://schemas.openxmlformats.org/officeDocument/2006/relationships" xmlns:p="http://schemas.openxmlformats.org/presentationml/2006/main">
-  <p:cm authorId="1" dt="2019-06-25T10:24:34.258" idx="1">
-    <p:pos x="2588" y="1422"/>
-    <p:text>what's tracking-query problem</p:text>
-    <p:extLst>
-      <p:ext uri="{C676402C-5697-4E1C-873F-D02D1690AC5C}">
-        <p15:threadingInfo xmlns:p15="http://schemas.microsoft.com/office/powerpoint/2012/main" timeZoneBias="-420"/>
-      </p:ext>
-    </p:extLst>
-  </p:cm>
-  <p:cm authorId="1" dt="2019-06-25T10:25:23.828" idx="2">
-    <p:pos x="2588" y="1518"/>
-    <p:text>what are challenges</p:text>
-    <p:extLst>
-      <p:ext uri="{C676402C-5697-4E1C-873F-D02D1690AC5C}">
-        <p15:threadingInfo xmlns:p15="http://schemas.microsoft.com/office/powerpoint/2012/main" timeZoneBias="-420">
-          <p15:parentCm authorId="1" idx="1"/>
-        </p15:threadingInfo>
-      </p:ext>
-    </p:extLst>
-  </p:cm>
-  <p:cm authorId="1" dt="2019-06-25T10:26:28.206" idx="3">
-    <p:pos x="2144" y="1418"/>
-    <p:text>why do we need geo-based sharding</p:text>
-    <p:extLst>
-      <p:ext uri="{C676402C-5697-4E1C-873F-D02D1690AC5C}">
-        <p15:threadingInfo xmlns:p15="http://schemas.microsoft.com/office/powerpoint/2012/main" timeZoneBias="-420"/>
-      </p:ext>
-    </p:extLst>
-  </p:cm>
-  <p:cm authorId="1" dt="2019-06-25T10:27:02.226" idx="4">
-    <p:pos x="2144" y="1514"/>
-    <p:text>how does geo-baded sharding work</p:text>
-    <p:extLst>
-      <p:ext uri="{C676402C-5697-4E1C-873F-D02D1690AC5C}">
-        <p15:threadingInfo xmlns:p15="http://schemas.microsoft.com/office/powerpoint/2012/main" timeZoneBias="-420">
-          <p15:parentCm authorId="1" idx="3"/>
-        </p15:threadingInfo>
-      </p:ext>
-    </p:extLst>
-  </p:cm>
-</p:cmLst>
-</file>
-
 <file path=ppt/notesMasters/notesMaster1.xml><?xml version="1.0" encoding="utf-8"?>
 <p:notesMaster xmlns:a="http://schemas.openxmlformats.org/drawingml/2006/main" xmlns:r="http://schemas.openxmlformats.org/officeDocument/2006/relationships" xmlns:p="http://schemas.openxmlformats.org/presentationml/2006/main">
   <p:cSld>
@@ -1241,13 +1182,21 @@
         <p:spPr/>
         <p:txBody>
           <a:bodyPr/>
-          <a:lstStyle/>
-          <a:p>
-            <a:r>
-              <a:rPr lang="en-US"/>
+          <a:lstStyle>
+            <a:lvl1pPr>
+              <a:defRPr>
+                <a:solidFill>
+                  <a:schemeClr val="accent1"/>
+                </a:solidFill>
+              </a:defRPr>
+            </a:lvl1pPr>
+          </a:lstStyle>
+          <a:p>
+            <a:r>
+              <a:rPr lang="en-US" dirty="0"/>
               <a:t>Click to edit Master title style</a:t>
             </a:r>
-            <a:endParaRPr lang="en-GB"/>
+            <a:endParaRPr lang="en-GB" dirty="0"/>
           </a:p>
         </p:txBody>
       </p:sp>
@@ -1270,42 +1219,93 @@
         <p:spPr/>
         <p:txBody>
           <a:bodyPr/>
-          <a:lstStyle/>
+          <a:lstStyle>
+            <a:lvl1pPr>
+              <a:defRPr>
+                <a:solidFill>
+                  <a:schemeClr val="tx1">
+                    <a:lumMod val="75000"/>
+                    <a:lumOff val="25000"/>
+                  </a:schemeClr>
+                </a:solidFill>
+              </a:defRPr>
+            </a:lvl1pPr>
+            <a:lvl2pPr>
+              <a:defRPr>
+                <a:solidFill>
+                  <a:schemeClr val="tx1">
+                    <a:lumMod val="75000"/>
+                    <a:lumOff val="25000"/>
+                  </a:schemeClr>
+                </a:solidFill>
+              </a:defRPr>
+            </a:lvl2pPr>
+            <a:lvl3pPr>
+              <a:defRPr>
+                <a:solidFill>
+                  <a:schemeClr val="tx1">
+                    <a:lumMod val="75000"/>
+                    <a:lumOff val="25000"/>
+                  </a:schemeClr>
+                </a:solidFill>
+              </a:defRPr>
+            </a:lvl3pPr>
+            <a:lvl4pPr>
+              <a:defRPr>
+                <a:solidFill>
+                  <a:schemeClr val="tx1">
+                    <a:lumMod val="75000"/>
+                    <a:lumOff val="25000"/>
+                  </a:schemeClr>
+                </a:solidFill>
+              </a:defRPr>
+            </a:lvl4pPr>
+            <a:lvl5pPr>
+              <a:defRPr>
+                <a:solidFill>
+                  <a:schemeClr val="tx1">
+                    <a:lumMod val="75000"/>
+                    <a:lumOff val="25000"/>
+                  </a:schemeClr>
+                </a:solidFill>
+              </a:defRPr>
+            </a:lvl5pPr>
+          </a:lstStyle>
           <a:p>
             <a:pPr lvl="0"/>
             <a:r>
-              <a:rPr lang="en-US"/>
+              <a:rPr lang="en-US" dirty="0"/>
               <a:t>Click to edit Master text styles</a:t>
             </a:r>
           </a:p>
           <a:p>
             <a:pPr lvl="1"/>
             <a:r>
-              <a:rPr lang="en-US"/>
+              <a:rPr lang="en-US" dirty="0"/>
               <a:t>Second level</a:t>
             </a:r>
           </a:p>
           <a:p>
             <a:pPr lvl="2"/>
             <a:r>
-              <a:rPr lang="en-US"/>
+              <a:rPr lang="en-US" dirty="0"/>
               <a:t>Third level</a:t>
             </a:r>
           </a:p>
           <a:p>
             <a:pPr lvl="3"/>
             <a:r>
-              <a:rPr lang="en-US"/>
+              <a:rPr lang="en-US" dirty="0"/>
               <a:t>Fourth level</a:t>
             </a:r>
           </a:p>
           <a:p>
             <a:pPr lvl="4"/>
             <a:r>
-              <a:rPr lang="en-US"/>
+              <a:rPr lang="en-US" dirty="0"/>
               <a:t>Fifth level</a:t>
             </a:r>
-            <a:endParaRPr lang="en-GB"/>
+            <a:endParaRPr lang="en-GB" dirty="0"/>
           </a:p>
         </p:txBody>
       </p:sp>
@@ -3249,9 +3249,18 @@
 <p:sldMaster xmlns:a="http://schemas.openxmlformats.org/drawingml/2006/main" xmlns:r="http://schemas.openxmlformats.org/officeDocument/2006/relationships" xmlns:p="http://schemas.openxmlformats.org/presentationml/2006/main">
   <p:cSld>
     <p:bg>
-      <p:bgRef idx="1001">
-        <a:schemeClr val="bg1"/>
-      </p:bgRef>
+      <p:bgPr>
+        <a:blipFill dpi="0" rotWithShape="1">
+          <a:blip r:embed="rId13">
+            <a:lum/>
+          </a:blip>
+          <a:srcRect/>
+          <a:stretch>
+            <a:fillRect t="-17000" b="-17000"/>
+          </a:stretch>
+        </a:blipFill>
+        <a:effectLst/>
+      </p:bgPr>
     </p:bg>
     <p:spTree>
       <p:nvGrpSpPr>
@@ -3299,10 +3308,10 @@
           <a:lstStyle/>
           <a:p>
             <a:r>
-              <a:rPr lang="en-US"/>
+              <a:rPr lang="en-US" dirty="0"/>
               <a:t>Click to edit Master title style</a:t>
             </a:r>
-            <a:endParaRPr lang="en-GB"/>
+            <a:endParaRPr lang="en-GB" dirty="0"/>
           </a:p>
         </p:txBody>
       </p:sp>
@@ -3461,8 +3470,16 @@
           </a:lstStyle>
           <a:p>
             <a:r>
-              <a:rPr lang="en-GB"/>
-              <a:t>MUM-Compro tech talk – July 06, 2019</a:t>
+              <a:rPr lang="en-GB" dirty="0"/>
+              <a:t>MUM-</a:t>
+            </a:r>
+            <a:r>
+              <a:rPr lang="en-GB" dirty="0" err="1"/>
+              <a:t>Compro</a:t>
+            </a:r>
+            <a:r>
+              <a:rPr lang="en-GB" dirty="0"/>
+              <a:t> tech talk – July 06, 2019</a:t>
             </a:r>
           </a:p>
         </p:txBody>
@@ -3510,7 +3527,7 @@
               <a:rPr lang="en-GB" smtClean="0"/>
               <a:t>‹#›</a:t>
             </a:fld>
-            <a:endParaRPr lang="en-GB"/>
+            <a:endParaRPr lang="en-GB" dirty="0"/>
           </a:p>
         </p:txBody>
       </p:sp>
@@ -3548,7 +3565,7 @@
         <a:buNone/>
         <a:defRPr sz="4400" kern="1200">
           <a:solidFill>
-            <a:schemeClr val="tx1"/>
+            <a:srgbClr val="00B050"/>
           </a:solidFill>
           <a:latin typeface="+mj-lt"/>
           <a:ea typeface="+mj-ea"/>
@@ -3822,6 +3839,20 @@
 <file path=ppt/slides/slide1.xml><?xml version="1.0" encoding="utf-8"?>
 <p:sld xmlns:a="http://schemas.openxmlformats.org/drawingml/2006/main" xmlns:r="http://schemas.openxmlformats.org/officeDocument/2006/relationships" xmlns:p="http://schemas.openxmlformats.org/presentationml/2006/main">
   <p:cSld>
+    <p:bg>
+      <p:bgPr>
+        <a:blipFill dpi="0" rotWithShape="1">
+          <a:blip r:embed="rId2">
+            <a:lum/>
+          </a:blip>
+          <a:srcRect/>
+          <a:stretch>
+            <a:fillRect t="-17000" b="-17000"/>
+          </a:stretch>
+        </a:blipFill>
+        <a:effectLst/>
+      </p:bgPr>
+    </p:bg>
     <p:spTree>
       <p:nvGrpSpPr>
         <p:cNvPr id="1" name=""/>
@@ -3865,17 +3896,33 @@
           <a:lstStyle/>
           <a:p>
             <a:r>
-              <a:rPr lang="en-US" dirty="0"/>
+              <a:rPr lang="en-US" dirty="0">
+                <a:solidFill>
+                  <a:schemeClr val="accent1"/>
+                </a:solidFill>
+              </a:rPr>
               <a:t>Overcome challenges of </a:t>
             </a:r>
             <a:br>
-              <a:rPr lang="en-US" dirty="0"/>
+              <a:rPr lang="en-US" dirty="0">
+                <a:solidFill>
+                  <a:schemeClr val="accent1"/>
+                </a:solidFill>
+              </a:rPr>
             </a:br>
             <a:r>
-              <a:rPr lang="en-US" dirty="0"/>
+              <a:rPr lang="en-US" dirty="0">
+                <a:solidFill>
+                  <a:schemeClr val="accent1"/>
+                </a:solidFill>
+              </a:rPr>
               <a:t>tracking-searching problem by hierarchy geo-based micro-services</a:t>
             </a:r>
-            <a:endParaRPr lang="en-GB" dirty="0"/>
+            <a:endParaRPr lang="en-GB" dirty="0">
+              <a:solidFill>
+                <a:schemeClr val="accent1"/>
+              </a:solidFill>
+            </a:endParaRPr>
           </a:p>
         </p:txBody>
       </p:sp>
@@ -3906,18 +3953,46 @@
           <a:lstStyle/>
           <a:p>
             <a:r>
-              <a:rPr lang="en-US" dirty="0"/>
+              <a:rPr lang="en-US" dirty="0">
+                <a:solidFill>
+                  <a:schemeClr val="tx1">
+                    <a:lumMod val="75000"/>
+                    <a:lumOff val="25000"/>
+                  </a:schemeClr>
+                </a:solidFill>
+              </a:rPr>
               <a:t>MUM-</a:t>
             </a:r>
             <a:r>
-              <a:rPr lang="en-US" dirty="0" err="1"/>
+              <a:rPr lang="en-US" dirty="0" err="1">
+                <a:solidFill>
+                  <a:schemeClr val="tx1">
+                    <a:lumMod val="75000"/>
+                    <a:lumOff val="25000"/>
+                  </a:schemeClr>
+                </a:solidFill>
+              </a:rPr>
               <a:t>Compro</a:t>
             </a:r>
             <a:r>
-              <a:rPr lang="en-US" dirty="0"/>
+              <a:rPr lang="en-US" dirty="0">
+                <a:solidFill>
+                  <a:schemeClr val="tx1">
+                    <a:lumMod val="75000"/>
+                    <a:lumOff val="25000"/>
+                  </a:schemeClr>
+                </a:solidFill>
+              </a:rPr>
               <a:t> tech talk – July 06, 2019</a:t>
             </a:r>
-            <a:endParaRPr lang="en-GB" dirty="0"/>
+            <a:endParaRPr lang="en-GB" dirty="0">
+              <a:solidFill>
+                <a:schemeClr val="tx1">
+                  <a:lumMod val="75000"/>
+                  <a:lumOff val="25000"/>
+                </a:schemeClr>
+              </a:solidFill>
+            </a:endParaRPr>
           </a:p>
         </p:txBody>
       </p:sp>
@@ -8724,7 +8799,7 @@
           <a:p>
             <a:r>
               <a:rPr lang="en-GB" dirty="0"/>
-              <a:t>Syllabus</a:t>
+              <a:t>Agenda</a:t>
             </a:r>
           </a:p>
         </p:txBody>
@@ -17806,7 +17881,7 @@
             <a:spLocks noGrp="1"/>
           </p:cNvSpPr>
           <p:nvPr>
-            <p:ph type="title"/>
+            <p:ph type="ctrTitle"/>
           </p:nvPr>
         </p:nvSpPr>
         <p:spPr/>
@@ -17815,35 +17890,18 @@
           <a:lstStyle/>
           <a:p>
             <a:r>
-              <a:rPr lang="en-US" dirty="0"/>
+              <a:rPr lang="en-US" dirty="0">
+                <a:solidFill>
+                  <a:schemeClr val="accent1"/>
+                </a:solidFill>
+              </a:rPr>
               <a:t>Q&amp;A</a:t>
             </a:r>
-            <a:endParaRPr lang="en-GB" dirty="0"/>
-          </a:p>
-        </p:txBody>
-      </p:sp>
-      <p:sp>
-        <p:nvSpPr>
-          <p:cNvPr id="3" name="Content Placeholder 2">
-            <a:extLst>
-              <a:ext uri="{FF2B5EF4-FFF2-40B4-BE49-F238E27FC236}">
-                <a16:creationId xmlns:a16="http://schemas.microsoft.com/office/drawing/2014/main" id="{54B4EA25-3A67-4BC0-8259-8D5C5F4E8743}"/>
-              </a:ext>
-            </a:extLst>
-          </p:cNvPr>
-          <p:cNvSpPr>
-            <a:spLocks noGrp="1"/>
-          </p:cNvSpPr>
-          <p:nvPr>
-            <p:ph idx="1"/>
-          </p:nvPr>
-        </p:nvSpPr>
-        <p:spPr/>
-        <p:txBody>
-          <a:bodyPr/>
-          <a:lstStyle/>
-          <a:p>
-            <a:endParaRPr lang="en-GB"/>
+            <a:endParaRPr lang="en-GB" dirty="0">
+              <a:solidFill>
+                <a:schemeClr val="accent1"/>
+              </a:solidFill>
+            </a:endParaRPr>
           </a:p>
         </p:txBody>
       </p:sp>
@@ -19184,7 +19242,7 @@
           <a:p>
             <a:r>
               <a:rPr lang="en-US" dirty="0"/>
-              <a:t>Not much number of node in tree, can be cache in memory for fast </a:t>
+              <a:t>Small number of node in tree, can be cache in memory for fast </a:t>
             </a:r>
             <a:r>
               <a:rPr lang="en-US" dirty="0" err="1"/>

--- a/slide.pptx
+++ b/slide.pptx
@@ -5,7 +5,7 @@
     <p:sldMasterId id="2147483648" r:id="rId1"/>
   </p:sldMasterIdLst>
   <p:notesMasterIdLst>
-    <p:notesMasterId r:id="rId31"/>
+    <p:notesMasterId r:id="rId32"/>
   </p:notesMasterIdLst>
   <p:sldIdLst>
     <p:sldId id="256" r:id="rId2"/>
@@ -23,20 +23,21 @@
     <p:sldId id="266" r:id="rId14"/>
     <p:sldId id="271" r:id="rId15"/>
     <p:sldId id="267" r:id="rId16"/>
-    <p:sldId id="268" r:id="rId17"/>
-    <p:sldId id="269" r:id="rId18"/>
-    <p:sldId id="270" r:id="rId19"/>
-    <p:sldId id="273" r:id="rId20"/>
-    <p:sldId id="274" r:id="rId21"/>
-    <p:sldId id="275" r:id="rId22"/>
-    <p:sldId id="276" r:id="rId23"/>
-    <p:sldId id="277" r:id="rId24"/>
-    <p:sldId id="278" r:id="rId25"/>
-    <p:sldId id="279" r:id="rId26"/>
-    <p:sldId id="280" r:id="rId27"/>
-    <p:sldId id="281" r:id="rId28"/>
-    <p:sldId id="282" r:id="rId29"/>
-    <p:sldId id="283" r:id="rId30"/>
+    <p:sldId id="286" r:id="rId17"/>
+    <p:sldId id="268" r:id="rId18"/>
+    <p:sldId id="269" r:id="rId19"/>
+    <p:sldId id="270" r:id="rId20"/>
+    <p:sldId id="273" r:id="rId21"/>
+    <p:sldId id="274" r:id="rId22"/>
+    <p:sldId id="275" r:id="rId23"/>
+    <p:sldId id="276" r:id="rId24"/>
+    <p:sldId id="277" r:id="rId25"/>
+    <p:sldId id="278" r:id="rId26"/>
+    <p:sldId id="279" r:id="rId27"/>
+    <p:sldId id="280" r:id="rId28"/>
+    <p:sldId id="281" r:id="rId29"/>
+    <p:sldId id="282" r:id="rId30"/>
+    <p:sldId id="283" r:id="rId31"/>
   </p:sldIdLst>
   <p:sldSz cx="12192000" cy="6858000"/>
   <p:notesSz cx="6858000" cy="9144000"/>
@@ -652,7 +653,7 @@
           <a:bodyPr/>
           <a:lstStyle/>
           <a:p>
-            <a:fld id="{3F99B20A-2E68-48A2-86D7-07AED0E3966A}" type="datetime1">
+            <a:fld id="{8996BC37-BC00-43FB-A64F-C9AED808E6F5}" type="datetime1">
               <a:rPr lang="en-GB" smtClean="0"/>
               <a:t>06/07/2019</a:t>
             </a:fld>
@@ -855,7 +856,7 @@
           <a:bodyPr/>
           <a:lstStyle/>
           <a:p>
-            <a:fld id="{7E6A618C-9875-4480-9A87-4D1F72FC9DC1}" type="datetime1">
+            <a:fld id="{98F29956-99CB-491B-835E-C4852D288B2A}" type="datetime1">
               <a:rPr lang="en-GB" smtClean="0"/>
               <a:t>06/07/2019</a:t>
             </a:fld>
@@ -1068,7 +1069,7 @@
           <a:bodyPr/>
           <a:lstStyle/>
           <a:p>
-            <a:fld id="{3CA04AEA-BE73-40B6-B751-AFE37C22980E}" type="datetime1">
+            <a:fld id="{B16CC07B-F8A5-4B32-AC2A-C119968E2960}" type="datetime1">
               <a:rPr lang="en-GB" smtClean="0"/>
               <a:t>06/07/2019</a:t>
             </a:fld>
@@ -1330,7 +1331,7 @@
           <a:bodyPr/>
           <a:lstStyle/>
           <a:p>
-            <a:fld id="{BE2D2909-2302-40F4-AE73-CC671FD73A4D}" type="datetime1">
+            <a:fld id="{728A1A20-657E-4031-89FC-69D5B7FF74FF}" type="datetime1">
               <a:rPr lang="en-GB" smtClean="0"/>
               <a:t>06/07/2019</a:t>
             </a:fld>
@@ -1609,7 +1610,7 @@
           <a:bodyPr/>
           <a:lstStyle/>
           <a:p>
-            <a:fld id="{556E8B4E-78C6-44F5-8509-5C85AA7F0CB9}" type="datetime1">
+            <a:fld id="{AD6CAAF4-A547-411E-B9D0-9DD603E4D937}" type="datetime1">
               <a:rPr lang="en-GB" smtClean="0"/>
               <a:t>06/07/2019</a:t>
             </a:fld>
@@ -1880,7 +1881,7 @@
           <a:bodyPr/>
           <a:lstStyle/>
           <a:p>
-            <a:fld id="{90C4108F-09DA-4502-AEB8-5EE23F62ED42}" type="datetime1">
+            <a:fld id="{E0C99EC2-6BA8-49F0-BA42-0339646DBA45}" type="datetime1">
               <a:rPr lang="en-GB" smtClean="0"/>
               <a:t>06/07/2019</a:t>
             </a:fld>
@@ -2298,7 +2299,7 @@
           <a:bodyPr/>
           <a:lstStyle/>
           <a:p>
-            <a:fld id="{8AEC2A26-D841-4780-97DC-5F9DB16FD5C2}" type="datetime1">
+            <a:fld id="{DC438C86-964C-4483-B137-F37081614AA2}" type="datetime1">
               <a:rPr lang="en-GB" smtClean="0"/>
               <a:t>06/07/2019</a:t>
             </a:fld>
@@ -2443,7 +2444,7 @@
           <a:bodyPr/>
           <a:lstStyle/>
           <a:p>
-            <a:fld id="{FD76604B-02EE-430D-8BF4-A59F6929335E}" type="datetime1">
+            <a:fld id="{AF15FE62-769E-418D-BAC3-20B82196F875}" type="datetime1">
               <a:rPr lang="en-GB" smtClean="0"/>
               <a:t>06/07/2019</a:t>
             </a:fld>
@@ -2559,7 +2560,7 @@
           <a:bodyPr/>
           <a:lstStyle/>
           <a:p>
-            <a:fld id="{1101CDDB-910A-480A-B409-DA58F8198D51}" type="datetime1">
+            <a:fld id="{B774CBB2-21F6-4DC6-8FAC-C22DFD11A6D8}" type="datetime1">
               <a:rPr lang="en-GB" smtClean="0"/>
               <a:t>06/07/2019</a:t>
             </a:fld>
@@ -2875,7 +2876,7 @@
           <a:bodyPr/>
           <a:lstStyle/>
           <a:p>
-            <a:fld id="{9D5665B9-D0A2-4D21-B7E0-1533F14CC7A4}" type="datetime1">
+            <a:fld id="{C2AFE3FD-6D9B-423B-97F2-C67F5B0A4F0E}" type="datetime1">
               <a:rPr lang="en-GB" smtClean="0"/>
               <a:t>06/07/2019</a:t>
             </a:fld>
@@ -3167,7 +3168,7 @@
           <a:bodyPr/>
           <a:lstStyle/>
           <a:p>
-            <a:fld id="{66FB2F3C-577E-4569-825C-BC5D1FA1EA83}" type="datetime1">
+            <a:fld id="{6765E207-E21E-45F3-AB2F-5BDF5DA19F39}" type="datetime1">
               <a:rPr lang="en-GB" smtClean="0"/>
               <a:t>06/07/2019</a:t>
             </a:fld>
@@ -3422,7 +3423,7 @@
             </a:lvl1pPr>
           </a:lstStyle>
           <a:p>
-            <a:fld id="{D7BD6080-6576-4AD1-A985-0EDDD71B204B}" type="datetime1">
+            <a:fld id="{07E5D179-86CE-42A0-B944-31947CB3D2FF}" type="datetime1">
               <a:rPr lang="en-GB" smtClean="0"/>
               <a:t>06/07/2019</a:t>
             </a:fld>
@@ -3885,8 +3886,8 @@
         </p:nvSpPr>
         <p:spPr>
           <a:xfrm>
-            <a:off x="1205948" y="1214438"/>
-            <a:ext cx="9978887" cy="2387600"/>
+            <a:off x="901148" y="1214438"/>
+            <a:ext cx="10535478" cy="2387600"/>
           </a:xfrm>
         </p:spPr>
         <p:txBody>
@@ -3916,7 +3917,7 @@
                   <a:schemeClr val="accent1"/>
                 </a:solidFill>
               </a:rPr>
-              <a:t>tracking-searching problem by hierarchy geo-based micro-services</a:t>
+              <a:t>tracking-searching problem by hierarchical geo-based micro-services</a:t>
             </a:r>
             <a:endParaRPr lang="en-GB" dirty="0">
               <a:solidFill>
@@ -4083,7 +4084,7 @@
           <a:p>
             <a:r>
               <a:rPr lang="en-US" dirty="0"/>
-              <a:t>Hierarchy geo-based </a:t>
+              <a:t>Hierarchical geo-based </a:t>
             </a:r>
             <a:r>
               <a:rPr lang="en-US" dirty="0" err="1"/>
@@ -4125,7 +4126,7 @@
           <a:p>
             <a:r>
               <a:rPr lang="en-US" dirty="0"/>
-              <a:t>Find all related hubs </a:t>
+              <a:t>Find all related hubs by </a:t>
             </a:r>
             <a:r>
               <a:rPr lang="en-GB" dirty="0"/>
@@ -5177,7 +5178,7 @@
               <a:rPr lang="en-US" dirty="0">
                 <a:sym typeface="Wingdings" panose="05000000000000000000" pitchFamily="2" charset="2"/>
               </a:rPr>
-              <a:t> 69 nodes in 3 layers tree</a:t>
+              <a:t> 69 nodes in   3-layers tree</a:t>
             </a:r>
             <a:endParaRPr lang="en-GB" dirty="0"/>
           </a:p>
@@ -5393,7 +5394,7 @@
         </p:nvSpPr>
         <p:spPr>
           <a:xfrm>
-            <a:off x="984739" y="2318547"/>
+            <a:off x="1660604" y="2318547"/>
             <a:ext cx="914400" cy="612648"/>
           </a:xfrm>
           <a:prstGeom prst="cloudCallout">
@@ -5469,7 +5470,7 @@
         </p:nvSpPr>
         <p:spPr>
           <a:xfrm>
-            <a:off x="984739" y="3561676"/>
+            <a:off x="1660604" y="3561676"/>
             <a:ext cx="914400" cy="612648"/>
           </a:xfrm>
           <a:prstGeom prst="cloudCallout">
@@ -5545,7 +5546,7 @@
         </p:nvSpPr>
         <p:spPr>
           <a:xfrm>
-            <a:off x="984739" y="4589451"/>
+            <a:off x="1660604" y="4589451"/>
             <a:ext cx="914400" cy="612648"/>
           </a:xfrm>
           <a:prstGeom prst="cloudCallout">
@@ -5609,10 +5610,10 @@
       </p:sp>
       <p:pic>
         <p:nvPicPr>
-          <p:cNvPr id="9" name="Graphic 8">
-            <a:extLst>
-              <a:ext uri="{FF2B5EF4-FFF2-40B4-BE49-F238E27FC236}">
-                <a16:creationId xmlns:a16="http://schemas.microsoft.com/office/drawing/2014/main" id="{BA019ED0-476C-4A64-A70C-1715C7BFD18C}"/>
+          <p:cNvPr id="11" name="Graphic 10">
+            <a:extLst>
+              <a:ext uri="{FF2B5EF4-FFF2-40B4-BE49-F238E27FC236}">
+                <a16:creationId xmlns:a16="http://schemas.microsoft.com/office/drawing/2014/main" id="{B2AE7CBB-1359-4D82-843C-878A63AA0801}"/>
               </a:ext>
             </a:extLst>
           </p:cNvPr>
@@ -5637,9 +5638,9 @@
           </a:stretch>
         </p:blipFill>
         <p:spPr>
-          <a:xfrm>
-            <a:off x="2499049" y="3020753"/>
-            <a:ext cx="1141849" cy="1141849"/>
+          <a:xfrm flipH="1">
+            <a:off x="4471829" y="2245268"/>
+            <a:ext cx="775485" cy="775485"/>
           </a:xfrm>
           <a:prstGeom prst="rect">
             <a:avLst/>
@@ -5648,10 +5649,10 @@
       </p:pic>
       <p:pic>
         <p:nvPicPr>
-          <p:cNvPr id="11" name="Graphic 10">
-            <a:extLst>
-              <a:ext uri="{FF2B5EF4-FFF2-40B4-BE49-F238E27FC236}">
-                <a16:creationId xmlns:a16="http://schemas.microsoft.com/office/drawing/2014/main" id="{B2AE7CBB-1359-4D82-843C-878A63AA0801}"/>
+          <p:cNvPr id="12" name="Graphic 11">
+            <a:extLst>
+              <a:ext uri="{FF2B5EF4-FFF2-40B4-BE49-F238E27FC236}">
+                <a16:creationId xmlns:a16="http://schemas.microsoft.com/office/drawing/2014/main" id="{76BC0CAB-6D21-494C-A245-64540E15A9E3}"/>
               </a:ext>
             </a:extLst>
           </p:cNvPr>
@@ -5661,13 +5662,13 @@
           <p:nvPr/>
         </p:nvPicPr>
         <p:blipFill>
-          <a:blip r:embed="rId4">
+          <a:blip r:embed="rId2">
             <a:extLst>
               <a:ext uri="{28A0092B-C50C-407E-A947-70E740481C1C}">
                 <a14:useLocalDpi xmlns:a14="http://schemas.microsoft.com/office/drawing/2010/main" val="0"/>
               </a:ext>
               <a:ext uri="{96DAC541-7B7A-43D3-8B79-37D633B846F1}">
-                <asvg:svgBlip xmlns:asvg="http://schemas.microsoft.com/office/drawing/2016/SVG/main" r:embed="rId5"/>
+                <asvg:svgBlip xmlns:asvg="http://schemas.microsoft.com/office/drawing/2016/SVG/main" r:embed="rId3"/>
               </a:ext>
             </a:extLst>
           </a:blip>
@@ -5677,7 +5678,7 @@
         </p:blipFill>
         <p:spPr>
           <a:xfrm flipH="1">
-            <a:off x="4273038" y="2245268"/>
+            <a:off x="4463376" y="3072556"/>
             <a:ext cx="775485" cy="775485"/>
           </a:xfrm>
           <a:prstGeom prst="rect">
@@ -5687,10 +5688,10 @@
       </p:pic>
       <p:pic>
         <p:nvPicPr>
-          <p:cNvPr id="12" name="Graphic 11">
-            <a:extLst>
-              <a:ext uri="{FF2B5EF4-FFF2-40B4-BE49-F238E27FC236}">
-                <a16:creationId xmlns:a16="http://schemas.microsoft.com/office/drawing/2014/main" id="{76BC0CAB-6D21-494C-A245-64540E15A9E3}"/>
+          <p:cNvPr id="13" name="Graphic 12">
+            <a:extLst>
+              <a:ext uri="{FF2B5EF4-FFF2-40B4-BE49-F238E27FC236}">
+                <a16:creationId xmlns:a16="http://schemas.microsoft.com/office/drawing/2014/main" id="{F203BB66-BC45-4153-99D8-42661CB3B34C}"/>
               </a:ext>
             </a:extLst>
           </p:cNvPr>
@@ -5700,13 +5701,13 @@
           <p:nvPr/>
         </p:nvPicPr>
         <p:blipFill>
-          <a:blip r:embed="rId4">
+          <a:blip r:embed="rId2">
             <a:extLst>
               <a:ext uri="{28A0092B-C50C-407E-A947-70E740481C1C}">
                 <a14:useLocalDpi xmlns:a14="http://schemas.microsoft.com/office/drawing/2010/main" val="0"/>
               </a:ext>
               <a:ext uri="{96DAC541-7B7A-43D3-8B79-37D633B846F1}">
-                <asvg:svgBlip xmlns:asvg="http://schemas.microsoft.com/office/drawing/2016/SVG/main" r:embed="rId5"/>
+                <asvg:svgBlip xmlns:asvg="http://schemas.microsoft.com/office/drawing/2016/SVG/main" r:embed="rId3"/>
               </a:ext>
             </a:extLst>
           </a:blip>
@@ -5716,7 +5717,7 @@
         </p:blipFill>
         <p:spPr>
           <a:xfrm flipH="1">
-            <a:off x="4264585" y="3072556"/>
+            <a:off x="4471829" y="3908931"/>
             <a:ext cx="775485" cy="775485"/>
           </a:xfrm>
           <a:prstGeom prst="rect">
@@ -5724,45 +5725,6 @@
           </a:prstGeom>
         </p:spPr>
       </p:pic>
-      <p:pic>
-        <p:nvPicPr>
-          <p:cNvPr id="13" name="Graphic 12">
-            <a:extLst>
-              <a:ext uri="{FF2B5EF4-FFF2-40B4-BE49-F238E27FC236}">
-                <a16:creationId xmlns:a16="http://schemas.microsoft.com/office/drawing/2014/main" id="{F203BB66-BC45-4153-99D8-42661CB3B34C}"/>
-              </a:ext>
-            </a:extLst>
-          </p:cNvPr>
-          <p:cNvPicPr>
-            <a:picLocks noChangeAspect="1"/>
-          </p:cNvPicPr>
-          <p:nvPr/>
-        </p:nvPicPr>
-        <p:blipFill>
-          <a:blip r:embed="rId4">
-            <a:extLst>
-              <a:ext uri="{28A0092B-C50C-407E-A947-70E740481C1C}">
-                <a14:useLocalDpi xmlns:a14="http://schemas.microsoft.com/office/drawing/2010/main" val="0"/>
-              </a:ext>
-              <a:ext uri="{96DAC541-7B7A-43D3-8B79-37D633B846F1}">
-                <asvg:svgBlip xmlns:asvg="http://schemas.microsoft.com/office/drawing/2016/SVG/main" r:embed="rId5"/>
-              </a:ext>
-            </a:extLst>
-          </a:blip>
-          <a:stretch>
-            <a:fillRect/>
-          </a:stretch>
-        </p:blipFill>
-        <p:spPr>
-          <a:xfrm flipH="1">
-            <a:off x="4273038" y="3908931"/>
-            <a:ext cx="775485" cy="775485"/>
-          </a:xfrm>
-          <a:prstGeom prst="rect">
-            <a:avLst/>
-          </a:prstGeom>
-        </p:spPr>
-      </p:pic>
       <p:sp>
         <p:nvSpPr>
           <p:cNvPr id="31" name="TextBox 30">
@@ -5777,7 +5739,7 @@
         </p:nvSpPr>
         <p:spPr>
           <a:xfrm>
-            <a:off x="984739" y="5432560"/>
+            <a:off x="1660604" y="5432560"/>
             <a:ext cx="815926" cy="369332"/>
           </a:xfrm>
           <a:prstGeom prst="rect">
@@ -5844,10 +5806,10 @@
       </p:sp>
       <p:sp>
         <p:nvSpPr>
-          <p:cNvPr id="32" name="TextBox 31">
-            <a:extLst>
-              <a:ext uri="{FF2B5EF4-FFF2-40B4-BE49-F238E27FC236}">
-                <a16:creationId xmlns:a16="http://schemas.microsoft.com/office/drawing/2014/main" id="{937AD8DF-8E1D-49F4-8E36-E3A448C92083}"/>
+          <p:cNvPr id="33" name="TextBox 32">
+            <a:extLst>
+              <a:ext uri="{FF2B5EF4-FFF2-40B4-BE49-F238E27FC236}">
+                <a16:creationId xmlns:a16="http://schemas.microsoft.com/office/drawing/2014/main" id="{761CBBA9-148A-4ADE-AFF8-94598E1E6F89}"/>
               </a:ext>
             </a:extLst>
           </p:cNvPr>
@@ -5856,8 +5818,8 @@
         </p:nvSpPr>
         <p:spPr>
           <a:xfrm>
-            <a:off x="2295808" y="4046385"/>
-            <a:ext cx="1548329" cy="369332"/>
+            <a:off x="4394914" y="4746531"/>
+            <a:ext cx="1219940" cy="646331"/>
           </a:xfrm>
           <a:prstGeom prst="rect">
             <a:avLst/>
@@ -5902,7 +5864,7 @@
                 <a:ea typeface="+mn-ea"/>
                 <a:cs typeface="+mn-cs"/>
               </a:rPr>
-              <a:t>Load balancer</a:t>
+              <a:t>REST API servers</a:t>
             </a:r>
             <a:endParaRPr kumimoji="0" lang="en-GB" sz="1800" b="0" i="0" u="none" strike="noStrike" kern="1200" cap="none" spc="0" normalizeH="0" baseline="0" noProof="0" dirty="0">
               <a:ln>
@@ -5923,10 +5885,10 @@
       </p:sp>
       <p:sp>
         <p:nvSpPr>
-          <p:cNvPr id="33" name="TextBox 32">
-            <a:extLst>
-              <a:ext uri="{FF2B5EF4-FFF2-40B4-BE49-F238E27FC236}">
-                <a16:creationId xmlns:a16="http://schemas.microsoft.com/office/drawing/2014/main" id="{761CBBA9-148A-4ADE-AFF8-94598E1E6F89}"/>
+          <p:cNvPr id="35" name="TextBox 34">
+            <a:extLst>
+              <a:ext uri="{FF2B5EF4-FFF2-40B4-BE49-F238E27FC236}">
+                <a16:creationId xmlns:a16="http://schemas.microsoft.com/office/drawing/2014/main" id="{925BAB58-AF54-4642-9A8C-2AF85986706C}"/>
               </a:ext>
             </a:extLst>
           </p:cNvPr>
@@ -5935,8 +5897,8 @@
         </p:nvSpPr>
         <p:spPr>
           <a:xfrm>
-            <a:off x="4196123" y="4746531"/>
-            <a:ext cx="1219940" cy="646331"/>
+            <a:off x="8249666" y="4688015"/>
+            <a:ext cx="1809350" cy="369332"/>
           </a:xfrm>
           <a:prstGeom prst="rect">
             <a:avLst/>
@@ -5967,85 +5929,6 @@
               <a:defRPr/>
             </a:pPr>
             <a:r>
-              <a:rPr kumimoji="0" lang="en-US" sz="1800" b="0" i="0" u="none" strike="noStrike" kern="1200" cap="none" spc="0" normalizeH="0" baseline="0" noProof="0" dirty="0">
-                <a:ln>
-                  <a:noFill/>
-                </a:ln>
-                <a:solidFill>
-                  <a:prstClr val="black"/>
-                </a:solidFill>
-                <a:effectLst/>
-                <a:uLnTx/>
-                <a:uFillTx/>
-                <a:latin typeface="Calibri" panose="020F0502020204030204"/>
-                <a:ea typeface="+mn-ea"/>
-                <a:cs typeface="+mn-cs"/>
-              </a:rPr>
-              <a:t>REST API servers</a:t>
-            </a:r>
-            <a:endParaRPr kumimoji="0" lang="en-GB" sz="1800" b="0" i="0" u="none" strike="noStrike" kern="1200" cap="none" spc="0" normalizeH="0" baseline="0" noProof="0" dirty="0">
-              <a:ln>
-                <a:noFill/>
-              </a:ln>
-              <a:solidFill>
-                <a:prstClr val="black"/>
-              </a:solidFill>
-              <a:effectLst/>
-              <a:uLnTx/>
-              <a:uFillTx/>
-              <a:latin typeface="Calibri" panose="020F0502020204030204"/>
-              <a:ea typeface="+mn-ea"/>
-              <a:cs typeface="+mn-cs"/>
-            </a:endParaRPr>
-          </a:p>
-        </p:txBody>
-      </p:sp>
-      <p:sp>
-        <p:nvSpPr>
-          <p:cNvPr id="35" name="TextBox 34">
-            <a:extLst>
-              <a:ext uri="{FF2B5EF4-FFF2-40B4-BE49-F238E27FC236}">
-                <a16:creationId xmlns:a16="http://schemas.microsoft.com/office/drawing/2014/main" id="{925BAB58-AF54-4642-9A8C-2AF85986706C}"/>
-              </a:ext>
-            </a:extLst>
-          </p:cNvPr>
-          <p:cNvSpPr txBox="1"/>
-          <p:nvPr/>
-        </p:nvSpPr>
-        <p:spPr>
-          <a:xfrm>
-            <a:off x="7573801" y="4688015"/>
-            <a:ext cx="1809350" cy="369332"/>
-          </a:xfrm>
-          <a:prstGeom prst="rect">
-            <a:avLst/>
-          </a:prstGeom>
-          <a:noFill/>
-        </p:spPr>
-        <p:txBody>
-          <a:bodyPr wrap="square" rtlCol="0">
-            <a:spAutoFit/>
-          </a:bodyPr>
-          <a:lstStyle/>
-          <a:p>
-            <a:pPr marL="0" marR="0" lvl="0" indent="0" algn="l" defTabSz="914400" rtl="0" eaLnBrk="1" fontAlgn="auto" latinLnBrk="0" hangingPunct="1">
-              <a:lnSpc>
-                <a:spcPct val="100000"/>
-              </a:lnSpc>
-              <a:spcBef>
-                <a:spcPts val="0"/>
-              </a:spcBef>
-              <a:spcAft>
-                <a:spcPts val="0"/>
-              </a:spcAft>
-              <a:buClrTx/>
-              <a:buSzTx/>
-              <a:buFontTx/>
-              <a:buNone/>
-              <a:tabLst/>
-              <a:defRPr/>
-            </a:pPr>
-            <a:r>
               <a:rPr kumimoji="0" lang="en-US" sz="1800" b="0" i="0" u="none" strike="noStrike" kern="1200" cap="none" spc="0" normalizeH="0" baseline="0" noProof="0" dirty="0" err="1">
                 <a:ln>
                   <a:noFill/>
@@ -6097,13 +5980,15 @@
               </a:ext>
             </a:extLst>
           </p:cNvPr>
-          <p:cNvCxnSpPr/>
+          <p:cNvCxnSpPr>
+            <a:cxnSpLocks/>
+          </p:cNvCxnSpPr>
           <p:nvPr/>
         </p:nvCxnSpPr>
         <p:spPr>
           <a:xfrm>
-            <a:off x="1899139" y="2850735"/>
-            <a:ext cx="599910" cy="479789"/>
+            <a:off x="2630025" y="2812496"/>
+            <a:ext cx="1612683" cy="446683"/>
           </a:xfrm>
           <a:prstGeom prst="straightConnector1">
             <a:avLst/>
@@ -6149,8 +6034,8 @@
         </p:nvCxnSpPr>
         <p:spPr>
           <a:xfrm flipV="1">
-            <a:off x="1954160" y="3767581"/>
-            <a:ext cx="416120" cy="69008"/>
+            <a:off x="2741984" y="3618438"/>
+            <a:ext cx="1500724" cy="118675"/>
           </a:xfrm>
           <a:prstGeom prst="straightConnector1">
             <a:avLst/>
@@ -6196,149 +6081,8 @@
         </p:nvCxnSpPr>
         <p:spPr>
           <a:xfrm flipV="1">
-            <a:off x="2066119" y="4465848"/>
-            <a:ext cx="229689" cy="299039"/>
-          </a:xfrm>
-          <a:prstGeom prst="straightConnector1">
-            <a:avLst/>
-          </a:prstGeom>
-          <a:ln w="9525" cap="flat" cmpd="sng" algn="ctr">
-            <a:solidFill>
-              <a:schemeClr val="accent1"/>
-            </a:solidFill>
-            <a:prstDash val="solid"/>
-            <a:round/>
-            <a:headEnd type="arrow" w="med" len="med"/>
-            <a:tailEnd type="arrow" w="med" len="med"/>
-          </a:ln>
-        </p:spPr>
-        <p:style>
-          <a:lnRef idx="0">
-            <a:scrgbClr r="0" g="0" b="0"/>
-          </a:lnRef>
-          <a:fillRef idx="0">
-            <a:scrgbClr r="0" g="0" b="0"/>
-          </a:fillRef>
-          <a:effectRef idx="0">
-            <a:scrgbClr r="0" g="0" b="0"/>
-          </a:effectRef>
-          <a:fontRef idx="minor">
-            <a:schemeClr val="tx1"/>
-          </a:fontRef>
-        </p:style>
-      </p:cxnSp>
-      <p:cxnSp>
-        <p:nvCxnSpPr>
-          <p:cNvPr id="42" name="Straight Arrow Connector 41">
-            <a:extLst>
-              <a:ext uri="{FF2B5EF4-FFF2-40B4-BE49-F238E27FC236}">
-                <a16:creationId xmlns:a16="http://schemas.microsoft.com/office/drawing/2014/main" id="{5E4520BB-281E-4AC4-AC6E-2CAB82525318}"/>
-              </a:ext>
-            </a:extLst>
-          </p:cNvPr>
-          <p:cNvCxnSpPr>
-            <a:cxnSpLocks/>
-          </p:cNvCxnSpPr>
-          <p:nvPr/>
-        </p:nvCxnSpPr>
-        <p:spPr>
-          <a:xfrm flipV="1">
-            <a:off x="3641989" y="2892301"/>
-            <a:ext cx="595068" cy="635385"/>
-          </a:xfrm>
-          <a:prstGeom prst="straightConnector1">
-            <a:avLst/>
-          </a:prstGeom>
-          <a:ln w="9525" cap="flat" cmpd="sng" algn="ctr">
-            <a:solidFill>
-              <a:schemeClr val="accent1"/>
-            </a:solidFill>
-            <a:prstDash val="solid"/>
-            <a:round/>
-            <a:headEnd type="arrow" w="med" len="med"/>
-            <a:tailEnd type="arrow" w="med" len="med"/>
-          </a:ln>
-        </p:spPr>
-        <p:style>
-          <a:lnRef idx="0">
-            <a:scrgbClr r="0" g="0" b="0"/>
-          </a:lnRef>
-          <a:fillRef idx="0">
-            <a:scrgbClr r="0" g="0" b="0"/>
-          </a:fillRef>
-          <a:effectRef idx="0">
-            <a:scrgbClr r="0" g="0" b="0"/>
-          </a:effectRef>
-          <a:fontRef idx="minor">
-            <a:schemeClr val="tx1"/>
-          </a:fontRef>
-        </p:style>
-      </p:cxnSp>
-      <p:cxnSp>
-        <p:nvCxnSpPr>
-          <p:cNvPr id="44" name="Straight Arrow Connector 43">
-            <a:extLst>
-              <a:ext uri="{FF2B5EF4-FFF2-40B4-BE49-F238E27FC236}">
-                <a16:creationId xmlns:a16="http://schemas.microsoft.com/office/drawing/2014/main" id="{51780086-69E8-4BDA-8343-F91A915E076E}"/>
-              </a:ext>
-            </a:extLst>
-          </p:cNvPr>
-          <p:cNvCxnSpPr>
-            <a:cxnSpLocks/>
-          </p:cNvCxnSpPr>
-          <p:nvPr/>
-        </p:nvCxnSpPr>
-        <p:spPr>
-          <a:xfrm flipV="1">
-            <a:off x="3696461" y="3669751"/>
-            <a:ext cx="374694" cy="97831"/>
-          </a:xfrm>
-          <a:prstGeom prst="straightConnector1">
-            <a:avLst/>
-          </a:prstGeom>
-          <a:ln w="9525" cap="flat" cmpd="sng" algn="ctr">
-            <a:solidFill>
-              <a:schemeClr val="accent1"/>
-            </a:solidFill>
-            <a:prstDash val="solid"/>
-            <a:round/>
-            <a:headEnd type="arrow" w="med" len="med"/>
-            <a:tailEnd type="arrow" w="med" len="med"/>
-          </a:ln>
-        </p:spPr>
-        <p:style>
-          <a:lnRef idx="0">
-            <a:scrgbClr r="0" g="0" b="0"/>
-          </a:lnRef>
-          <a:fillRef idx="0">
-            <a:scrgbClr r="0" g="0" b="0"/>
-          </a:fillRef>
-          <a:effectRef idx="0">
-            <a:scrgbClr r="0" g="0" b="0"/>
-          </a:effectRef>
-          <a:fontRef idx="minor">
-            <a:schemeClr val="tx1"/>
-          </a:fontRef>
-        </p:style>
-      </p:cxnSp>
-      <p:cxnSp>
-        <p:nvCxnSpPr>
-          <p:cNvPr id="46" name="Straight Arrow Connector 45">
-            <a:extLst>
-              <a:ext uri="{FF2B5EF4-FFF2-40B4-BE49-F238E27FC236}">
-                <a16:creationId xmlns:a16="http://schemas.microsoft.com/office/drawing/2014/main" id="{49B630EA-D98B-4805-A2CD-8288C6A359A0}"/>
-              </a:ext>
-            </a:extLst>
-          </p:cNvPr>
-          <p:cNvCxnSpPr>
-            <a:cxnSpLocks/>
-          </p:cNvCxnSpPr>
-          <p:nvPr/>
-        </p:nvCxnSpPr>
-        <p:spPr>
-          <a:xfrm>
-            <a:off x="3682934" y="3965832"/>
-            <a:ext cx="473301" cy="340313"/>
+            <a:off x="2741984" y="3848041"/>
+            <a:ext cx="1500724" cy="916848"/>
           </a:xfrm>
           <a:prstGeom prst="straightConnector1">
             <a:avLst/>
@@ -6384,8 +6128,8 @@
         </p:nvCxnSpPr>
         <p:spPr>
           <a:xfrm>
-            <a:off x="5131920" y="2689718"/>
-            <a:ext cx="467023" cy="351682"/>
+            <a:off x="5486400" y="2812496"/>
+            <a:ext cx="788408" cy="228904"/>
           </a:xfrm>
           <a:prstGeom prst="straightConnector1">
             <a:avLst/>
@@ -6430,9 +6174,9 @@
           <p:nvPr/>
         </p:nvCxnSpPr>
         <p:spPr>
-          <a:xfrm flipV="1">
-            <a:off x="5131919" y="3460298"/>
-            <a:ext cx="512395" cy="3997"/>
+          <a:xfrm>
+            <a:off x="5486400" y="3460298"/>
+            <a:ext cx="833779" cy="1"/>
           </a:xfrm>
           <a:prstGeom prst="straightConnector1">
             <a:avLst/>
@@ -6478,8 +6222,8 @@
         </p:nvCxnSpPr>
         <p:spPr>
           <a:xfrm flipV="1">
-            <a:off x="5173255" y="4015115"/>
-            <a:ext cx="471059" cy="249128"/>
+            <a:off x="5486400" y="4015115"/>
+            <a:ext cx="833779" cy="172937"/>
           </a:xfrm>
           <a:prstGeom prst="straightConnector1">
             <a:avLst/>
@@ -6524,13 +6268,13 @@
           <p:nvPr/>
         </p:nvPicPr>
         <p:blipFill>
-          <a:blip r:embed="rId6">
+          <a:blip r:embed="rId4">
             <a:extLst>
               <a:ext uri="{28A0092B-C50C-407E-A947-70E740481C1C}">
                 <a14:useLocalDpi xmlns:a14="http://schemas.microsoft.com/office/drawing/2010/main" val="0"/>
               </a:ext>
               <a:ext uri="{96DAC541-7B7A-43D3-8B79-37D633B846F1}">
-                <asvg:svgBlip xmlns:asvg="http://schemas.microsoft.com/office/drawing/2016/SVG/main" r:embed="rId7"/>
+                <asvg:svgBlip xmlns:asvg="http://schemas.microsoft.com/office/drawing/2016/SVG/main" r:embed="rId5"/>
               </a:ext>
             </a:extLst>
           </a:blip>
@@ -6540,7 +6284,7 @@
         </p:blipFill>
         <p:spPr>
           <a:xfrm>
-            <a:off x="5882620" y="2931195"/>
+            <a:off x="6558485" y="2931195"/>
             <a:ext cx="829994" cy="1012874"/>
           </a:xfrm>
           <a:prstGeom prst="rect">
@@ -6562,7 +6306,7 @@
         </p:nvSpPr>
         <p:spPr>
           <a:xfrm>
-            <a:off x="5610036" y="3988571"/>
+            <a:off x="6285901" y="3988571"/>
             <a:ext cx="1415718" cy="369332"/>
           </a:xfrm>
           <a:prstGeom prst="rect">
@@ -6642,13 +6386,13 @@
           <p:nvPr/>
         </p:nvPicPr>
         <p:blipFill>
-          <a:blip r:embed="rId6">
+          <a:blip r:embed="rId4">
             <a:extLst>
               <a:ext uri="{28A0092B-C50C-407E-A947-70E740481C1C}">
                 <a14:useLocalDpi xmlns:a14="http://schemas.microsoft.com/office/drawing/2010/main" val="0"/>
               </a:ext>
               <a:ext uri="{96DAC541-7B7A-43D3-8B79-37D633B846F1}">
-                <asvg:svgBlip xmlns:asvg="http://schemas.microsoft.com/office/drawing/2016/SVG/main" r:embed="rId7"/>
+                <asvg:svgBlip xmlns:asvg="http://schemas.microsoft.com/office/drawing/2016/SVG/main" r:embed="rId5"/>
               </a:ext>
             </a:extLst>
           </a:blip>
@@ -6658,7 +6402,7 @@
         </p:blipFill>
         <p:spPr>
           <a:xfrm>
-            <a:off x="7850456" y="2401650"/>
+            <a:off x="8526321" y="2401650"/>
             <a:ext cx="507440" cy="619249"/>
           </a:xfrm>
           <a:prstGeom prst="rect">
@@ -6681,13 +6425,13 @@
           <p:nvPr/>
         </p:nvPicPr>
         <p:blipFill>
-          <a:blip r:embed="rId6">
+          <a:blip r:embed="rId4">
             <a:extLst>
               <a:ext uri="{28A0092B-C50C-407E-A947-70E740481C1C}">
                 <a14:useLocalDpi xmlns:a14="http://schemas.microsoft.com/office/drawing/2010/main" val="0"/>
               </a:ext>
               <a:ext uri="{96DAC541-7B7A-43D3-8B79-37D633B846F1}">
-                <asvg:svgBlip xmlns:asvg="http://schemas.microsoft.com/office/drawing/2016/SVG/main" r:embed="rId7"/>
+                <asvg:svgBlip xmlns:asvg="http://schemas.microsoft.com/office/drawing/2016/SVG/main" r:embed="rId5"/>
               </a:ext>
             </a:extLst>
           </a:blip>
@@ -6697,7 +6441,7 @@
         </p:blipFill>
         <p:spPr>
           <a:xfrm>
-            <a:off x="7717345" y="3259179"/>
+            <a:off x="8393210" y="3259179"/>
             <a:ext cx="507440" cy="619249"/>
           </a:xfrm>
           <a:prstGeom prst="rect">
@@ -6720,13 +6464,13 @@
           <p:nvPr/>
         </p:nvPicPr>
         <p:blipFill>
-          <a:blip r:embed="rId6">
+          <a:blip r:embed="rId4">
             <a:extLst>
               <a:ext uri="{28A0092B-C50C-407E-A947-70E740481C1C}">
                 <a14:useLocalDpi xmlns:a14="http://schemas.microsoft.com/office/drawing/2010/main" val="0"/>
               </a:ext>
               <a:ext uri="{96DAC541-7B7A-43D3-8B79-37D633B846F1}">
-                <asvg:svgBlip xmlns:asvg="http://schemas.microsoft.com/office/drawing/2016/SVG/main" r:embed="rId7"/>
+                <asvg:svgBlip xmlns:asvg="http://schemas.microsoft.com/office/drawing/2016/SVG/main" r:embed="rId5"/>
               </a:ext>
             </a:extLst>
           </a:blip>
@@ -6736,7 +6480,7 @@
         </p:blipFill>
         <p:spPr>
           <a:xfrm>
-            <a:off x="8423663" y="3020899"/>
+            <a:off x="9099528" y="3020899"/>
             <a:ext cx="507440" cy="619249"/>
           </a:xfrm>
           <a:prstGeom prst="rect">
@@ -6759,13 +6503,13 @@
           <p:nvPr/>
         </p:nvPicPr>
         <p:blipFill>
-          <a:blip r:embed="rId6">
+          <a:blip r:embed="rId4">
             <a:extLst>
               <a:ext uri="{28A0092B-C50C-407E-A947-70E740481C1C}">
                 <a14:useLocalDpi xmlns:a14="http://schemas.microsoft.com/office/drawing/2010/main" val="0"/>
               </a:ext>
               <a:ext uri="{96DAC541-7B7A-43D3-8B79-37D633B846F1}">
-                <asvg:svgBlip xmlns:asvg="http://schemas.microsoft.com/office/drawing/2016/SVG/main" r:embed="rId7"/>
+                <asvg:svgBlip xmlns:asvg="http://schemas.microsoft.com/office/drawing/2016/SVG/main" r:embed="rId5"/>
               </a:ext>
             </a:extLst>
           </a:blip>
@@ -6775,7 +6519,7 @@
         </p:blipFill>
         <p:spPr>
           <a:xfrm>
-            <a:off x="7622727" y="3988571"/>
+            <a:off x="8298592" y="3988571"/>
             <a:ext cx="507440" cy="619249"/>
           </a:xfrm>
           <a:prstGeom prst="rect">
@@ -6798,13 +6542,13 @@
           <p:nvPr/>
         </p:nvPicPr>
         <p:blipFill>
-          <a:blip r:embed="rId6">
+          <a:blip r:embed="rId4">
             <a:extLst>
               <a:ext uri="{28A0092B-C50C-407E-A947-70E740481C1C}">
                 <a14:useLocalDpi xmlns:a14="http://schemas.microsoft.com/office/drawing/2010/main" val="0"/>
               </a:ext>
               <a:ext uri="{96DAC541-7B7A-43D3-8B79-37D633B846F1}">
-                <asvg:svgBlip xmlns:asvg="http://schemas.microsoft.com/office/drawing/2016/SVG/main" r:embed="rId7"/>
+                <asvg:svgBlip xmlns:asvg="http://schemas.microsoft.com/office/drawing/2016/SVG/main" r:embed="rId5"/>
               </a:ext>
             </a:extLst>
           </a:blip>
@@ -6814,7 +6558,7 @@
         </p:blipFill>
         <p:spPr>
           <a:xfrm>
-            <a:off x="8373637" y="4026976"/>
+            <a:off x="9049502" y="4026976"/>
             <a:ext cx="507440" cy="619249"/>
           </a:xfrm>
           <a:prstGeom prst="rect">
@@ -6837,13 +6581,13 @@
           <p:nvPr/>
         </p:nvPicPr>
         <p:blipFill>
-          <a:blip r:embed="rId6">
+          <a:blip r:embed="rId4">
             <a:extLst>
               <a:ext uri="{28A0092B-C50C-407E-A947-70E740481C1C}">
                 <a14:useLocalDpi xmlns:a14="http://schemas.microsoft.com/office/drawing/2010/main" val="0"/>
               </a:ext>
               <a:ext uri="{96DAC541-7B7A-43D3-8B79-37D633B846F1}">
-                <asvg:svgBlip xmlns:asvg="http://schemas.microsoft.com/office/drawing/2016/SVG/main" r:embed="rId7"/>
+                <asvg:svgBlip xmlns:asvg="http://schemas.microsoft.com/office/drawing/2016/SVG/main" r:embed="rId5"/>
               </a:ext>
             </a:extLst>
           </a:blip>
@@ -6853,7 +6597,7 @@
         </p:blipFill>
         <p:spPr>
           <a:xfrm>
-            <a:off x="9036003" y="3568803"/>
+            <a:off x="9711868" y="3568803"/>
             <a:ext cx="507440" cy="619249"/>
           </a:xfrm>
           <a:prstGeom prst="rect">
@@ -6875,7 +6619,7 @@
         </p:nvCxnSpPr>
         <p:spPr>
           <a:xfrm flipV="1">
-            <a:off x="6921305" y="2850735"/>
+            <a:off x="7597170" y="2850735"/>
             <a:ext cx="652496" cy="408444"/>
           </a:xfrm>
           <a:prstGeom prst="line">
@@ -6913,7 +6657,7 @@
         </p:nvCxnSpPr>
         <p:spPr>
           <a:xfrm>
-            <a:off x="6856158" y="3618437"/>
+            <a:off x="7532023" y="3618437"/>
             <a:ext cx="652496" cy="0"/>
           </a:xfrm>
           <a:prstGeom prst="line">
@@ -6951,7 +6695,7 @@
         </p:nvCxnSpPr>
         <p:spPr>
           <a:xfrm>
-            <a:off x="6803333" y="3932832"/>
+            <a:off x="7479198" y="3932832"/>
             <a:ext cx="610340" cy="94144"/>
           </a:xfrm>
           <a:prstGeom prst="line">
@@ -7060,15 +6804,7 @@
           <a:p>
             <a:r>
               <a:rPr lang="en-GB" dirty="0"/>
-              <a:t>1 machine for </a:t>
-            </a:r>
-            <a:r>
-              <a:rPr lang="en-GB" dirty="0" err="1"/>
-              <a:t>Gobetween</a:t>
-            </a:r>
-            <a:r>
-              <a:rPr lang="en-GB" dirty="0"/>
-              <a:t> load balancer + REST </a:t>
+              <a:t>2 machine for REST </a:t>
             </a:r>
             <a:r>
               <a:rPr lang="en-GB" dirty="0" err="1"/>
@@ -7087,28 +6823,6 @@
           <a:p>
             <a:r>
               <a:rPr lang="en-GB" dirty="0"/>
-              <a:t>1 machine for REST </a:t>
-            </a:r>
-            <a:r>
-              <a:rPr lang="en-GB" dirty="0" err="1"/>
-              <a:t>api</a:t>
-            </a:r>
-            <a:r>
-              <a:rPr lang="en-GB" dirty="0"/>
-              <a:t> on Netty Server </a:t>
-            </a:r>
-            <a:r>
-              <a:rPr lang="en-GB" dirty="0" err="1"/>
-              <a:t>server</a:t>
-            </a:r>
-            <a:r>
-              <a:rPr lang="en-GB" dirty="0"/>
-              <a:t> (weight 2)</a:t>
-            </a:r>
-          </a:p>
-          <a:p>
-            <a:r>
-              <a:rPr lang="en-GB" dirty="0"/>
               <a:t>1 machine for Mongo master</a:t>
             </a:r>
           </a:p>
@@ -7124,6 +6838,12 @@
             <a:r>
               <a:rPr lang="en-GB" dirty="0"/>
               <a:t> nodes</a:t>
+            </a:r>
+          </a:p>
+          <a:p>
+            <a:r>
+              <a:rPr lang="en-GB" dirty="0"/>
+              <a:t>All machines using Core I5, 12G ram, Windows 10 64bit</a:t>
             </a:r>
           </a:p>
         </p:txBody>
@@ -7427,7 +7147,7 @@
             </a:r>
             <a:r>
               <a:rPr lang="en-US" dirty="0"/>
-              <a:t> or adding more </a:t>
+              <a:t> or adding more REST API/</a:t>
             </a:r>
             <a:r>
               <a:rPr lang="en-US" dirty="0" err="1"/>
@@ -7584,12 +7304,12 @@
         <p:spPr>
           <a:xfrm>
             <a:off x="838200" y="1825624"/>
-            <a:ext cx="10515600" cy="4530725"/>
+            <a:ext cx="10515600" cy="4230619"/>
           </a:xfrm>
         </p:spPr>
         <p:txBody>
           <a:bodyPr>
-            <a:normAutofit fontScale="77500" lnSpcReduction="20000"/>
+            <a:normAutofit lnSpcReduction="10000"/>
           </a:bodyPr>
           <a:lstStyle/>
           <a:p>
@@ -7658,73 +7378,15 @@
             </a:r>
             <a:r>
               <a:rPr lang="en-US" dirty="0"/>
-              <a:t> server &amp; 2 topics] (Hubs grouped by zone)</a:t>
+              <a:t> server &amp; 2 topics] </a:t>
+            </a:r>
+          </a:p>
+          <a:p>
+            <a:r>
+              <a:rPr lang="en-US" dirty="0"/>
+              <a:t>Hubs grouped by zone (each zone has 1 Kafka server)</a:t>
             </a:r>
             <a:endParaRPr lang="en-GB" dirty="0"/>
-          </a:p>
-          <a:p>
-            <a:r>
-              <a:rPr lang="en-GB" dirty="0"/>
-              <a:t>REST API f</a:t>
-            </a:r>
-            <a:r>
-              <a:rPr lang="en-US" dirty="0" err="1"/>
-              <a:t>ind</a:t>
-            </a:r>
-            <a:r>
-              <a:rPr lang="en-US" dirty="0"/>
-              <a:t> &amp; attach associated/related hub(s) then send message to target [Kafka - topic(s)]</a:t>
-            </a:r>
-          </a:p>
-          <a:p>
-            <a:pPr lvl="1"/>
-            <a:r>
-              <a:rPr lang="en-US" dirty="0"/>
-              <a:t>Also attach  </a:t>
-            </a:r>
-            <a:r>
-              <a:rPr lang="en-US" dirty="0" err="1"/>
-              <a:t>api</a:t>
-            </a:r>
-            <a:r>
-              <a:rPr lang="en-US" dirty="0"/>
-              <a:t> server info</a:t>
-            </a:r>
-          </a:p>
-          <a:p>
-            <a:r>
-              <a:rPr lang="en-US" dirty="0"/>
-              <a:t>Each </a:t>
-            </a:r>
-            <a:r>
-              <a:rPr lang="en-GB" dirty="0"/>
-              <a:t>REST API server have 2 response topics </a:t>
-            </a:r>
-            <a:r>
-              <a:rPr lang="en-US" dirty="0"/>
-              <a:t>(tracking/searching-result) on each Kafka servers</a:t>
-            </a:r>
-            <a:endParaRPr lang="en-GB" dirty="0"/>
-          </a:p>
-          <a:p>
-            <a:r>
-              <a:rPr lang="en-US" dirty="0"/>
-              <a:t>Micro-services will write result to </a:t>
-            </a:r>
-            <a:r>
-              <a:rPr lang="en-US" dirty="0" err="1"/>
-              <a:t>api</a:t>
-            </a:r>
-            <a:r>
-              <a:rPr lang="en-US" dirty="0"/>
-              <a:t>-server source’s response topic</a:t>
-            </a:r>
-          </a:p>
-          <a:p>
-            <a:r>
-              <a:rPr lang="en-GB" dirty="0"/>
-              <a:t>REST API collect &amp; combine results then send response to client.</a:t>
-            </a:r>
           </a:p>
         </p:txBody>
       </p:sp>
@@ -7767,7 +7429,7 @@
     </p:spTree>
     <p:extLst>
       <p:ext uri="{BB962C8B-B14F-4D97-AF65-F5344CB8AC3E}">
-        <p14:creationId xmlns:p14="http://schemas.microsoft.com/office/powerpoint/2010/main" val="3252182928"/>
+        <p14:creationId xmlns:p14="http://schemas.microsoft.com/office/powerpoint/2010/main" val="1343275169"/>
       </p:ext>
     </p:extLst>
   </p:cSld>
@@ -7799,7 +7461,7 @@
           <p:cNvPr id="2" name="Title 1">
             <a:extLst>
               <a:ext uri="{FF2B5EF4-FFF2-40B4-BE49-F238E27FC236}">
-                <a16:creationId xmlns:a16="http://schemas.microsoft.com/office/drawing/2014/main" id="{832D96B4-B1E1-4CBE-9901-B5AB8D954F6A}"/>
+                <a16:creationId xmlns:a16="http://schemas.microsoft.com/office/drawing/2014/main" id="{0500BB53-5886-4BB4-AD1C-C059C9719BD2}"/>
               </a:ext>
             </a:extLst>
           </p:cNvPr>
@@ -7810,12 +7472,7 @@
             <p:ph type="title"/>
           </p:nvPr>
         </p:nvSpPr>
-        <p:spPr>
-          <a:xfrm>
-            <a:off x="838200" y="365125"/>
-            <a:ext cx="10515600" cy="1325563"/>
-          </a:xfrm>
-        </p:spPr>
+        <p:spPr/>
         <p:txBody>
           <a:bodyPr/>
           <a:lstStyle/>
@@ -7833,10 +7490,103 @@
       </p:sp>
       <p:sp>
         <p:nvSpPr>
+          <p:cNvPr id="3" name="Content Placeholder 2">
+            <a:extLst>
+              <a:ext uri="{FF2B5EF4-FFF2-40B4-BE49-F238E27FC236}">
+                <a16:creationId xmlns:a16="http://schemas.microsoft.com/office/drawing/2014/main" id="{D1C1C92E-9BF4-40DD-9F36-9E0232E3FEBA}"/>
+              </a:ext>
+            </a:extLst>
+          </p:cNvPr>
+          <p:cNvSpPr>
+            <a:spLocks noGrp="1"/>
+          </p:cNvSpPr>
+          <p:nvPr>
+            <p:ph idx="1"/>
+          </p:nvPr>
+        </p:nvSpPr>
+        <p:spPr>
+          <a:xfrm>
+            <a:off x="838200" y="1825624"/>
+            <a:ext cx="10515600" cy="4530725"/>
+          </a:xfrm>
+        </p:spPr>
+        <p:txBody>
+          <a:bodyPr>
+            <a:normAutofit/>
+          </a:bodyPr>
+          <a:lstStyle/>
+          <a:p>
+            <a:r>
+              <a:rPr lang="en-GB" dirty="0"/>
+              <a:t>REST API f</a:t>
+            </a:r>
+            <a:r>
+              <a:rPr lang="en-US" dirty="0" err="1"/>
+              <a:t>ind</a:t>
+            </a:r>
+            <a:r>
+              <a:rPr lang="en-US" dirty="0"/>
+              <a:t> &amp; attach associated/related hub(s) then send message to target [Kafka-topic(s)]</a:t>
+            </a:r>
+          </a:p>
+          <a:p>
+            <a:pPr lvl="1"/>
+            <a:r>
+              <a:rPr lang="en-US" dirty="0"/>
+              <a:t>Also attach </a:t>
+            </a:r>
+            <a:r>
+              <a:rPr lang="en-US" dirty="0" err="1"/>
+              <a:t>api</a:t>
+            </a:r>
+            <a:r>
+              <a:rPr lang="en-US" dirty="0"/>
+              <a:t> server info as response point</a:t>
+            </a:r>
+          </a:p>
+          <a:p>
+            <a:r>
+              <a:rPr lang="en-US" dirty="0"/>
+              <a:t>Each </a:t>
+            </a:r>
+            <a:r>
+              <a:rPr lang="en-GB" dirty="0"/>
+              <a:t>REST API server have 2 response topics </a:t>
+            </a:r>
+            <a:r>
+              <a:rPr lang="en-US" dirty="0"/>
+              <a:t>(tracking/searching-result) on each Kafka servers</a:t>
+            </a:r>
+            <a:endParaRPr lang="en-GB" dirty="0"/>
+          </a:p>
+          <a:p>
+            <a:r>
+              <a:rPr lang="en-US" dirty="0"/>
+              <a:t>Micro-services will write result to </a:t>
+            </a:r>
+            <a:r>
+              <a:rPr lang="en-US" dirty="0" err="1"/>
+              <a:t>api</a:t>
+            </a:r>
+            <a:r>
+              <a:rPr lang="en-US" dirty="0"/>
+              <a:t>-server source’s response topic</a:t>
+            </a:r>
+          </a:p>
+          <a:p>
+            <a:r>
+              <a:rPr lang="en-GB" dirty="0"/>
+              <a:t>REST API collect &amp; combine results then send response to client.</a:t>
+            </a:r>
+          </a:p>
+        </p:txBody>
+      </p:sp>
+      <p:sp>
+        <p:nvSpPr>
           <p:cNvPr id="4" name="Footer Placeholder 3">
             <a:extLst>
               <a:ext uri="{FF2B5EF4-FFF2-40B4-BE49-F238E27FC236}">
-                <a16:creationId xmlns:a16="http://schemas.microsoft.com/office/drawing/2014/main" id="{293FEE91-26F7-4F9D-AE64-3E1FDC25D99F}"/>
+                <a16:creationId xmlns:a16="http://schemas.microsoft.com/office/drawing/2014/main" id="{2DD1A85D-26D4-407D-8F4C-E8C1CA1AF4B1}"/>
               </a:ext>
             </a:extLst>
           </p:cNvPr>
@@ -7853,1486 +7603,24 @@
           <a:lstStyle/>
           <a:p>
             <a:r>
-              <a:rPr lang="en-GB"/>
-              <a:t>MUM-Compro tech talk – July 06, 2019</a:t>
-            </a:r>
-          </a:p>
-        </p:txBody>
-      </p:sp>
-      <p:sp>
-        <p:nvSpPr>
-          <p:cNvPr id="5" name="Thought Bubble: Cloud 4">
-            <a:extLst>
-              <a:ext uri="{FF2B5EF4-FFF2-40B4-BE49-F238E27FC236}">
-                <a16:creationId xmlns:a16="http://schemas.microsoft.com/office/drawing/2014/main" id="{C6504198-6055-44BC-9074-6F8CA71CD608}"/>
-              </a:ext>
-            </a:extLst>
-          </p:cNvPr>
-          <p:cNvSpPr/>
-          <p:nvPr/>
-        </p:nvSpPr>
-        <p:spPr>
-          <a:xfrm>
-            <a:off x="1263034" y="2318547"/>
-            <a:ext cx="914400" cy="612648"/>
-          </a:xfrm>
-          <a:prstGeom prst="cloudCallout">
-            <a:avLst/>
-          </a:prstGeom>
-          <a:noFill/>
-        </p:spPr>
-        <p:style>
-          <a:lnRef idx="2">
-            <a:schemeClr val="accent1">
-              <a:shade val="50000"/>
-            </a:schemeClr>
-          </a:lnRef>
-          <a:fillRef idx="1">
-            <a:schemeClr val="accent1"/>
-          </a:fillRef>
-          <a:effectRef idx="0">
-            <a:schemeClr val="accent1"/>
-          </a:effectRef>
-          <a:fontRef idx="minor">
-            <a:schemeClr val="lt1"/>
-          </a:fontRef>
-        </p:style>
-        <p:txBody>
-          <a:bodyPr rtlCol="0" anchor="ctr"/>
-          <a:lstStyle/>
-          <a:p>
-            <a:pPr algn="ctr"/>
-            <a:endParaRPr lang="en-GB"/>
-          </a:p>
-        </p:txBody>
-      </p:sp>
-      <p:sp>
-        <p:nvSpPr>
-          <p:cNvPr id="6" name="Thought Bubble: Cloud 5">
-            <a:extLst>
-              <a:ext uri="{FF2B5EF4-FFF2-40B4-BE49-F238E27FC236}">
-                <a16:creationId xmlns:a16="http://schemas.microsoft.com/office/drawing/2014/main" id="{C05D56BE-60FD-41F9-90FE-E5724A33ACED}"/>
-              </a:ext>
-            </a:extLst>
-          </p:cNvPr>
-          <p:cNvSpPr/>
-          <p:nvPr/>
-        </p:nvSpPr>
-        <p:spPr>
-          <a:xfrm>
-            <a:off x="984739" y="3561676"/>
-            <a:ext cx="914400" cy="612648"/>
-          </a:xfrm>
-          <a:prstGeom prst="cloudCallout">
-            <a:avLst/>
-          </a:prstGeom>
-          <a:noFill/>
-        </p:spPr>
-        <p:style>
-          <a:lnRef idx="2">
-            <a:schemeClr val="accent1">
-              <a:shade val="50000"/>
-            </a:schemeClr>
-          </a:lnRef>
-          <a:fillRef idx="1">
-            <a:schemeClr val="accent1"/>
-          </a:fillRef>
-          <a:effectRef idx="0">
-            <a:schemeClr val="accent1"/>
-          </a:effectRef>
-          <a:fontRef idx="minor">
-            <a:schemeClr val="lt1"/>
-          </a:fontRef>
-        </p:style>
-        <p:txBody>
-          <a:bodyPr rtlCol="0" anchor="ctr"/>
-          <a:lstStyle/>
-          <a:p>
-            <a:pPr algn="ctr"/>
-            <a:endParaRPr lang="en-GB"/>
-          </a:p>
-        </p:txBody>
-      </p:sp>
-      <p:pic>
-        <p:nvPicPr>
-          <p:cNvPr id="11" name="Graphic 10">
-            <a:extLst>
-              <a:ext uri="{FF2B5EF4-FFF2-40B4-BE49-F238E27FC236}">
-                <a16:creationId xmlns:a16="http://schemas.microsoft.com/office/drawing/2014/main" id="{B2AE7CBB-1359-4D82-843C-878A63AA0801}"/>
-              </a:ext>
-            </a:extLst>
-          </p:cNvPr>
-          <p:cNvPicPr>
-            <a:picLocks noChangeAspect="1"/>
-          </p:cNvPicPr>
-          <p:nvPr/>
-        </p:nvPicPr>
-        <p:blipFill>
-          <a:blip r:embed="rId2">
-            <a:extLst>
-              <a:ext uri="{28A0092B-C50C-407E-A947-70E740481C1C}">
-                <a14:useLocalDpi xmlns:a14="http://schemas.microsoft.com/office/drawing/2010/main" val="0"/>
-              </a:ext>
-              <a:ext uri="{96DAC541-7B7A-43D3-8B79-37D633B846F1}">
-                <asvg:svgBlip xmlns:asvg="http://schemas.microsoft.com/office/drawing/2016/SVG/main" r:embed="rId3"/>
-              </a:ext>
-            </a:extLst>
-          </a:blip>
-          <a:stretch>
-            <a:fillRect/>
-          </a:stretch>
-        </p:blipFill>
-        <p:spPr>
-          <a:xfrm flipH="1">
-            <a:off x="3359628" y="2248135"/>
-            <a:ext cx="775485" cy="775485"/>
-          </a:xfrm>
-          <a:prstGeom prst="rect">
-            <a:avLst/>
-          </a:prstGeom>
-        </p:spPr>
-      </p:pic>
-      <p:pic>
-        <p:nvPicPr>
-          <p:cNvPr id="12" name="Graphic 11">
-            <a:extLst>
-              <a:ext uri="{FF2B5EF4-FFF2-40B4-BE49-F238E27FC236}">
-                <a16:creationId xmlns:a16="http://schemas.microsoft.com/office/drawing/2014/main" id="{76BC0CAB-6D21-494C-A245-64540E15A9E3}"/>
-              </a:ext>
-            </a:extLst>
-          </p:cNvPr>
-          <p:cNvPicPr>
-            <a:picLocks noChangeAspect="1"/>
-          </p:cNvPicPr>
-          <p:nvPr/>
-        </p:nvPicPr>
-        <p:blipFill>
-          <a:blip r:embed="rId2">
-            <a:extLst>
-              <a:ext uri="{28A0092B-C50C-407E-A947-70E740481C1C}">
-                <a14:useLocalDpi xmlns:a14="http://schemas.microsoft.com/office/drawing/2010/main" val="0"/>
-              </a:ext>
-              <a:ext uri="{96DAC541-7B7A-43D3-8B79-37D633B846F1}">
-                <asvg:svgBlip xmlns:asvg="http://schemas.microsoft.com/office/drawing/2016/SVG/main" r:embed="rId3"/>
-              </a:ext>
-            </a:extLst>
-          </a:blip>
-          <a:stretch>
-            <a:fillRect/>
-          </a:stretch>
-        </p:blipFill>
-        <p:spPr>
-          <a:xfrm flipH="1" flipV="1">
-            <a:off x="3450983" y="3662842"/>
-            <a:ext cx="775485" cy="833569"/>
-          </a:xfrm>
-          <a:prstGeom prst="rect">
-            <a:avLst/>
-          </a:prstGeom>
-        </p:spPr>
-      </p:pic>
-      <p:pic>
-        <p:nvPicPr>
-          <p:cNvPr id="15" name="Graphic 14">
-            <a:extLst>
-              <a:ext uri="{FF2B5EF4-FFF2-40B4-BE49-F238E27FC236}">
-                <a16:creationId xmlns:a16="http://schemas.microsoft.com/office/drawing/2014/main" id="{3A072BAD-96D6-426C-B468-F996D78C3F4C}"/>
-              </a:ext>
-            </a:extLst>
-          </p:cNvPr>
-          <p:cNvPicPr>
-            <a:picLocks noChangeAspect="1"/>
-          </p:cNvPicPr>
-          <p:nvPr/>
-        </p:nvPicPr>
-        <p:blipFill>
-          <a:blip r:embed="rId4">
-            <a:extLst>
-              <a:ext uri="{28A0092B-C50C-407E-A947-70E740481C1C}">
-                <a14:useLocalDpi xmlns:a14="http://schemas.microsoft.com/office/drawing/2010/main" val="0"/>
-              </a:ext>
-              <a:ext uri="{96DAC541-7B7A-43D3-8B79-37D633B846F1}">
-                <asvg:svgBlip xmlns:asvg="http://schemas.microsoft.com/office/drawing/2016/SVG/main" r:embed="rId5"/>
-              </a:ext>
-            </a:extLst>
-          </a:blip>
-          <a:stretch>
-            <a:fillRect/>
-          </a:stretch>
-        </p:blipFill>
-        <p:spPr>
-          <a:xfrm>
-            <a:off x="5614472" y="2351222"/>
-            <a:ext cx="617807" cy="617807"/>
-          </a:xfrm>
-          <a:prstGeom prst="rect">
-            <a:avLst/>
-          </a:prstGeom>
-        </p:spPr>
-      </p:pic>
-      <p:pic>
-        <p:nvPicPr>
-          <p:cNvPr id="16" name="Graphic 15">
-            <a:extLst>
-              <a:ext uri="{FF2B5EF4-FFF2-40B4-BE49-F238E27FC236}">
-                <a16:creationId xmlns:a16="http://schemas.microsoft.com/office/drawing/2014/main" id="{BD9183E3-B34A-4649-8FA3-2620B8B2DDEB}"/>
-              </a:ext>
-            </a:extLst>
-          </p:cNvPr>
-          <p:cNvPicPr>
-            <a:picLocks noChangeAspect="1"/>
-          </p:cNvPicPr>
-          <p:nvPr/>
-        </p:nvPicPr>
-        <p:blipFill>
-          <a:blip r:embed="rId4">
-            <a:extLst>
-              <a:ext uri="{28A0092B-C50C-407E-A947-70E740481C1C}">
-                <a14:useLocalDpi xmlns:a14="http://schemas.microsoft.com/office/drawing/2010/main" val="0"/>
-              </a:ext>
-              <a:ext uri="{96DAC541-7B7A-43D3-8B79-37D633B846F1}">
-                <asvg:svgBlip xmlns:asvg="http://schemas.microsoft.com/office/drawing/2016/SVG/main" r:embed="rId5"/>
-              </a:ext>
-            </a:extLst>
-          </a:blip>
-          <a:stretch>
-            <a:fillRect/>
-          </a:stretch>
-        </p:blipFill>
-        <p:spPr>
-          <a:xfrm>
-            <a:off x="5807902" y="2489240"/>
-            <a:ext cx="617807" cy="617807"/>
-          </a:xfrm>
-          <a:prstGeom prst="rect">
-            <a:avLst/>
-          </a:prstGeom>
-        </p:spPr>
-      </p:pic>
-      <p:pic>
-        <p:nvPicPr>
-          <p:cNvPr id="19" name="Graphic 18">
-            <a:extLst>
-              <a:ext uri="{FF2B5EF4-FFF2-40B4-BE49-F238E27FC236}">
-                <a16:creationId xmlns:a16="http://schemas.microsoft.com/office/drawing/2014/main" id="{174E0914-CE1D-42FA-B132-E4482254A898}"/>
-              </a:ext>
-            </a:extLst>
-          </p:cNvPr>
-          <p:cNvPicPr>
-            <a:picLocks noChangeAspect="1"/>
-          </p:cNvPicPr>
-          <p:nvPr/>
-        </p:nvPicPr>
-        <p:blipFill>
-          <a:blip r:embed="rId4">
-            <a:extLst>
-              <a:ext uri="{28A0092B-C50C-407E-A947-70E740481C1C}">
-                <a14:useLocalDpi xmlns:a14="http://schemas.microsoft.com/office/drawing/2010/main" val="0"/>
-              </a:ext>
-              <a:ext uri="{96DAC541-7B7A-43D3-8B79-37D633B846F1}">
-                <asvg:svgBlip xmlns:asvg="http://schemas.microsoft.com/office/drawing/2016/SVG/main" r:embed="rId5"/>
-              </a:ext>
-            </a:extLst>
-          </a:blip>
-          <a:stretch>
-            <a:fillRect/>
-          </a:stretch>
-        </p:blipFill>
-        <p:spPr>
-          <a:xfrm>
-            <a:off x="6001332" y="2569700"/>
-            <a:ext cx="617807" cy="617807"/>
-          </a:xfrm>
-          <a:prstGeom prst="rect">
-            <a:avLst/>
-          </a:prstGeom>
-        </p:spPr>
-      </p:pic>
-      <p:pic>
-        <p:nvPicPr>
-          <p:cNvPr id="20" name="Graphic 19">
-            <a:extLst>
-              <a:ext uri="{FF2B5EF4-FFF2-40B4-BE49-F238E27FC236}">
-                <a16:creationId xmlns:a16="http://schemas.microsoft.com/office/drawing/2014/main" id="{903D3DF7-ECA2-48CC-A877-8B05B72DD912}"/>
-              </a:ext>
-            </a:extLst>
-          </p:cNvPr>
-          <p:cNvPicPr>
-            <a:picLocks noChangeAspect="1"/>
-          </p:cNvPicPr>
-          <p:nvPr/>
-        </p:nvPicPr>
-        <p:blipFill>
-          <a:blip r:embed="rId4">
-            <a:extLst>
-              <a:ext uri="{28A0092B-C50C-407E-A947-70E740481C1C}">
-                <a14:useLocalDpi xmlns:a14="http://schemas.microsoft.com/office/drawing/2010/main" val="0"/>
-              </a:ext>
-              <a:ext uri="{96DAC541-7B7A-43D3-8B79-37D633B846F1}">
-                <asvg:svgBlip xmlns:asvg="http://schemas.microsoft.com/office/drawing/2016/SVG/main" r:embed="rId5"/>
-              </a:ext>
-            </a:extLst>
-          </a:blip>
-          <a:stretch>
-            <a:fillRect/>
-          </a:stretch>
-        </p:blipFill>
-        <p:spPr>
-          <a:xfrm>
-            <a:off x="5606154" y="3844252"/>
-            <a:ext cx="617807" cy="617807"/>
-          </a:xfrm>
-          <a:prstGeom prst="rect">
-            <a:avLst/>
-          </a:prstGeom>
-        </p:spPr>
-      </p:pic>
-      <p:pic>
-        <p:nvPicPr>
-          <p:cNvPr id="21" name="Graphic 20">
-            <a:extLst>
-              <a:ext uri="{FF2B5EF4-FFF2-40B4-BE49-F238E27FC236}">
-                <a16:creationId xmlns:a16="http://schemas.microsoft.com/office/drawing/2014/main" id="{10B8B8FA-705C-4FE0-B414-C8C725A6F216}"/>
-              </a:ext>
-            </a:extLst>
-          </p:cNvPr>
-          <p:cNvPicPr>
-            <a:picLocks noChangeAspect="1"/>
-          </p:cNvPicPr>
-          <p:nvPr/>
-        </p:nvPicPr>
-        <p:blipFill>
-          <a:blip r:embed="rId4">
-            <a:extLst>
-              <a:ext uri="{28A0092B-C50C-407E-A947-70E740481C1C}">
-                <a14:useLocalDpi xmlns:a14="http://schemas.microsoft.com/office/drawing/2010/main" val="0"/>
-              </a:ext>
-              <a:ext uri="{96DAC541-7B7A-43D3-8B79-37D633B846F1}">
-                <asvg:svgBlip xmlns:asvg="http://schemas.microsoft.com/office/drawing/2016/SVG/main" r:embed="rId5"/>
-              </a:ext>
-            </a:extLst>
-          </a:blip>
-          <a:stretch>
-            <a:fillRect/>
-          </a:stretch>
-        </p:blipFill>
-        <p:spPr>
-          <a:xfrm>
-            <a:off x="5799584" y="3982270"/>
-            <a:ext cx="617807" cy="617807"/>
-          </a:xfrm>
-          <a:prstGeom prst="rect">
-            <a:avLst/>
-          </a:prstGeom>
-        </p:spPr>
-      </p:pic>
-      <p:pic>
-        <p:nvPicPr>
-          <p:cNvPr id="22" name="Graphic 21">
-            <a:extLst>
-              <a:ext uri="{FF2B5EF4-FFF2-40B4-BE49-F238E27FC236}">
-                <a16:creationId xmlns:a16="http://schemas.microsoft.com/office/drawing/2014/main" id="{4A7F6003-90C6-4554-83D6-C8F2E2CF0AD4}"/>
-              </a:ext>
-            </a:extLst>
-          </p:cNvPr>
-          <p:cNvPicPr>
-            <a:picLocks noChangeAspect="1"/>
-          </p:cNvPicPr>
-          <p:nvPr/>
-        </p:nvPicPr>
-        <p:blipFill>
-          <a:blip r:embed="rId4">
-            <a:extLst>
-              <a:ext uri="{28A0092B-C50C-407E-A947-70E740481C1C}">
-                <a14:useLocalDpi xmlns:a14="http://schemas.microsoft.com/office/drawing/2010/main" val="0"/>
-              </a:ext>
-              <a:ext uri="{96DAC541-7B7A-43D3-8B79-37D633B846F1}">
-                <asvg:svgBlip xmlns:asvg="http://schemas.microsoft.com/office/drawing/2016/SVG/main" r:embed="rId5"/>
-              </a:ext>
-            </a:extLst>
-          </a:blip>
-          <a:stretch>
-            <a:fillRect/>
-          </a:stretch>
-        </p:blipFill>
-        <p:spPr>
-          <a:xfrm>
-            <a:off x="5993014" y="4062730"/>
-            <a:ext cx="617807" cy="617807"/>
-          </a:xfrm>
-          <a:prstGeom prst="rect">
-            <a:avLst/>
-          </a:prstGeom>
-        </p:spPr>
-      </p:pic>
-      <p:pic>
-        <p:nvPicPr>
-          <p:cNvPr id="24" name="Graphic 23">
-            <a:extLst>
-              <a:ext uri="{FF2B5EF4-FFF2-40B4-BE49-F238E27FC236}">
-                <a16:creationId xmlns:a16="http://schemas.microsoft.com/office/drawing/2014/main" id="{3B598D21-42C0-46DD-AE45-4C377624962F}"/>
-              </a:ext>
-            </a:extLst>
-          </p:cNvPr>
-          <p:cNvPicPr>
-            <a:picLocks noChangeAspect="1"/>
-          </p:cNvPicPr>
-          <p:nvPr/>
-        </p:nvPicPr>
-        <p:blipFill>
-          <a:blip r:embed="rId6">
-            <a:extLst>
-              <a:ext uri="{28A0092B-C50C-407E-A947-70E740481C1C}">
-                <a14:useLocalDpi xmlns:a14="http://schemas.microsoft.com/office/drawing/2010/main" val="0"/>
-              </a:ext>
-              <a:ext uri="{96DAC541-7B7A-43D3-8B79-37D633B846F1}">
-                <asvg:svgBlip xmlns:asvg="http://schemas.microsoft.com/office/drawing/2016/SVG/main" r:embed="rId7"/>
-              </a:ext>
-            </a:extLst>
-          </a:blip>
-          <a:stretch>
-            <a:fillRect/>
-          </a:stretch>
-        </p:blipFill>
-        <p:spPr>
-          <a:xfrm>
-            <a:off x="7633303" y="1442287"/>
-            <a:ext cx="1338750" cy="1338750"/>
-          </a:xfrm>
-          <a:prstGeom prst="rect">
-            <a:avLst/>
-          </a:prstGeom>
-        </p:spPr>
-      </p:pic>
-      <p:pic>
-        <p:nvPicPr>
-          <p:cNvPr id="25" name="Graphic 24">
-            <a:extLst>
-              <a:ext uri="{FF2B5EF4-FFF2-40B4-BE49-F238E27FC236}">
-                <a16:creationId xmlns:a16="http://schemas.microsoft.com/office/drawing/2014/main" id="{56083CDF-094A-4AC2-AC9E-71741371651A}"/>
-              </a:ext>
-            </a:extLst>
-          </p:cNvPr>
-          <p:cNvPicPr>
-            <a:picLocks noChangeAspect="1"/>
-          </p:cNvPicPr>
-          <p:nvPr/>
-        </p:nvPicPr>
-        <p:blipFill>
-          <a:blip r:embed="rId6">
-            <a:extLst>
-              <a:ext uri="{28A0092B-C50C-407E-A947-70E740481C1C}">
-                <a14:useLocalDpi xmlns:a14="http://schemas.microsoft.com/office/drawing/2010/main" val="0"/>
-              </a:ext>
-              <a:ext uri="{96DAC541-7B7A-43D3-8B79-37D633B846F1}">
-                <asvg:svgBlip xmlns:asvg="http://schemas.microsoft.com/office/drawing/2016/SVG/main" r:embed="rId7"/>
-              </a:ext>
-            </a:extLst>
-          </a:blip>
-          <a:stretch>
-            <a:fillRect/>
-          </a:stretch>
-        </p:blipFill>
-        <p:spPr>
-          <a:xfrm>
-            <a:off x="7624624" y="2289920"/>
-            <a:ext cx="1338750" cy="1338750"/>
-          </a:xfrm>
-          <a:prstGeom prst="rect">
-            <a:avLst/>
-          </a:prstGeom>
-        </p:spPr>
-      </p:pic>
-      <p:pic>
-        <p:nvPicPr>
-          <p:cNvPr id="26" name="Graphic 25">
-            <a:extLst>
-              <a:ext uri="{FF2B5EF4-FFF2-40B4-BE49-F238E27FC236}">
-                <a16:creationId xmlns:a16="http://schemas.microsoft.com/office/drawing/2014/main" id="{5FEAE5D0-9551-4722-BD8D-F1801BBA56DB}"/>
-              </a:ext>
-            </a:extLst>
-          </p:cNvPr>
-          <p:cNvPicPr>
-            <a:picLocks noChangeAspect="1"/>
-          </p:cNvPicPr>
-          <p:nvPr/>
-        </p:nvPicPr>
-        <p:blipFill>
-          <a:blip r:embed="rId6">
-            <a:extLst>
-              <a:ext uri="{28A0092B-C50C-407E-A947-70E740481C1C}">
-                <a14:useLocalDpi xmlns:a14="http://schemas.microsoft.com/office/drawing/2010/main" val="0"/>
-              </a:ext>
-              <a:ext uri="{96DAC541-7B7A-43D3-8B79-37D633B846F1}">
-                <asvg:svgBlip xmlns:asvg="http://schemas.microsoft.com/office/drawing/2016/SVG/main" r:embed="rId7"/>
-              </a:ext>
-            </a:extLst>
-          </a:blip>
-          <a:stretch>
-            <a:fillRect/>
-          </a:stretch>
-        </p:blipFill>
-        <p:spPr>
-          <a:xfrm>
-            <a:off x="9095162" y="3617047"/>
-            <a:ext cx="1338750" cy="1338750"/>
-          </a:xfrm>
-          <a:prstGeom prst="rect">
-            <a:avLst/>
-          </a:prstGeom>
-        </p:spPr>
-      </p:pic>
-      <p:pic>
-        <p:nvPicPr>
-          <p:cNvPr id="27" name="Graphic 26">
-            <a:extLst>
-              <a:ext uri="{FF2B5EF4-FFF2-40B4-BE49-F238E27FC236}">
-                <a16:creationId xmlns:a16="http://schemas.microsoft.com/office/drawing/2014/main" id="{B1FD01AD-1D69-4ADF-9AC6-609FEE58A955}"/>
-              </a:ext>
-            </a:extLst>
-          </p:cNvPr>
-          <p:cNvPicPr>
-            <a:picLocks noChangeAspect="1"/>
-          </p:cNvPicPr>
-          <p:nvPr/>
-        </p:nvPicPr>
-        <p:blipFill>
-          <a:blip r:embed="rId6">
-            <a:extLst>
-              <a:ext uri="{28A0092B-C50C-407E-A947-70E740481C1C}">
-                <a14:useLocalDpi xmlns:a14="http://schemas.microsoft.com/office/drawing/2010/main" val="0"/>
-              </a:ext>
-              <a:ext uri="{96DAC541-7B7A-43D3-8B79-37D633B846F1}">
-                <asvg:svgBlip xmlns:asvg="http://schemas.microsoft.com/office/drawing/2016/SVG/main" r:embed="rId7"/>
-              </a:ext>
-            </a:extLst>
-          </a:blip>
-          <a:stretch>
-            <a:fillRect/>
-          </a:stretch>
-        </p:blipFill>
-        <p:spPr>
-          <a:xfrm>
-            <a:off x="7724161" y="3787786"/>
-            <a:ext cx="1338750" cy="1338750"/>
-          </a:xfrm>
-          <a:prstGeom prst="rect">
-            <a:avLst/>
-          </a:prstGeom>
-        </p:spPr>
-      </p:pic>
-      <p:pic>
-        <p:nvPicPr>
-          <p:cNvPr id="28" name="Graphic 27">
-            <a:extLst>
-              <a:ext uri="{FF2B5EF4-FFF2-40B4-BE49-F238E27FC236}">
-                <a16:creationId xmlns:a16="http://schemas.microsoft.com/office/drawing/2014/main" id="{F6BA3D8E-0287-4241-BC24-A8B878F2A27C}"/>
-              </a:ext>
-            </a:extLst>
-          </p:cNvPr>
-          <p:cNvPicPr>
-            <a:picLocks noChangeAspect="1"/>
-          </p:cNvPicPr>
-          <p:nvPr/>
-        </p:nvPicPr>
-        <p:blipFill>
-          <a:blip r:embed="rId6">
-            <a:extLst>
-              <a:ext uri="{28A0092B-C50C-407E-A947-70E740481C1C}">
-                <a14:useLocalDpi xmlns:a14="http://schemas.microsoft.com/office/drawing/2010/main" val="0"/>
-              </a:ext>
-              <a:ext uri="{96DAC541-7B7A-43D3-8B79-37D633B846F1}">
-                <asvg:svgBlip xmlns:asvg="http://schemas.microsoft.com/office/drawing/2016/SVG/main" r:embed="rId7"/>
-              </a:ext>
-            </a:extLst>
-          </a:blip>
-          <a:stretch>
-            <a:fillRect/>
-          </a:stretch>
-        </p:blipFill>
-        <p:spPr>
-          <a:xfrm>
-            <a:off x="8815497" y="1773898"/>
-            <a:ext cx="1338750" cy="1338750"/>
-          </a:xfrm>
-          <a:prstGeom prst="rect">
-            <a:avLst/>
-          </a:prstGeom>
-        </p:spPr>
-      </p:pic>
-      <p:sp>
-        <p:nvSpPr>
-          <p:cNvPr id="31" name="TextBox 30">
-            <a:extLst>
-              <a:ext uri="{FF2B5EF4-FFF2-40B4-BE49-F238E27FC236}">
-                <a16:creationId xmlns:a16="http://schemas.microsoft.com/office/drawing/2014/main" id="{437EFE2B-9615-4AE6-96E0-78A0C6B16B71}"/>
-              </a:ext>
-            </a:extLst>
-          </p:cNvPr>
-          <p:cNvSpPr txBox="1"/>
-          <p:nvPr/>
-        </p:nvSpPr>
-        <p:spPr>
-          <a:xfrm>
-            <a:off x="1083213" y="4791222"/>
-            <a:ext cx="815926" cy="369332"/>
-          </a:xfrm>
-          <a:prstGeom prst="rect">
-            <a:avLst/>
-          </a:prstGeom>
-          <a:noFill/>
-        </p:spPr>
-        <p:txBody>
-          <a:bodyPr wrap="square" rtlCol="0">
-            <a:spAutoFit/>
-          </a:bodyPr>
-          <a:lstStyle/>
-          <a:p>
-            <a:r>
-              <a:rPr lang="en-US" dirty="0"/>
-              <a:t>Clients</a:t>
-            </a:r>
-            <a:endParaRPr lang="en-GB" dirty="0"/>
-          </a:p>
-        </p:txBody>
-      </p:sp>
-      <p:sp>
-        <p:nvSpPr>
-          <p:cNvPr id="33" name="TextBox 32">
-            <a:extLst>
-              <a:ext uri="{FF2B5EF4-FFF2-40B4-BE49-F238E27FC236}">
-                <a16:creationId xmlns:a16="http://schemas.microsoft.com/office/drawing/2014/main" id="{761CBBA9-148A-4ADE-AFF8-94598E1E6F89}"/>
-              </a:ext>
-            </a:extLst>
-          </p:cNvPr>
-          <p:cNvSpPr txBox="1"/>
-          <p:nvPr/>
-        </p:nvSpPr>
-        <p:spPr>
-          <a:xfrm>
-            <a:off x="3324394" y="4579274"/>
-            <a:ext cx="1219940" cy="646331"/>
-          </a:xfrm>
-          <a:prstGeom prst="rect">
-            <a:avLst/>
-          </a:prstGeom>
-          <a:noFill/>
-        </p:spPr>
-        <p:txBody>
-          <a:bodyPr wrap="square" rtlCol="0">
-            <a:spAutoFit/>
-          </a:bodyPr>
-          <a:lstStyle/>
-          <a:p>
-            <a:r>
-              <a:rPr lang="en-US" dirty="0"/>
-              <a:t>REST API servers</a:t>
-            </a:r>
-            <a:endParaRPr lang="en-GB" dirty="0"/>
-          </a:p>
-        </p:txBody>
-      </p:sp>
-      <p:sp>
-        <p:nvSpPr>
-          <p:cNvPr id="34" name="TextBox 33">
-            <a:extLst>
-              <a:ext uri="{FF2B5EF4-FFF2-40B4-BE49-F238E27FC236}">
-                <a16:creationId xmlns:a16="http://schemas.microsoft.com/office/drawing/2014/main" id="{0EE6D68B-5561-48DB-928F-6F295FD5F833}"/>
-              </a:ext>
-            </a:extLst>
-          </p:cNvPr>
-          <p:cNvSpPr txBox="1"/>
-          <p:nvPr/>
-        </p:nvSpPr>
-        <p:spPr>
-          <a:xfrm>
-            <a:off x="5435205" y="5690786"/>
-            <a:ext cx="1494105" cy="369332"/>
-          </a:xfrm>
-          <a:prstGeom prst="rect">
-            <a:avLst/>
-          </a:prstGeom>
-          <a:noFill/>
-        </p:spPr>
-        <p:txBody>
-          <a:bodyPr wrap="square" rtlCol="0">
-            <a:spAutoFit/>
-          </a:bodyPr>
-          <a:lstStyle/>
-          <a:p>
-            <a:r>
-              <a:rPr lang="en-US" dirty="0"/>
-              <a:t>Kafka servers</a:t>
-            </a:r>
-            <a:endParaRPr lang="en-GB" dirty="0"/>
-          </a:p>
-        </p:txBody>
-      </p:sp>
-      <p:sp>
-        <p:nvSpPr>
-          <p:cNvPr id="35" name="TextBox 34">
-            <a:extLst>
-              <a:ext uri="{FF2B5EF4-FFF2-40B4-BE49-F238E27FC236}">
-                <a16:creationId xmlns:a16="http://schemas.microsoft.com/office/drawing/2014/main" id="{925BAB58-AF54-4642-9A8C-2AF85986706C}"/>
-              </a:ext>
-            </a:extLst>
-          </p:cNvPr>
-          <p:cNvSpPr txBox="1"/>
-          <p:nvPr/>
-        </p:nvSpPr>
-        <p:spPr>
-          <a:xfrm>
-            <a:off x="7994228" y="5745452"/>
-            <a:ext cx="1944757" cy="369332"/>
-          </a:xfrm>
-          <a:prstGeom prst="rect">
-            <a:avLst/>
-          </a:prstGeom>
-          <a:noFill/>
-        </p:spPr>
-        <p:txBody>
-          <a:bodyPr wrap="square" rtlCol="0">
-            <a:spAutoFit/>
-          </a:bodyPr>
-          <a:lstStyle/>
-          <a:p>
-            <a:r>
-              <a:rPr lang="en-US" dirty="0"/>
-              <a:t>Service nodes</a:t>
-            </a:r>
-            <a:endParaRPr lang="en-GB" dirty="0"/>
-          </a:p>
-        </p:txBody>
-      </p:sp>
-      <p:cxnSp>
-        <p:nvCxnSpPr>
-          <p:cNvPr id="37" name="Straight Arrow Connector 36">
-            <a:extLst>
-              <a:ext uri="{FF2B5EF4-FFF2-40B4-BE49-F238E27FC236}">
-                <a16:creationId xmlns:a16="http://schemas.microsoft.com/office/drawing/2014/main" id="{54E2A217-182A-4621-A853-D5FC82A2192A}"/>
-              </a:ext>
-            </a:extLst>
-          </p:cNvPr>
-          <p:cNvCxnSpPr>
-            <a:cxnSpLocks/>
-          </p:cNvCxnSpPr>
-          <p:nvPr/>
-        </p:nvCxnSpPr>
-        <p:spPr>
-          <a:xfrm>
-            <a:off x="2283820" y="2847532"/>
-            <a:ext cx="997666" cy="0"/>
-          </a:xfrm>
-          <a:prstGeom prst="straightConnector1">
-            <a:avLst/>
-          </a:prstGeom>
-          <a:ln w="9525" cap="flat" cmpd="sng" algn="ctr">
-            <a:solidFill>
-              <a:schemeClr val="accent1"/>
-            </a:solidFill>
-            <a:prstDash val="solid"/>
-            <a:round/>
-            <a:headEnd type="arrow" w="med" len="med"/>
-            <a:tailEnd type="arrow" w="med" len="med"/>
-          </a:ln>
-        </p:spPr>
-        <p:style>
-          <a:lnRef idx="0">
-            <a:scrgbClr r="0" g="0" b="0"/>
-          </a:lnRef>
-          <a:fillRef idx="0">
-            <a:scrgbClr r="0" g="0" b="0"/>
-          </a:fillRef>
-          <a:effectRef idx="0">
-            <a:scrgbClr r="0" g="0" b="0"/>
-          </a:effectRef>
-          <a:fontRef idx="minor">
-            <a:schemeClr val="tx1"/>
-          </a:fontRef>
-        </p:style>
-      </p:cxnSp>
-      <p:cxnSp>
-        <p:nvCxnSpPr>
-          <p:cNvPr id="38" name="Straight Arrow Connector 37">
-            <a:extLst>
-              <a:ext uri="{FF2B5EF4-FFF2-40B4-BE49-F238E27FC236}">
-                <a16:creationId xmlns:a16="http://schemas.microsoft.com/office/drawing/2014/main" id="{BA0A4AC1-27F1-4884-950E-E5D6D633FEF9}"/>
-              </a:ext>
-            </a:extLst>
-          </p:cNvPr>
-          <p:cNvCxnSpPr>
-            <a:cxnSpLocks/>
-          </p:cNvCxnSpPr>
-          <p:nvPr/>
-        </p:nvCxnSpPr>
-        <p:spPr>
-          <a:xfrm flipV="1">
-            <a:off x="2264368" y="3867999"/>
-            <a:ext cx="1017118" cy="2"/>
-          </a:xfrm>
-          <a:prstGeom prst="straightConnector1">
-            <a:avLst/>
-          </a:prstGeom>
-          <a:ln w="9525" cap="flat" cmpd="sng" algn="ctr">
-            <a:solidFill>
-              <a:schemeClr val="accent1"/>
-            </a:solidFill>
-            <a:prstDash val="solid"/>
-            <a:round/>
-            <a:headEnd type="arrow" w="med" len="med"/>
-            <a:tailEnd type="arrow" w="med" len="med"/>
-          </a:ln>
-        </p:spPr>
-        <p:style>
-          <a:lnRef idx="0">
-            <a:scrgbClr r="0" g="0" b="0"/>
-          </a:lnRef>
-          <a:fillRef idx="0">
-            <a:scrgbClr r="0" g="0" b="0"/>
-          </a:fillRef>
-          <a:effectRef idx="0">
-            <a:scrgbClr r="0" g="0" b="0"/>
-          </a:effectRef>
-          <a:fontRef idx="minor">
-            <a:schemeClr val="tx1"/>
-          </a:fontRef>
-        </p:style>
-      </p:cxnSp>
-      <p:cxnSp>
-        <p:nvCxnSpPr>
-          <p:cNvPr id="48" name="Straight Arrow Connector 47">
-            <a:extLst>
-              <a:ext uri="{FF2B5EF4-FFF2-40B4-BE49-F238E27FC236}">
-                <a16:creationId xmlns:a16="http://schemas.microsoft.com/office/drawing/2014/main" id="{AB6E87E3-45C3-427C-8EA3-484221285075}"/>
-              </a:ext>
-            </a:extLst>
-          </p:cNvPr>
-          <p:cNvCxnSpPr>
-            <a:cxnSpLocks/>
-          </p:cNvCxnSpPr>
-          <p:nvPr/>
-        </p:nvCxnSpPr>
-        <p:spPr>
-          <a:xfrm>
-            <a:off x="4464817" y="2862401"/>
-            <a:ext cx="1043269" cy="1020940"/>
-          </a:xfrm>
-          <a:prstGeom prst="straightConnector1">
-            <a:avLst/>
-          </a:prstGeom>
-          <a:ln w="9525" cap="flat" cmpd="sng" algn="ctr">
-            <a:solidFill>
-              <a:schemeClr val="accent1"/>
-            </a:solidFill>
-            <a:prstDash val="solid"/>
-            <a:round/>
-            <a:headEnd type="arrow" w="med" len="med"/>
-            <a:tailEnd type="arrow" w="med" len="med"/>
-          </a:ln>
-        </p:spPr>
-        <p:style>
-          <a:lnRef idx="0">
-            <a:scrgbClr r="0" g="0" b="0"/>
-          </a:lnRef>
-          <a:fillRef idx="0">
-            <a:scrgbClr r="0" g="0" b="0"/>
-          </a:fillRef>
-          <a:effectRef idx="0">
-            <a:scrgbClr r="0" g="0" b="0"/>
-          </a:effectRef>
-          <a:fontRef idx="minor">
-            <a:schemeClr val="tx1"/>
-          </a:fontRef>
-        </p:style>
-      </p:cxnSp>
-      <p:cxnSp>
-        <p:nvCxnSpPr>
-          <p:cNvPr id="50" name="Straight Arrow Connector 49">
-            <a:extLst>
-              <a:ext uri="{FF2B5EF4-FFF2-40B4-BE49-F238E27FC236}">
-                <a16:creationId xmlns:a16="http://schemas.microsoft.com/office/drawing/2014/main" id="{EB059E25-2D65-4A50-8BA1-3152955114EA}"/>
-              </a:ext>
-            </a:extLst>
-          </p:cNvPr>
-          <p:cNvCxnSpPr>
-            <a:cxnSpLocks/>
-          </p:cNvCxnSpPr>
-          <p:nvPr/>
-        </p:nvCxnSpPr>
-        <p:spPr>
-          <a:xfrm>
-            <a:off x="4520317" y="4042493"/>
-            <a:ext cx="967136" cy="20237"/>
-          </a:xfrm>
-          <a:prstGeom prst="straightConnector1">
-            <a:avLst/>
-          </a:prstGeom>
-          <a:ln w="9525" cap="flat" cmpd="sng" algn="ctr">
-            <a:solidFill>
-              <a:schemeClr val="accent1"/>
-            </a:solidFill>
-            <a:prstDash val="solid"/>
-            <a:round/>
-            <a:headEnd type="arrow" w="med" len="med"/>
-            <a:tailEnd type="arrow" w="med" len="med"/>
-          </a:ln>
-        </p:spPr>
-        <p:style>
-          <a:lnRef idx="0">
-            <a:scrgbClr r="0" g="0" b="0"/>
-          </a:lnRef>
-          <a:fillRef idx="0">
-            <a:scrgbClr r="0" g="0" b="0"/>
-          </a:fillRef>
-          <a:effectRef idx="0">
-            <a:scrgbClr r="0" g="0" b="0"/>
-          </a:effectRef>
-          <a:fontRef idx="minor">
-            <a:schemeClr val="tx1"/>
-          </a:fontRef>
-        </p:style>
-      </p:cxnSp>
-      <p:cxnSp>
-        <p:nvCxnSpPr>
-          <p:cNvPr id="54" name="Straight Arrow Connector 53">
-            <a:extLst>
-              <a:ext uri="{FF2B5EF4-FFF2-40B4-BE49-F238E27FC236}">
-                <a16:creationId xmlns:a16="http://schemas.microsoft.com/office/drawing/2014/main" id="{62B3D658-6245-4756-97ED-76A11B411C09}"/>
-              </a:ext>
-            </a:extLst>
-          </p:cNvPr>
-          <p:cNvCxnSpPr>
-            <a:cxnSpLocks/>
-          </p:cNvCxnSpPr>
-          <p:nvPr/>
-        </p:nvCxnSpPr>
-        <p:spPr>
-          <a:xfrm flipV="1">
-            <a:off x="6765376" y="2532635"/>
-            <a:ext cx="872547" cy="121541"/>
-          </a:xfrm>
-          <a:prstGeom prst="straightConnector1">
-            <a:avLst/>
-          </a:prstGeom>
-          <a:ln w="9525" cap="flat" cmpd="sng" algn="ctr">
-            <a:solidFill>
-              <a:schemeClr val="accent1"/>
-            </a:solidFill>
-            <a:prstDash val="solid"/>
-            <a:round/>
-            <a:headEnd type="arrow" w="med" len="med"/>
-            <a:tailEnd type="arrow" w="med" len="med"/>
-          </a:ln>
-        </p:spPr>
-        <p:style>
-          <a:lnRef idx="0">
-            <a:scrgbClr r="0" g="0" b="0"/>
-          </a:lnRef>
-          <a:fillRef idx="0">
-            <a:scrgbClr r="0" g="0" b="0"/>
-          </a:fillRef>
-          <a:effectRef idx="0">
-            <a:scrgbClr r="0" g="0" b="0"/>
-          </a:effectRef>
-          <a:fontRef idx="minor">
-            <a:schemeClr val="tx1"/>
-          </a:fontRef>
-        </p:style>
-      </p:cxnSp>
-      <p:cxnSp>
-        <p:nvCxnSpPr>
-          <p:cNvPr id="60" name="Straight Arrow Connector 59">
-            <a:extLst>
-              <a:ext uri="{FF2B5EF4-FFF2-40B4-BE49-F238E27FC236}">
-                <a16:creationId xmlns:a16="http://schemas.microsoft.com/office/drawing/2014/main" id="{5A3DCD9B-2873-4A32-9A63-A1D70B900295}"/>
-              </a:ext>
-            </a:extLst>
-          </p:cNvPr>
-          <p:cNvCxnSpPr>
-            <a:cxnSpLocks/>
-          </p:cNvCxnSpPr>
-          <p:nvPr/>
-        </p:nvCxnSpPr>
-        <p:spPr>
-          <a:xfrm>
-            <a:off x="6778659" y="4414733"/>
-            <a:ext cx="859264" cy="84812"/>
-          </a:xfrm>
-          <a:prstGeom prst="straightConnector1">
-            <a:avLst/>
-          </a:prstGeom>
-          <a:ln w="9525" cap="flat" cmpd="sng" algn="ctr">
-            <a:solidFill>
-              <a:schemeClr val="accent1"/>
-            </a:solidFill>
-            <a:prstDash val="solid"/>
-            <a:round/>
-            <a:headEnd type="arrow" w="med" len="med"/>
-            <a:tailEnd type="arrow" w="med" len="med"/>
-          </a:ln>
-        </p:spPr>
-        <p:style>
-          <a:lnRef idx="0">
-            <a:scrgbClr r="0" g="0" b="0"/>
-          </a:lnRef>
-          <a:fillRef idx="0">
-            <a:scrgbClr r="0" g="0" b="0"/>
-          </a:fillRef>
-          <a:effectRef idx="0">
-            <a:scrgbClr r="0" g="0" b="0"/>
-          </a:effectRef>
-          <a:fontRef idx="minor">
-            <a:schemeClr val="tx1"/>
-          </a:fontRef>
-        </p:style>
-      </p:cxnSp>
-      <p:pic>
-        <p:nvPicPr>
-          <p:cNvPr id="45" name="Graphic 44">
-            <a:extLst>
-              <a:ext uri="{FF2B5EF4-FFF2-40B4-BE49-F238E27FC236}">
-                <a16:creationId xmlns:a16="http://schemas.microsoft.com/office/drawing/2014/main" id="{ABA9EDFD-D24F-432C-8666-1EF806B72C61}"/>
-              </a:ext>
-            </a:extLst>
-          </p:cNvPr>
-          <p:cNvPicPr>
-            <a:picLocks noChangeAspect="1"/>
-          </p:cNvPicPr>
-          <p:nvPr/>
-        </p:nvPicPr>
-        <p:blipFill>
-          <a:blip r:embed="rId2">
-            <a:extLst>
-              <a:ext uri="{28A0092B-C50C-407E-A947-70E740481C1C}">
-                <a14:useLocalDpi xmlns:a14="http://schemas.microsoft.com/office/drawing/2010/main" val="0"/>
-              </a:ext>
-              <a:ext uri="{96DAC541-7B7A-43D3-8B79-37D633B846F1}">
-                <asvg:svgBlip xmlns:asvg="http://schemas.microsoft.com/office/drawing/2016/SVG/main" r:embed="rId3"/>
-              </a:ext>
-            </a:extLst>
-          </a:blip>
-          <a:stretch>
-            <a:fillRect/>
-          </a:stretch>
-        </p:blipFill>
-        <p:spPr>
-          <a:xfrm flipH="1">
-            <a:off x="3361003" y="2637237"/>
-            <a:ext cx="775485" cy="775485"/>
-          </a:xfrm>
-          <a:prstGeom prst="rect">
-            <a:avLst/>
-          </a:prstGeom>
-        </p:spPr>
-      </p:pic>
-      <p:pic>
-        <p:nvPicPr>
-          <p:cNvPr id="47" name="Graphic 46">
-            <a:extLst>
-              <a:ext uri="{FF2B5EF4-FFF2-40B4-BE49-F238E27FC236}">
-                <a16:creationId xmlns:a16="http://schemas.microsoft.com/office/drawing/2014/main" id="{CF395CFA-7E8A-45FF-8BD4-4820261A1C45}"/>
-              </a:ext>
-            </a:extLst>
-          </p:cNvPr>
-          <p:cNvPicPr>
-            <a:picLocks noChangeAspect="1"/>
-          </p:cNvPicPr>
-          <p:nvPr/>
-        </p:nvPicPr>
-        <p:blipFill>
-          <a:blip r:embed="rId2">
-            <a:extLst>
-              <a:ext uri="{28A0092B-C50C-407E-A947-70E740481C1C}">
-                <a14:useLocalDpi xmlns:a14="http://schemas.microsoft.com/office/drawing/2010/main" val="0"/>
-              </a:ext>
-              <a:ext uri="{96DAC541-7B7A-43D3-8B79-37D633B846F1}">
-                <asvg:svgBlip xmlns:asvg="http://schemas.microsoft.com/office/drawing/2016/SVG/main" r:embed="rId3"/>
-              </a:ext>
-            </a:extLst>
-          </a:blip>
-          <a:stretch>
-            <a:fillRect/>
-          </a:stretch>
-        </p:blipFill>
-        <p:spPr>
-          <a:xfrm flipH="1" flipV="1">
-            <a:off x="3440293" y="3283509"/>
-            <a:ext cx="775485" cy="698761"/>
-          </a:xfrm>
-          <a:prstGeom prst="rect">
-            <a:avLst/>
-          </a:prstGeom>
-        </p:spPr>
-      </p:pic>
-      <p:sp>
-        <p:nvSpPr>
-          <p:cNvPr id="51" name="Thought Bubble: Cloud 50">
-            <a:extLst>
-              <a:ext uri="{FF2B5EF4-FFF2-40B4-BE49-F238E27FC236}">
-                <a16:creationId xmlns:a16="http://schemas.microsoft.com/office/drawing/2014/main" id="{4A7D5915-E394-42D3-A013-1C7807F2A76B}"/>
-              </a:ext>
-            </a:extLst>
-          </p:cNvPr>
-          <p:cNvSpPr/>
-          <p:nvPr/>
-        </p:nvSpPr>
-        <p:spPr>
-          <a:xfrm>
-            <a:off x="1211188" y="3802085"/>
-            <a:ext cx="914400" cy="612648"/>
-          </a:xfrm>
-          <a:prstGeom prst="cloudCallout">
-            <a:avLst/>
-          </a:prstGeom>
-          <a:noFill/>
-        </p:spPr>
-        <p:style>
-          <a:lnRef idx="2">
-            <a:schemeClr val="accent1">
-              <a:shade val="50000"/>
-            </a:schemeClr>
-          </a:lnRef>
-          <a:fillRef idx="1">
-            <a:schemeClr val="accent1"/>
-          </a:fillRef>
-          <a:effectRef idx="0">
-            <a:schemeClr val="accent1"/>
-          </a:effectRef>
-          <a:fontRef idx="minor">
-            <a:schemeClr val="lt1"/>
-          </a:fontRef>
-        </p:style>
-        <p:txBody>
-          <a:bodyPr rtlCol="0" anchor="ctr"/>
-          <a:lstStyle/>
-          <a:p>
-            <a:pPr algn="ctr"/>
-            <a:endParaRPr lang="en-GB"/>
-          </a:p>
-        </p:txBody>
-      </p:sp>
-      <p:sp>
-        <p:nvSpPr>
-          <p:cNvPr id="53" name="Thought Bubble: Cloud 52">
-            <a:extLst>
-              <a:ext uri="{FF2B5EF4-FFF2-40B4-BE49-F238E27FC236}">
-                <a16:creationId xmlns:a16="http://schemas.microsoft.com/office/drawing/2014/main" id="{32F23F7D-4F9B-45FC-9CD0-FE31763B087E}"/>
-              </a:ext>
-            </a:extLst>
-          </p:cNvPr>
-          <p:cNvSpPr/>
-          <p:nvPr/>
-        </p:nvSpPr>
-        <p:spPr>
-          <a:xfrm>
-            <a:off x="1069604" y="2532635"/>
-            <a:ext cx="914400" cy="612648"/>
-          </a:xfrm>
-          <a:prstGeom prst="cloudCallout">
-            <a:avLst/>
-          </a:prstGeom>
-          <a:noFill/>
-        </p:spPr>
-        <p:style>
-          <a:lnRef idx="2">
-            <a:schemeClr val="accent1">
-              <a:shade val="50000"/>
-            </a:schemeClr>
-          </a:lnRef>
-          <a:fillRef idx="1">
-            <a:schemeClr val="accent1"/>
-          </a:fillRef>
-          <a:effectRef idx="0">
-            <a:schemeClr val="accent1"/>
-          </a:effectRef>
-          <a:fontRef idx="minor">
-            <a:schemeClr val="lt1"/>
-          </a:fontRef>
-        </p:style>
-        <p:txBody>
-          <a:bodyPr rtlCol="0" anchor="ctr"/>
-          <a:lstStyle/>
-          <a:p>
-            <a:pPr algn="ctr"/>
-            <a:endParaRPr lang="en-GB"/>
-          </a:p>
-        </p:txBody>
-      </p:sp>
-      <p:pic>
-        <p:nvPicPr>
-          <p:cNvPr id="64" name="Graphic 63">
-            <a:extLst>
-              <a:ext uri="{FF2B5EF4-FFF2-40B4-BE49-F238E27FC236}">
-                <a16:creationId xmlns:a16="http://schemas.microsoft.com/office/drawing/2014/main" id="{769FD645-3E42-4AB5-84DC-40ADEA7B6285}"/>
-              </a:ext>
-            </a:extLst>
-          </p:cNvPr>
-          <p:cNvPicPr>
-            <a:picLocks noChangeAspect="1"/>
-          </p:cNvPicPr>
-          <p:nvPr/>
-        </p:nvPicPr>
-        <p:blipFill>
-          <a:blip r:embed="rId6">
-            <a:extLst>
-              <a:ext uri="{28A0092B-C50C-407E-A947-70E740481C1C}">
-                <a14:useLocalDpi xmlns:a14="http://schemas.microsoft.com/office/drawing/2010/main" val="0"/>
-              </a:ext>
-              <a:ext uri="{96DAC541-7B7A-43D3-8B79-37D633B846F1}">
-                <asvg:svgBlip xmlns:asvg="http://schemas.microsoft.com/office/drawing/2016/SVG/main" r:embed="rId7"/>
-              </a:ext>
-            </a:extLst>
-          </a:blip>
-          <a:stretch>
-            <a:fillRect/>
-          </a:stretch>
-        </p:blipFill>
-        <p:spPr>
-          <a:xfrm>
-            <a:off x="8359893" y="4497292"/>
-            <a:ext cx="1338750" cy="1338750"/>
-          </a:xfrm>
-          <a:prstGeom prst="rect">
-            <a:avLst/>
-          </a:prstGeom>
-        </p:spPr>
-      </p:pic>
-      <p:cxnSp>
-        <p:nvCxnSpPr>
-          <p:cNvPr id="76" name="Straight Arrow Connector 75">
-            <a:extLst>
-              <a:ext uri="{FF2B5EF4-FFF2-40B4-BE49-F238E27FC236}">
-                <a16:creationId xmlns:a16="http://schemas.microsoft.com/office/drawing/2014/main" id="{A6DC93C9-F71E-489B-B096-29B7FD704144}"/>
-              </a:ext>
-            </a:extLst>
-          </p:cNvPr>
-          <p:cNvCxnSpPr>
-            <a:cxnSpLocks/>
-          </p:cNvCxnSpPr>
-          <p:nvPr/>
-        </p:nvCxnSpPr>
-        <p:spPr>
-          <a:xfrm flipV="1">
-            <a:off x="4491637" y="2654176"/>
-            <a:ext cx="995816" cy="46895"/>
-          </a:xfrm>
-          <a:prstGeom prst="straightConnector1">
-            <a:avLst/>
-          </a:prstGeom>
-          <a:ln w="9525" cap="flat" cmpd="sng" algn="ctr">
-            <a:solidFill>
-              <a:schemeClr val="accent1"/>
-            </a:solidFill>
-            <a:prstDash val="solid"/>
-            <a:round/>
-            <a:headEnd type="arrow" w="med" len="med"/>
-            <a:tailEnd type="arrow" w="med" len="med"/>
-          </a:ln>
-        </p:spPr>
-        <p:style>
-          <a:lnRef idx="0">
-            <a:scrgbClr r="0" g="0" b="0"/>
-          </a:lnRef>
-          <a:fillRef idx="0">
-            <a:scrgbClr r="0" g="0" b="0"/>
-          </a:fillRef>
-          <a:effectRef idx="0">
-            <a:scrgbClr r="0" g="0" b="0"/>
-          </a:effectRef>
-          <a:fontRef idx="minor">
-            <a:schemeClr val="tx1"/>
-          </a:fontRef>
-        </p:style>
-      </p:cxnSp>
-      <p:cxnSp>
-        <p:nvCxnSpPr>
-          <p:cNvPr id="80" name="Straight Arrow Connector 79">
-            <a:extLst>
-              <a:ext uri="{FF2B5EF4-FFF2-40B4-BE49-F238E27FC236}">
-                <a16:creationId xmlns:a16="http://schemas.microsoft.com/office/drawing/2014/main" id="{8B097027-55A2-427E-BD80-972D48D4B55C}"/>
-              </a:ext>
-            </a:extLst>
-          </p:cNvPr>
-          <p:cNvCxnSpPr>
-            <a:cxnSpLocks/>
-          </p:cNvCxnSpPr>
-          <p:nvPr/>
-        </p:nvCxnSpPr>
-        <p:spPr>
-          <a:xfrm flipV="1">
-            <a:off x="4544334" y="3015711"/>
-            <a:ext cx="1070138" cy="867631"/>
-          </a:xfrm>
-          <a:prstGeom prst="straightConnector1">
-            <a:avLst/>
-          </a:prstGeom>
-          <a:ln w="9525" cap="flat" cmpd="sng" algn="ctr">
-            <a:solidFill>
-              <a:schemeClr val="accent1"/>
-            </a:solidFill>
-            <a:prstDash val="solid"/>
-            <a:round/>
-            <a:headEnd type="arrow" w="med" len="med"/>
-            <a:tailEnd type="arrow" w="med" len="med"/>
-          </a:ln>
-        </p:spPr>
-        <p:style>
-          <a:lnRef idx="0">
-            <a:scrgbClr r="0" g="0" b="0"/>
-          </a:lnRef>
-          <a:fillRef idx="0">
-            <a:scrgbClr r="0" g="0" b="0"/>
-          </a:fillRef>
-          <a:effectRef idx="0">
-            <a:scrgbClr r="0" g="0" b="0"/>
-          </a:effectRef>
-          <a:fontRef idx="minor">
-            <a:schemeClr val="tx1"/>
-          </a:fontRef>
-        </p:style>
-      </p:cxnSp>
-      <p:sp>
-        <p:nvSpPr>
-          <p:cNvPr id="83" name="Rectangle 82">
-            <a:extLst>
-              <a:ext uri="{FF2B5EF4-FFF2-40B4-BE49-F238E27FC236}">
-                <a16:creationId xmlns:a16="http://schemas.microsoft.com/office/drawing/2014/main" id="{E1EAC884-A552-4D88-80D4-8B31012D88A9}"/>
-              </a:ext>
-            </a:extLst>
-          </p:cNvPr>
-          <p:cNvSpPr/>
-          <p:nvPr/>
-        </p:nvSpPr>
-        <p:spPr>
-          <a:xfrm>
-            <a:off x="5289068" y="1530395"/>
-            <a:ext cx="5459034" cy="2067092"/>
-          </a:xfrm>
-          <a:prstGeom prst="rect">
-            <a:avLst/>
-          </a:prstGeom>
-          <a:noFill/>
-          <a:ln>
-            <a:prstDash val="dashDot"/>
-          </a:ln>
-        </p:spPr>
-        <p:style>
-          <a:lnRef idx="2">
-            <a:schemeClr val="accent1">
-              <a:shade val="50000"/>
-            </a:schemeClr>
-          </a:lnRef>
-          <a:fillRef idx="1">
-            <a:schemeClr val="accent1"/>
-          </a:fillRef>
-          <a:effectRef idx="0">
-            <a:schemeClr val="accent1"/>
-          </a:effectRef>
-          <a:fontRef idx="minor">
-            <a:schemeClr val="lt1"/>
-          </a:fontRef>
-        </p:style>
-        <p:txBody>
-          <a:bodyPr rtlCol="0" anchor="ctr"/>
-          <a:lstStyle/>
-          <a:p>
-            <a:pPr algn="ctr"/>
-            <a:endParaRPr lang="en-GB"/>
-          </a:p>
-        </p:txBody>
-      </p:sp>
-      <p:sp>
-        <p:nvSpPr>
-          <p:cNvPr id="84" name="Rectangle 83">
-            <a:extLst>
-              <a:ext uri="{FF2B5EF4-FFF2-40B4-BE49-F238E27FC236}">
-                <a16:creationId xmlns:a16="http://schemas.microsoft.com/office/drawing/2014/main" id="{A28AD7DC-1EB9-427D-AA37-521F2572F2D0}"/>
-              </a:ext>
-            </a:extLst>
-          </p:cNvPr>
-          <p:cNvSpPr/>
-          <p:nvPr/>
-        </p:nvSpPr>
-        <p:spPr>
-          <a:xfrm>
-            <a:off x="5328236" y="3756603"/>
-            <a:ext cx="5419866" cy="1980831"/>
-          </a:xfrm>
-          <a:prstGeom prst="rect">
-            <a:avLst/>
-          </a:prstGeom>
-          <a:noFill/>
-          <a:ln>
-            <a:prstDash val="dashDot"/>
-          </a:ln>
-        </p:spPr>
-        <p:style>
-          <a:lnRef idx="2">
-            <a:schemeClr val="accent1">
-              <a:shade val="50000"/>
-            </a:schemeClr>
-          </a:lnRef>
-          <a:fillRef idx="1">
-            <a:schemeClr val="accent1"/>
-          </a:fillRef>
-          <a:effectRef idx="0">
-            <a:schemeClr val="accent1"/>
-          </a:effectRef>
-          <a:fontRef idx="minor">
-            <a:schemeClr val="lt1"/>
-          </a:fontRef>
-        </p:style>
-        <p:txBody>
-          <a:bodyPr rtlCol="0" anchor="ctr"/>
-          <a:lstStyle/>
-          <a:p>
-            <a:pPr algn="ctr"/>
-            <a:endParaRPr lang="en-GB"/>
-          </a:p>
-        </p:txBody>
-      </p:sp>
-      <p:sp>
-        <p:nvSpPr>
-          <p:cNvPr id="91" name="TextBox 90">
-            <a:extLst>
-              <a:ext uri="{FF2B5EF4-FFF2-40B4-BE49-F238E27FC236}">
-                <a16:creationId xmlns:a16="http://schemas.microsoft.com/office/drawing/2014/main" id="{96FE0513-7CC9-4B31-80E8-71A72D5746B9}"/>
-              </a:ext>
-            </a:extLst>
-          </p:cNvPr>
-          <p:cNvSpPr txBox="1"/>
-          <p:nvPr/>
-        </p:nvSpPr>
-        <p:spPr>
-          <a:xfrm>
-            <a:off x="5193325" y="1286745"/>
-            <a:ext cx="1425814" cy="369332"/>
-          </a:xfrm>
-          <a:prstGeom prst="rect">
-            <a:avLst/>
-          </a:prstGeom>
-          <a:solidFill>
-            <a:schemeClr val="bg1"/>
-          </a:solidFill>
-        </p:spPr>
-        <p:txBody>
-          <a:bodyPr wrap="square" rtlCol="0">
-            <a:spAutoFit/>
-          </a:bodyPr>
-          <a:lstStyle/>
-          <a:p>
-            <a:r>
-              <a:rPr lang="en-US" dirty="0"/>
-              <a:t>Zones</a:t>
-            </a:r>
-            <a:endParaRPr lang="en-GB" dirty="0"/>
+              <a:rPr lang="en-GB" dirty="0"/>
+              <a:t>MUM-</a:t>
+            </a:r>
+            <a:r>
+              <a:rPr lang="en-GB" dirty="0" err="1"/>
+              <a:t>Compro</a:t>
+            </a:r>
+            <a:r>
+              <a:rPr lang="en-GB" dirty="0"/>
+              <a:t> tech talk – July 06, 2019</a:t>
+            </a:r>
           </a:p>
         </p:txBody>
       </p:sp>
     </p:spTree>
     <p:extLst>
       <p:ext uri="{BB962C8B-B14F-4D97-AF65-F5344CB8AC3E}">
-        <p14:creationId xmlns:p14="http://schemas.microsoft.com/office/powerpoint/2010/main" val="2013328787"/>
+        <p14:creationId xmlns:p14="http://schemas.microsoft.com/office/powerpoint/2010/main" val="3252182928"/>
       </p:ext>
     </p:extLst>
   </p:cSld>
@@ -9364,7 +7652,7 @@
           <p:cNvPr id="2" name="Title 1">
             <a:extLst>
               <a:ext uri="{FF2B5EF4-FFF2-40B4-BE49-F238E27FC236}">
-                <a16:creationId xmlns:a16="http://schemas.microsoft.com/office/drawing/2014/main" id="{60DB7148-A652-4ACF-AC4B-75310E7DF614}"/>
+                <a16:creationId xmlns:a16="http://schemas.microsoft.com/office/drawing/2014/main" id="{832D96B4-B1E1-4CBE-9901-B5AB8D954F6A}"/>
               </a:ext>
             </a:extLst>
           </p:cNvPr>
@@ -9375,7 +7663,12 @@
             <p:ph type="title"/>
           </p:nvPr>
         </p:nvSpPr>
-        <p:spPr/>
+        <p:spPr>
+          <a:xfrm>
+            <a:off x="838200" y="365125"/>
+            <a:ext cx="10515600" cy="1325563"/>
+          </a:xfrm>
+        </p:spPr>
         <p:txBody>
           <a:bodyPr/>
           <a:lstStyle/>
@@ -9393,86 +7686,10 @@
       </p:sp>
       <p:sp>
         <p:nvSpPr>
-          <p:cNvPr id="3" name="Content Placeholder 2">
-            <a:extLst>
-              <a:ext uri="{FF2B5EF4-FFF2-40B4-BE49-F238E27FC236}">
-                <a16:creationId xmlns:a16="http://schemas.microsoft.com/office/drawing/2014/main" id="{433C6CCF-F6CD-402D-BF88-1B18F31A9E8C}"/>
-              </a:ext>
-            </a:extLst>
-          </p:cNvPr>
-          <p:cNvSpPr>
-            <a:spLocks noGrp="1"/>
-          </p:cNvSpPr>
-          <p:nvPr>
-            <p:ph idx="1"/>
-          </p:nvPr>
-        </p:nvSpPr>
-        <p:spPr/>
-        <p:txBody>
-          <a:bodyPr/>
-          <a:lstStyle/>
-          <a:p>
-            <a:r>
-              <a:rPr lang="en-GB" dirty="0"/>
-              <a:t>1 machine Netty Server for REST </a:t>
-            </a:r>
-            <a:r>
-              <a:rPr lang="en-GB" dirty="0" err="1"/>
-              <a:t>api</a:t>
-            </a:r>
-            <a:r>
-              <a:rPr lang="en-GB" dirty="0"/>
-              <a:t> that handle tracking requests</a:t>
-            </a:r>
-          </a:p>
-          <a:p>
-            <a:r>
-              <a:rPr lang="en-GB" dirty="0"/>
-              <a:t>1 machine for Netty Server REST </a:t>
-            </a:r>
-            <a:r>
-              <a:rPr lang="en-GB" dirty="0" err="1"/>
-              <a:t>api</a:t>
-            </a:r>
-            <a:r>
-              <a:rPr lang="en-GB" dirty="0"/>
-              <a:t> that handle searching requests</a:t>
-            </a:r>
-          </a:p>
-          <a:p>
-            <a:r>
-              <a:rPr lang="en-GB" dirty="0"/>
-              <a:t>1 machine for Mongo Db (store &amp; serve provider info only)</a:t>
-            </a:r>
-          </a:p>
-          <a:p>
-            <a:r>
-              <a:rPr lang="en-GB" dirty="0"/>
-              <a:t>2 machines for Kafka &amp; service nodes</a:t>
-            </a:r>
-          </a:p>
-          <a:p>
-            <a:pPr lvl="1"/>
-            <a:r>
-              <a:rPr lang="en-GB" dirty="0"/>
-              <a:t>Each handle 2 city nodes + 2x16 sub-area nodes</a:t>
-            </a:r>
-          </a:p>
-          <a:p>
-            <a:pPr lvl="1"/>
-            <a:r>
-              <a:rPr lang="en-GB" dirty="0"/>
-              <a:t>The first processing machine also handle global node.</a:t>
-            </a:r>
-          </a:p>
-        </p:txBody>
-      </p:sp>
-      <p:sp>
-        <p:nvSpPr>
           <p:cNvPr id="4" name="Footer Placeholder 3">
             <a:extLst>
               <a:ext uri="{FF2B5EF4-FFF2-40B4-BE49-F238E27FC236}">
-                <a16:creationId xmlns:a16="http://schemas.microsoft.com/office/drawing/2014/main" id="{9AE4CA77-0ACB-45F1-B3FB-C2991AB3CFEC}"/>
+                <a16:creationId xmlns:a16="http://schemas.microsoft.com/office/drawing/2014/main" id="{293FEE91-26F7-4F9D-AE64-3E1FDC25D99F}"/>
               </a:ext>
             </a:extLst>
           </p:cNvPr>
@@ -9495,10 +7712,1480 @@
           </a:p>
         </p:txBody>
       </p:sp>
+      <p:sp>
+        <p:nvSpPr>
+          <p:cNvPr id="5" name="Thought Bubble: Cloud 4">
+            <a:extLst>
+              <a:ext uri="{FF2B5EF4-FFF2-40B4-BE49-F238E27FC236}">
+                <a16:creationId xmlns:a16="http://schemas.microsoft.com/office/drawing/2014/main" id="{C6504198-6055-44BC-9074-6F8CA71CD608}"/>
+              </a:ext>
+            </a:extLst>
+          </p:cNvPr>
+          <p:cNvSpPr/>
+          <p:nvPr/>
+        </p:nvSpPr>
+        <p:spPr>
+          <a:xfrm>
+            <a:off x="1263034" y="2318547"/>
+            <a:ext cx="914400" cy="612648"/>
+          </a:xfrm>
+          <a:prstGeom prst="cloudCallout">
+            <a:avLst/>
+          </a:prstGeom>
+          <a:noFill/>
+        </p:spPr>
+        <p:style>
+          <a:lnRef idx="2">
+            <a:schemeClr val="accent1">
+              <a:shade val="50000"/>
+            </a:schemeClr>
+          </a:lnRef>
+          <a:fillRef idx="1">
+            <a:schemeClr val="accent1"/>
+          </a:fillRef>
+          <a:effectRef idx="0">
+            <a:schemeClr val="accent1"/>
+          </a:effectRef>
+          <a:fontRef idx="minor">
+            <a:schemeClr val="lt1"/>
+          </a:fontRef>
+        </p:style>
+        <p:txBody>
+          <a:bodyPr rtlCol="0" anchor="ctr"/>
+          <a:lstStyle/>
+          <a:p>
+            <a:pPr algn="ctr"/>
+            <a:endParaRPr lang="en-GB"/>
+          </a:p>
+        </p:txBody>
+      </p:sp>
+      <p:sp>
+        <p:nvSpPr>
+          <p:cNvPr id="6" name="Thought Bubble: Cloud 5">
+            <a:extLst>
+              <a:ext uri="{FF2B5EF4-FFF2-40B4-BE49-F238E27FC236}">
+                <a16:creationId xmlns:a16="http://schemas.microsoft.com/office/drawing/2014/main" id="{C05D56BE-60FD-41F9-90FE-E5724A33ACED}"/>
+              </a:ext>
+            </a:extLst>
+          </p:cNvPr>
+          <p:cNvSpPr/>
+          <p:nvPr/>
+        </p:nvSpPr>
+        <p:spPr>
+          <a:xfrm>
+            <a:off x="984739" y="3561676"/>
+            <a:ext cx="914400" cy="612648"/>
+          </a:xfrm>
+          <a:prstGeom prst="cloudCallout">
+            <a:avLst/>
+          </a:prstGeom>
+          <a:noFill/>
+        </p:spPr>
+        <p:style>
+          <a:lnRef idx="2">
+            <a:schemeClr val="accent1">
+              <a:shade val="50000"/>
+            </a:schemeClr>
+          </a:lnRef>
+          <a:fillRef idx="1">
+            <a:schemeClr val="accent1"/>
+          </a:fillRef>
+          <a:effectRef idx="0">
+            <a:schemeClr val="accent1"/>
+          </a:effectRef>
+          <a:fontRef idx="minor">
+            <a:schemeClr val="lt1"/>
+          </a:fontRef>
+        </p:style>
+        <p:txBody>
+          <a:bodyPr rtlCol="0" anchor="ctr"/>
+          <a:lstStyle/>
+          <a:p>
+            <a:pPr algn="ctr"/>
+            <a:endParaRPr lang="en-GB"/>
+          </a:p>
+        </p:txBody>
+      </p:sp>
+      <p:pic>
+        <p:nvPicPr>
+          <p:cNvPr id="11" name="Graphic 10">
+            <a:extLst>
+              <a:ext uri="{FF2B5EF4-FFF2-40B4-BE49-F238E27FC236}">
+                <a16:creationId xmlns:a16="http://schemas.microsoft.com/office/drawing/2014/main" id="{B2AE7CBB-1359-4D82-843C-878A63AA0801}"/>
+              </a:ext>
+            </a:extLst>
+          </p:cNvPr>
+          <p:cNvPicPr>
+            <a:picLocks noChangeAspect="1"/>
+          </p:cNvPicPr>
+          <p:nvPr/>
+        </p:nvPicPr>
+        <p:blipFill>
+          <a:blip r:embed="rId2">
+            <a:extLst>
+              <a:ext uri="{28A0092B-C50C-407E-A947-70E740481C1C}">
+                <a14:useLocalDpi xmlns:a14="http://schemas.microsoft.com/office/drawing/2010/main" val="0"/>
+              </a:ext>
+              <a:ext uri="{96DAC541-7B7A-43D3-8B79-37D633B846F1}">
+                <asvg:svgBlip xmlns:asvg="http://schemas.microsoft.com/office/drawing/2016/SVG/main" r:embed="rId3"/>
+              </a:ext>
+            </a:extLst>
+          </a:blip>
+          <a:stretch>
+            <a:fillRect/>
+          </a:stretch>
+        </p:blipFill>
+        <p:spPr>
+          <a:xfrm flipH="1">
+            <a:off x="3359628" y="2248135"/>
+            <a:ext cx="775485" cy="775485"/>
+          </a:xfrm>
+          <a:prstGeom prst="rect">
+            <a:avLst/>
+          </a:prstGeom>
+        </p:spPr>
+      </p:pic>
+      <p:pic>
+        <p:nvPicPr>
+          <p:cNvPr id="12" name="Graphic 11">
+            <a:extLst>
+              <a:ext uri="{FF2B5EF4-FFF2-40B4-BE49-F238E27FC236}">
+                <a16:creationId xmlns:a16="http://schemas.microsoft.com/office/drawing/2014/main" id="{76BC0CAB-6D21-494C-A245-64540E15A9E3}"/>
+              </a:ext>
+            </a:extLst>
+          </p:cNvPr>
+          <p:cNvPicPr>
+            <a:picLocks noChangeAspect="1"/>
+          </p:cNvPicPr>
+          <p:nvPr/>
+        </p:nvPicPr>
+        <p:blipFill>
+          <a:blip r:embed="rId2">
+            <a:extLst>
+              <a:ext uri="{28A0092B-C50C-407E-A947-70E740481C1C}">
+                <a14:useLocalDpi xmlns:a14="http://schemas.microsoft.com/office/drawing/2010/main" val="0"/>
+              </a:ext>
+              <a:ext uri="{96DAC541-7B7A-43D3-8B79-37D633B846F1}">
+                <asvg:svgBlip xmlns:asvg="http://schemas.microsoft.com/office/drawing/2016/SVG/main" r:embed="rId3"/>
+              </a:ext>
+            </a:extLst>
+          </a:blip>
+          <a:stretch>
+            <a:fillRect/>
+          </a:stretch>
+        </p:blipFill>
+        <p:spPr>
+          <a:xfrm flipH="1" flipV="1">
+            <a:off x="3450983" y="3662842"/>
+            <a:ext cx="775485" cy="833569"/>
+          </a:xfrm>
+          <a:prstGeom prst="rect">
+            <a:avLst/>
+          </a:prstGeom>
+        </p:spPr>
+      </p:pic>
+      <p:pic>
+        <p:nvPicPr>
+          <p:cNvPr id="15" name="Graphic 14">
+            <a:extLst>
+              <a:ext uri="{FF2B5EF4-FFF2-40B4-BE49-F238E27FC236}">
+                <a16:creationId xmlns:a16="http://schemas.microsoft.com/office/drawing/2014/main" id="{3A072BAD-96D6-426C-B468-F996D78C3F4C}"/>
+              </a:ext>
+            </a:extLst>
+          </p:cNvPr>
+          <p:cNvPicPr>
+            <a:picLocks noChangeAspect="1"/>
+          </p:cNvPicPr>
+          <p:nvPr/>
+        </p:nvPicPr>
+        <p:blipFill>
+          <a:blip r:embed="rId4">
+            <a:extLst>
+              <a:ext uri="{28A0092B-C50C-407E-A947-70E740481C1C}">
+                <a14:useLocalDpi xmlns:a14="http://schemas.microsoft.com/office/drawing/2010/main" val="0"/>
+              </a:ext>
+              <a:ext uri="{96DAC541-7B7A-43D3-8B79-37D633B846F1}">
+                <asvg:svgBlip xmlns:asvg="http://schemas.microsoft.com/office/drawing/2016/SVG/main" r:embed="rId5"/>
+              </a:ext>
+            </a:extLst>
+          </a:blip>
+          <a:stretch>
+            <a:fillRect/>
+          </a:stretch>
+        </p:blipFill>
+        <p:spPr>
+          <a:xfrm>
+            <a:off x="5614472" y="2351222"/>
+            <a:ext cx="617807" cy="617807"/>
+          </a:xfrm>
+          <a:prstGeom prst="rect">
+            <a:avLst/>
+          </a:prstGeom>
+        </p:spPr>
+      </p:pic>
+      <p:pic>
+        <p:nvPicPr>
+          <p:cNvPr id="16" name="Graphic 15">
+            <a:extLst>
+              <a:ext uri="{FF2B5EF4-FFF2-40B4-BE49-F238E27FC236}">
+                <a16:creationId xmlns:a16="http://schemas.microsoft.com/office/drawing/2014/main" id="{BD9183E3-B34A-4649-8FA3-2620B8B2DDEB}"/>
+              </a:ext>
+            </a:extLst>
+          </p:cNvPr>
+          <p:cNvPicPr>
+            <a:picLocks noChangeAspect="1"/>
+          </p:cNvPicPr>
+          <p:nvPr/>
+        </p:nvPicPr>
+        <p:blipFill>
+          <a:blip r:embed="rId4">
+            <a:extLst>
+              <a:ext uri="{28A0092B-C50C-407E-A947-70E740481C1C}">
+                <a14:useLocalDpi xmlns:a14="http://schemas.microsoft.com/office/drawing/2010/main" val="0"/>
+              </a:ext>
+              <a:ext uri="{96DAC541-7B7A-43D3-8B79-37D633B846F1}">
+                <asvg:svgBlip xmlns:asvg="http://schemas.microsoft.com/office/drawing/2016/SVG/main" r:embed="rId5"/>
+              </a:ext>
+            </a:extLst>
+          </a:blip>
+          <a:stretch>
+            <a:fillRect/>
+          </a:stretch>
+        </p:blipFill>
+        <p:spPr>
+          <a:xfrm>
+            <a:off x="5807902" y="2489240"/>
+            <a:ext cx="617807" cy="617807"/>
+          </a:xfrm>
+          <a:prstGeom prst="rect">
+            <a:avLst/>
+          </a:prstGeom>
+        </p:spPr>
+      </p:pic>
+      <p:pic>
+        <p:nvPicPr>
+          <p:cNvPr id="19" name="Graphic 18">
+            <a:extLst>
+              <a:ext uri="{FF2B5EF4-FFF2-40B4-BE49-F238E27FC236}">
+                <a16:creationId xmlns:a16="http://schemas.microsoft.com/office/drawing/2014/main" id="{174E0914-CE1D-42FA-B132-E4482254A898}"/>
+              </a:ext>
+            </a:extLst>
+          </p:cNvPr>
+          <p:cNvPicPr>
+            <a:picLocks noChangeAspect="1"/>
+          </p:cNvPicPr>
+          <p:nvPr/>
+        </p:nvPicPr>
+        <p:blipFill>
+          <a:blip r:embed="rId4">
+            <a:extLst>
+              <a:ext uri="{28A0092B-C50C-407E-A947-70E740481C1C}">
+                <a14:useLocalDpi xmlns:a14="http://schemas.microsoft.com/office/drawing/2010/main" val="0"/>
+              </a:ext>
+              <a:ext uri="{96DAC541-7B7A-43D3-8B79-37D633B846F1}">
+                <asvg:svgBlip xmlns:asvg="http://schemas.microsoft.com/office/drawing/2016/SVG/main" r:embed="rId5"/>
+              </a:ext>
+            </a:extLst>
+          </a:blip>
+          <a:stretch>
+            <a:fillRect/>
+          </a:stretch>
+        </p:blipFill>
+        <p:spPr>
+          <a:xfrm>
+            <a:off x="6001332" y="2569700"/>
+            <a:ext cx="617807" cy="617807"/>
+          </a:xfrm>
+          <a:prstGeom prst="rect">
+            <a:avLst/>
+          </a:prstGeom>
+        </p:spPr>
+      </p:pic>
+      <p:pic>
+        <p:nvPicPr>
+          <p:cNvPr id="20" name="Graphic 19">
+            <a:extLst>
+              <a:ext uri="{FF2B5EF4-FFF2-40B4-BE49-F238E27FC236}">
+                <a16:creationId xmlns:a16="http://schemas.microsoft.com/office/drawing/2014/main" id="{903D3DF7-ECA2-48CC-A877-8B05B72DD912}"/>
+              </a:ext>
+            </a:extLst>
+          </p:cNvPr>
+          <p:cNvPicPr>
+            <a:picLocks noChangeAspect="1"/>
+          </p:cNvPicPr>
+          <p:nvPr/>
+        </p:nvPicPr>
+        <p:blipFill>
+          <a:blip r:embed="rId4">
+            <a:extLst>
+              <a:ext uri="{28A0092B-C50C-407E-A947-70E740481C1C}">
+                <a14:useLocalDpi xmlns:a14="http://schemas.microsoft.com/office/drawing/2010/main" val="0"/>
+              </a:ext>
+              <a:ext uri="{96DAC541-7B7A-43D3-8B79-37D633B846F1}">
+                <asvg:svgBlip xmlns:asvg="http://schemas.microsoft.com/office/drawing/2016/SVG/main" r:embed="rId5"/>
+              </a:ext>
+            </a:extLst>
+          </a:blip>
+          <a:stretch>
+            <a:fillRect/>
+          </a:stretch>
+        </p:blipFill>
+        <p:spPr>
+          <a:xfrm>
+            <a:off x="5606154" y="3844252"/>
+            <a:ext cx="617807" cy="617807"/>
+          </a:xfrm>
+          <a:prstGeom prst="rect">
+            <a:avLst/>
+          </a:prstGeom>
+        </p:spPr>
+      </p:pic>
+      <p:pic>
+        <p:nvPicPr>
+          <p:cNvPr id="21" name="Graphic 20">
+            <a:extLst>
+              <a:ext uri="{FF2B5EF4-FFF2-40B4-BE49-F238E27FC236}">
+                <a16:creationId xmlns:a16="http://schemas.microsoft.com/office/drawing/2014/main" id="{10B8B8FA-705C-4FE0-B414-C8C725A6F216}"/>
+              </a:ext>
+            </a:extLst>
+          </p:cNvPr>
+          <p:cNvPicPr>
+            <a:picLocks noChangeAspect="1"/>
+          </p:cNvPicPr>
+          <p:nvPr/>
+        </p:nvPicPr>
+        <p:blipFill>
+          <a:blip r:embed="rId4">
+            <a:extLst>
+              <a:ext uri="{28A0092B-C50C-407E-A947-70E740481C1C}">
+                <a14:useLocalDpi xmlns:a14="http://schemas.microsoft.com/office/drawing/2010/main" val="0"/>
+              </a:ext>
+              <a:ext uri="{96DAC541-7B7A-43D3-8B79-37D633B846F1}">
+                <asvg:svgBlip xmlns:asvg="http://schemas.microsoft.com/office/drawing/2016/SVG/main" r:embed="rId5"/>
+              </a:ext>
+            </a:extLst>
+          </a:blip>
+          <a:stretch>
+            <a:fillRect/>
+          </a:stretch>
+        </p:blipFill>
+        <p:spPr>
+          <a:xfrm>
+            <a:off x="5799584" y="3982270"/>
+            <a:ext cx="617807" cy="617807"/>
+          </a:xfrm>
+          <a:prstGeom prst="rect">
+            <a:avLst/>
+          </a:prstGeom>
+        </p:spPr>
+      </p:pic>
+      <p:pic>
+        <p:nvPicPr>
+          <p:cNvPr id="22" name="Graphic 21">
+            <a:extLst>
+              <a:ext uri="{FF2B5EF4-FFF2-40B4-BE49-F238E27FC236}">
+                <a16:creationId xmlns:a16="http://schemas.microsoft.com/office/drawing/2014/main" id="{4A7F6003-90C6-4554-83D6-C8F2E2CF0AD4}"/>
+              </a:ext>
+            </a:extLst>
+          </p:cNvPr>
+          <p:cNvPicPr>
+            <a:picLocks noChangeAspect="1"/>
+          </p:cNvPicPr>
+          <p:nvPr/>
+        </p:nvPicPr>
+        <p:blipFill>
+          <a:blip r:embed="rId4">
+            <a:extLst>
+              <a:ext uri="{28A0092B-C50C-407E-A947-70E740481C1C}">
+                <a14:useLocalDpi xmlns:a14="http://schemas.microsoft.com/office/drawing/2010/main" val="0"/>
+              </a:ext>
+              <a:ext uri="{96DAC541-7B7A-43D3-8B79-37D633B846F1}">
+                <asvg:svgBlip xmlns:asvg="http://schemas.microsoft.com/office/drawing/2016/SVG/main" r:embed="rId5"/>
+              </a:ext>
+            </a:extLst>
+          </a:blip>
+          <a:stretch>
+            <a:fillRect/>
+          </a:stretch>
+        </p:blipFill>
+        <p:spPr>
+          <a:xfrm>
+            <a:off x="5993014" y="4062730"/>
+            <a:ext cx="617807" cy="617807"/>
+          </a:xfrm>
+          <a:prstGeom prst="rect">
+            <a:avLst/>
+          </a:prstGeom>
+        </p:spPr>
+      </p:pic>
+      <p:pic>
+        <p:nvPicPr>
+          <p:cNvPr id="24" name="Graphic 23">
+            <a:extLst>
+              <a:ext uri="{FF2B5EF4-FFF2-40B4-BE49-F238E27FC236}">
+                <a16:creationId xmlns:a16="http://schemas.microsoft.com/office/drawing/2014/main" id="{3B598D21-42C0-46DD-AE45-4C377624962F}"/>
+              </a:ext>
+            </a:extLst>
+          </p:cNvPr>
+          <p:cNvPicPr>
+            <a:picLocks noChangeAspect="1"/>
+          </p:cNvPicPr>
+          <p:nvPr/>
+        </p:nvPicPr>
+        <p:blipFill>
+          <a:blip r:embed="rId6">
+            <a:extLst>
+              <a:ext uri="{28A0092B-C50C-407E-A947-70E740481C1C}">
+                <a14:useLocalDpi xmlns:a14="http://schemas.microsoft.com/office/drawing/2010/main" val="0"/>
+              </a:ext>
+              <a:ext uri="{96DAC541-7B7A-43D3-8B79-37D633B846F1}">
+                <asvg:svgBlip xmlns:asvg="http://schemas.microsoft.com/office/drawing/2016/SVG/main" r:embed="rId7"/>
+              </a:ext>
+            </a:extLst>
+          </a:blip>
+          <a:stretch>
+            <a:fillRect/>
+          </a:stretch>
+        </p:blipFill>
+        <p:spPr>
+          <a:xfrm>
+            <a:off x="7633303" y="1442287"/>
+            <a:ext cx="1338750" cy="1338750"/>
+          </a:xfrm>
+          <a:prstGeom prst="rect">
+            <a:avLst/>
+          </a:prstGeom>
+        </p:spPr>
+      </p:pic>
+      <p:pic>
+        <p:nvPicPr>
+          <p:cNvPr id="25" name="Graphic 24">
+            <a:extLst>
+              <a:ext uri="{FF2B5EF4-FFF2-40B4-BE49-F238E27FC236}">
+                <a16:creationId xmlns:a16="http://schemas.microsoft.com/office/drawing/2014/main" id="{56083CDF-094A-4AC2-AC9E-71741371651A}"/>
+              </a:ext>
+            </a:extLst>
+          </p:cNvPr>
+          <p:cNvPicPr>
+            <a:picLocks noChangeAspect="1"/>
+          </p:cNvPicPr>
+          <p:nvPr/>
+        </p:nvPicPr>
+        <p:blipFill>
+          <a:blip r:embed="rId6">
+            <a:extLst>
+              <a:ext uri="{28A0092B-C50C-407E-A947-70E740481C1C}">
+                <a14:useLocalDpi xmlns:a14="http://schemas.microsoft.com/office/drawing/2010/main" val="0"/>
+              </a:ext>
+              <a:ext uri="{96DAC541-7B7A-43D3-8B79-37D633B846F1}">
+                <asvg:svgBlip xmlns:asvg="http://schemas.microsoft.com/office/drawing/2016/SVG/main" r:embed="rId7"/>
+              </a:ext>
+            </a:extLst>
+          </a:blip>
+          <a:stretch>
+            <a:fillRect/>
+          </a:stretch>
+        </p:blipFill>
+        <p:spPr>
+          <a:xfrm>
+            <a:off x="7624624" y="2289920"/>
+            <a:ext cx="1338750" cy="1338750"/>
+          </a:xfrm>
+          <a:prstGeom prst="rect">
+            <a:avLst/>
+          </a:prstGeom>
+        </p:spPr>
+      </p:pic>
+      <p:pic>
+        <p:nvPicPr>
+          <p:cNvPr id="26" name="Graphic 25">
+            <a:extLst>
+              <a:ext uri="{FF2B5EF4-FFF2-40B4-BE49-F238E27FC236}">
+                <a16:creationId xmlns:a16="http://schemas.microsoft.com/office/drawing/2014/main" id="{5FEAE5D0-9551-4722-BD8D-F1801BBA56DB}"/>
+              </a:ext>
+            </a:extLst>
+          </p:cNvPr>
+          <p:cNvPicPr>
+            <a:picLocks noChangeAspect="1"/>
+          </p:cNvPicPr>
+          <p:nvPr/>
+        </p:nvPicPr>
+        <p:blipFill>
+          <a:blip r:embed="rId6">
+            <a:extLst>
+              <a:ext uri="{28A0092B-C50C-407E-A947-70E740481C1C}">
+                <a14:useLocalDpi xmlns:a14="http://schemas.microsoft.com/office/drawing/2010/main" val="0"/>
+              </a:ext>
+              <a:ext uri="{96DAC541-7B7A-43D3-8B79-37D633B846F1}">
+                <asvg:svgBlip xmlns:asvg="http://schemas.microsoft.com/office/drawing/2016/SVG/main" r:embed="rId7"/>
+              </a:ext>
+            </a:extLst>
+          </a:blip>
+          <a:stretch>
+            <a:fillRect/>
+          </a:stretch>
+        </p:blipFill>
+        <p:spPr>
+          <a:xfrm>
+            <a:off x="9095162" y="3617047"/>
+            <a:ext cx="1338750" cy="1338750"/>
+          </a:xfrm>
+          <a:prstGeom prst="rect">
+            <a:avLst/>
+          </a:prstGeom>
+        </p:spPr>
+      </p:pic>
+      <p:pic>
+        <p:nvPicPr>
+          <p:cNvPr id="27" name="Graphic 26">
+            <a:extLst>
+              <a:ext uri="{FF2B5EF4-FFF2-40B4-BE49-F238E27FC236}">
+                <a16:creationId xmlns:a16="http://schemas.microsoft.com/office/drawing/2014/main" id="{B1FD01AD-1D69-4ADF-9AC6-609FEE58A955}"/>
+              </a:ext>
+            </a:extLst>
+          </p:cNvPr>
+          <p:cNvPicPr>
+            <a:picLocks noChangeAspect="1"/>
+          </p:cNvPicPr>
+          <p:nvPr/>
+        </p:nvPicPr>
+        <p:blipFill>
+          <a:blip r:embed="rId6">
+            <a:extLst>
+              <a:ext uri="{28A0092B-C50C-407E-A947-70E740481C1C}">
+                <a14:useLocalDpi xmlns:a14="http://schemas.microsoft.com/office/drawing/2010/main" val="0"/>
+              </a:ext>
+              <a:ext uri="{96DAC541-7B7A-43D3-8B79-37D633B846F1}">
+                <asvg:svgBlip xmlns:asvg="http://schemas.microsoft.com/office/drawing/2016/SVG/main" r:embed="rId7"/>
+              </a:ext>
+            </a:extLst>
+          </a:blip>
+          <a:stretch>
+            <a:fillRect/>
+          </a:stretch>
+        </p:blipFill>
+        <p:spPr>
+          <a:xfrm>
+            <a:off x="7724161" y="3787786"/>
+            <a:ext cx="1338750" cy="1338750"/>
+          </a:xfrm>
+          <a:prstGeom prst="rect">
+            <a:avLst/>
+          </a:prstGeom>
+        </p:spPr>
+      </p:pic>
+      <p:pic>
+        <p:nvPicPr>
+          <p:cNvPr id="28" name="Graphic 27">
+            <a:extLst>
+              <a:ext uri="{FF2B5EF4-FFF2-40B4-BE49-F238E27FC236}">
+                <a16:creationId xmlns:a16="http://schemas.microsoft.com/office/drawing/2014/main" id="{F6BA3D8E-0287-4241-BC24-A8B878F2A27C}"/>
+              </a:ext>
+            </a:extLst>
+          </p:cNvPr>
+          <p:cNvPicPr>
+            <a:picLocks noChangeAspect="1"/>
+          </p:cNvPicPr>
+          <p:nvPr/>
+        </p:nvPicPr>
+        <p:blipFill>
+          <a:blip r:embed="rId6">
+            <a:extLst>
+              <a:ext uri="{28A0092B-C50C-407E-A947-70E740481C1C}">
+                <a14:useLocalDpi xmlns:a14="http://schemas.microsoft.com/office/drawing/2010/main" val="0"/>
+              </a:ext>
+              <a:ext uri="{96DAC541-7B7A-43D3-8B79-37D633B846F1}">
+                <asvg:svgBlip xmlns:asvg="http://schemas.microsoft.com/office/drawing/2016/SVG/main" r:embed="rId7"/>
+              </a:ext>
+            </a:extLst>
+          </a:blip>
+          <a:stretch>
+            <a:fillRect/>
+          </a:stretch>
+        </p:blipFill>
+        <p:spPr>
+          <a:xfrm>
+            <a:off x="8815497" y="1773898"/>
+            <a:ext cx="1338750" cy="1338750"/>
+          </a:xfrm>
+          <a:prstGeom prst="rect">
+            <a:avLst/>
+          </a:prstGeom>
+        </p:spPr>
+      </p:pic>
+      <p:sp>
+        <p:nvSpPr>
+          <p:cNvPr id="31" name="TextBox 30">
+            <a:extLst>
+              <a:ext uri="{FF2B5EF4-FFF2-40B4-BE49-F238E27FC236}">
+                <a16:creationId xmlns:a16="http://schemas.microsoft.com/office/drawing/2014/main" id="{437EFE2B-9615-4AE6-96E0-78A0C6B16B71}"/>
+              </a:ext>
+            </a:extLst>
+          </p:cNvPr>
+          <p:cNvSpPr txBox="1"/>
+          <p:nvPr/>
+        </p:nvSpPr>
+        <p:spPr>
+          <a:xfrm>
+            <a:off x="1083213" y="4791222"/>
+            <a:ext cx="815926" cy="369332"/>
+          </a:xfrm>
+          <a:prstGeom prst="rect">
+            <a:avLst/>
+          </a:prstGeom>
+          <a:noFill/>
+        </p:spPr>
+        <p:txBody>
+          <a:bodyPr wrap="square" rtlCol="0">
+            <a:spAutoFit/>
+          </a:bodyPr>
+          <a:lstStyle/>
+          <a:p>
+            <a:r>
+              <a:rPr lang="en-US" dirty="0"/>
+              <a:t>Clients</a:t>
+            </a:r>
+            <a:endParaRPr lang="en-GB" dirty="0"/>
+          </a:p>
+        </p:txBody>
+      </p:sp>
+      <p:sp>
+        <p:nvSpPr>
+          <p:cNvPr id="33" name="TextBox 32">
+            <a:extLst>
+              <a:ext uri="{FF2B5EF4-FFF2-40B4-BE49-F238E27FC236}">
+                <a16:creationId xmlns:a16="http://schemas.microsoft.com/office/drawing/2014/main" id="{761CBBA9-148A-4ADE-AFF8-94598E1E6F89}"/>
+              </a:ext>
+            </a:extLst>
+          </p:cNvPr>
+          <p:cNvSpPr txBox="1"/>
+          <p:nvPr/>
+        </p:nvSpPr>
+        <p:spPr>
+          <a:xfrm>
+            <a:off x="3324394" y="4579274"/>
+            <a:ext cx="1219940" cy="646331"/>
+          </a:xfrm>
+          <a:prstGeom prst="rect">
+            <a:avLst/>
+          </a:prstGeom>
+          <a:noFill/>
+        </p:spPr>
+        <p:txBody>
+          <a:bodyPr wrap="square" rtlCol="0">
+            <a:spAutoFit/>
+          </a:bodyPr>
+          <a:lstStyle/>
+          <a:p>
+            <a:r>
+              <a:rPr lang="en-US" dirty="0"/>
+              <a:t>REST API servers</a:t>
+            </a:r>
+            <a:endParaRPr lang="en-GB" dirty="0"/>
+          </a:p>
+        </p:txBody>
+      </p:sp>
+      <p:sp>
+        <p:nvSpPr>
+          <p:cNvPr id="34" name="TextBox 33">
+            <a:extLst>
+              <a:ext uri="{FF2B5EF4-FFF2-40B4-BE49-F238E27FC236}">
+                <a16:creationId xmlns:a16="http://schemas.microsoft.com/office/drawing/2014/main" id="{0EE6D68B-5561-48DB-928F-6F295FD5F833}"/>
+              </a:ext>
+            </a:extLst>
+          </p:cNvPr>
+          <p:cNvSpPr txBox="1"/>
+          <p:nvPr/>
+        </p:nvSpPr>
+        <p:spPr>
+          <a:xfrm>
+            <a:off x="5435205" y="5690786"/>
+            <a:ext cx="1494105" cy="369332"/>
+          </a:xfrm>
+          <a:prstGeom prst="rect">
+            <a:avLst/>
+          </a:prstGeom>
+          <a:noFill/>
+        </p:spPr>
+        <p:txBody>
+          <a:bodyPr wrap="square" rtlCol="0">
+            <a:spAutoFit/>
+          </a:bodyPr>
+          <a:lstStyle/>
+          <a:p>
+            <a:r>
+              <a:rPr lang="en-US" dirty="0"/>
+              <a:t>Kafka servers</a:t>
+            </a:r>
+            <a:endParaRPr lang="en-GB" dirty="0"/>
+          </a:p>
+        </p:txBody>
+      </p:sp>
+      <p:sp>
+        <p:nvSpPr>
+          <p:cNvPr id="35" name="TextBox 34">
+            <a:extLst>
+              <a:ext uri="{FF2B5EF4-FFF2-40B4-BE49-F238E27FC236}">
+                <a16:creationId xmlns:a16="http://schemas.microsoft.com/office/drawing/2014/main" id="{925BAB58-AF54-4642-9A8C-2AF85986706C}"/>
+              </a:ext>
+            </a:extLst>
+          </p:cNvPr>
+          <p:cNvSpPr txBox="1"/>
+          <p:nvPr/>
+        </p:nvSpPr>
+        <p:spPr>
+          <a:xfrm>
+            <a:off x="7994228" y="5745452"/>
+            <a:ext cx="1944757" cy="369332"/>
+          </a:xfrm>
+          <a:prstGeom prst="rect">
+            <a:avLst/>
+          </a:prstGeom>
+          <a:noFill/>
+        </p:spPr>
+        <p:txBody>
+          <a:bodyPr wrap="square" rtlCol="0">
+            <a:spAutoFit/>
+          </a:bodyPr>
+          <a:lstStyle/>
+          <a:p>
+            <a:r>
+              <a:rPr lang="en-US" dirty="0"/>
+              <a:t>Service nodes</a:t>
+            </a:r>
+            <a:endParaRPr lang="en-GB" dirty="0"/>
+          </a:p>
+        </p:txBody>
+      </p:sp>
+      <p:cxnSp>
+        <p:nvCxnSpPr>
+          <p:cNvPr id="37" name="Straight Arrow Connector 36">
+            <a:extLst>
+              <a:ext uri="{FF2B5EF4-FFF2-40B4-BE49-F238E27FC236}">
+                <a16:creationId xmlns:a16="http://schemas.microsoft.com/office/drawing/2014/main" id="{54E2A217-182A-4621-A853-D5FC82A2192A}"/>
+              </a:ext>
+            </a:extLst>
+          </p:cNvPr>
+          <p:cNvCxnSpPr>
+            <a:cxnSpLocks/>
+          </p:cNvCxnSpPr>
+          <p:nvPr/>
+        </p:nvCxnSpPr>
+        <p:spPr>
+          <a:xfrm>
+            <a:off x="2283820" y="2847532"/>
+            <a:ext cx="997666" cy="0"/>
+          </a:xfrm>
+          <a:prstGeom prst="straightConnector1">
+            <a:avLst/>
+          </a:prstGeom>
+          <a:ln w="9525" cap="flat" cmpd="sng" algn="ctr">
+            <a:solidFill>
+              <a:schemeClr val="accent1"/>
+            </a:solidFill>
+            <a:prstDash val="solid"/>
+            <a:round/>
+            <a:headEnd type="arrow" w="med" len="med"/>
+            <a:tailEnd type="arrow" w="med" len="med"/>
+          </a:ln>
+        </p:spPr>
+        <p:style>
+          <a:lnRef idx="0">
+            <a:scrgbClr r="0" g="0" b="0"/>
+          </a:lnRef>
+          <a:fillRef idx="0">
+            <a:scrgbClr r="0" g="0" b="0"/>
+          </a:fillRef>
+          <a:effectRef idx="0">
+            <a:scrgbClr r="0" g="0" b="0"/>
+          </a:effectRef>
+          <a:fontRef idx="minor">
+            <a:schemeClr val="tx1"/>
+          </a:fontRef>
+        </p:style>
+      </p:cxnSp>
+      <p:cxnSp>
+        <p:nvCxnSpPr>
+          <p:cNvPr id="38" name="Straight Arrow Connector 37">
+            <a:extLst>
+              <a:ext uri="{FF2B5EF4-FFF2-40B4-BE49-F238E27FC236}">
+                <a16:creationId xmlns:a16="http://schemas.microsoft.com/office/drawing/2014/main" id="{BA0A4AC1-27F1-4884-950E-E5D6D633FEF9}"/>
+              </a:ext>
+            </a:extLst>
+          </p:cNvPr>
+          <p:cNvCxnSpPr>
+            <a:cxnSpLocks/>
+          </p:cNvCxnSpPr>
+          <p:nvPr/>
+        </p:nvCxnSpPr>
+        <p:spPr>
+          <a:xfrm flipV="1">
+            <a:off x="2264368" y="3867999"/>
+            <a:ext cx="1017118" cy="2"/>
+          </a:xfrm>
+          <a:prstGeom prst="straightConnector1">
+            <a:avLst/>
+          </a:prstGeom>
+          <a:ln w="9525" cap="flat" cmpd="sng" algn="ctr">
+            <a:solidFill>
+              <a:schemeClr val="accent1"/>
+            </a:solidFill>
+            <a:prstDash val="solid"/>
+            <a:round/>
+            <a:headEnd type="arrow" w="med" len="med"/>
+            <a:tailEnd type="arrow" w="med" len="med"/>
+          </a:ln>
+        </p:spPr>
+        <p:style>
+          <a:lnRef idx="0">
+            <a:scrgbClr r="0" g="0" b="0"/>
+          </a:lnRef>
+          <a:fillRef idx="0">
+            <a:scrgbClr r="0" g="0" b="0"/>
+          </a:fillRef>
+          <a:effectRef idx="0">
+            <a:scrgbClr r="0" g="0" b="0"/>
+          </a:effectRef>
+          <a:fontRef idx="minor">
+            <a:schemeClr val="tx1"/>
+          </a:fontRef>
+        </p:style>
+      </p:cxnSp>
+      <p:cxnSp>
+        <p:nvCxnSpPr>
+          <p:cNvPr id="48" name="Straight Arrow Connector 47">
+            <a:extLst>
+              <a:ext uri="{FF2B5EF4-FFF2-40B4-BE49-F238E27FC236}">
+                <a16:creationId xmlns:a16="http://schemas.microsoft.com/office/drawing/2014/main" id="{AB6E87E3-45C3-427C-8EA3-484221285075}"/>
+              </a:ext>
+            </a:extLst>
+          </p:cNvPr>
+          <p:cNvCxnSpPr>
+            <a:cxnSpLocks/>
+          </p:cNvCxnSpPr>
+          <p:nvPr/>
+        </p:nvCxnSpPr>
+        <p:spPr>
+          <a:xfrm>
+            <a:off x="4464817" y="2862401"/>
+            <a:ext cx="1043269" cy="1020940"/>
+          </a:xfrm>
+          <a:prstGeom prst="straightConnector1">
+            <a:avLst/>
+          </a:prstGeom>
+          <a:ln w="9525" cap="flat" cmpd="sng" algn="ctr">
+            <a:solidFill>
+              <a:schemeClr val="accent1"/>
+            </a:solidFill>
+            <a:prstDash val="solid"/>
+            <a:round/>
+            <a:headEnd type="arrow" w="med" len="med"/>
+            <a:tailEnd type="arrow" w="med" len="med"/>
+          </a:ln>
+        </p:spPr>
+        <p:style>
+          <a:lnRef idx="0">
+            <a:scrgbClr r="0" g="0" b="0"/>
+          </a:lnRef>
+          <a:fillRef idx="0">
+            <a:scrgbClr r="0" g="0" b="0"/>
+          </a:fillRef>
+          <a:effectRef idx="0">
+            <a:scrgbClr r="0" g="0" b="0"/>
+          </a:effectRef>
+          <a:fontRef idx="minor">
+            <a:schemeClr val="tx1"/>
+          </a:fontRef>
+        </p:style>
+      </p:cxnSp>
+      <p:cxnSp>
+        <p:nvCxnSpPr>
+          <p:cNvPr id="50" name="Straight Arrow Connector 49">
+            <a:extLst>
+              <a:ext uri="{FF2B5EF4-FFF2-40B4-BE49-F238E27FC236}">
+                <a16:creationId xmlns:a16="http://schemas.microsoft.com/office/drawing/2014/main" id="{EB059E25-2D65-4A50-8BA1-3152955114EA}"/>
+              </a:ext>
+            </a:extLst>
+          </p:cNvPr>
+          <p:cNvCxnSpPr>
+            <a:cxnSpLocks/>
+          </p:cNvCxnSpPr>
+          <p:nvPr/>
+        </p:nvCxnSpPr>
+        <p:spPr>
+          <a:xfrm>
+            <a:off x="4520317" y="4042493"/>
+            <a:ext cx="967136" cy="20237"/>
+          </a:xfrm>
+          <a:prstGeom prst="straightConnector1">
+            <a:avLst/>
+          </a:prstGeom>
+          <a:ln w="9525" cap="flat" cmpd="sng" algn="ctr">
+            <a:solidFill>
+              <a:schemeClr val="accent1"/>
+            </a:solidFill>
+            <a:prstDash val="solid"/>
+            <a:round/>
+            <a:headEnd type="arrow" w="med" len="med"/>
+            <a:tailEnd type="arrow" w="med" len="med"/>
+          </a:ln>
+        </p:spPr>
+        <p:style>
+          <a:lnRef idx="0">
+            <a:scrgbClr r="0" g="0" b="0"/>
+          </a:lnRef>
+          <a:fillRef idx="0">
+            <a:scrgbClr r="0" g="0" b="0"/>
+          </a:fillRef>
+          <a:effectRef idx="0">
+            <a:scrgbClr r="0" g="0" b="0"/>
+          </a:effectRef>
+          <a:fontRef idx="minor">
+            <a:schemeClr val="tx1"/>
+          </a:fontRef>
+        </p:style>
+      </p:cxnSp>
+      <p:cxnSp>
+        <p:nvCxnSpPr>
+          <p:cNvPr id="54" name="Straight Arrow Connector 53">
+            <a:extLst>
+              <a:ext uri="{FF2B5EF4-FFF2-40B4-BE49-F238E27FC236}">
+                <a16:creationId xmlns:a16="http://schemas.microsoft.com/office/drawing/2014/main" id="{62B3D658-6245-4756-97ED-76A11B411C09}"/>
+              </a:ext>
+            </a:extLst>
+          </p:cNvPr>
+          <p:cNvCxnSpPr>
+            <a:cxnSpLocks/>
+          </p:cNvCxnSpPr>
+          <p:nvPr/>
+        </p:nvCxnSpPr>
+        <p:spPr>
+          <a:xfrm flipV="1">
+            <a:off x="6765376" y="2532635"/>
+            <a:ext cx="872547" cy="121541"/>
+          </a:xfrm>
+          <a:prstGeom prst="straightConnector1">
+            <a:avLst/>
+          </a:prstGeom>
+          <a:ln w="9525" cap="flat" cmpd="sng" algn="ctr">
+            <a:solidFill>
+              <a:schemeClr val="accent1"/>
+            </a:solidFill>
+            <a:prstDash val="solid"/>
+            <a:round/>
+            <a:headEnd type="arrow" w="med" len="med"/>
+            <a:tailEnd type="arrow" w="med" len="med"/>
+          </a:ln>
+        </p:spPr>
+        <p:style>
+          <a:lnRef idx="0">
+            <a:scrgbClr r="0" g="0" b="0"/>
+          </a:lnRef>
+          <a:fillRef idx="0">
+            <a:scrgbClr r="0" g="0" b="0"/>
+          </a:fillRef>
+          <a:effectRef idx="0">
+            <a:scrgbClr r="0" g="0" b="0"/>
+          </a:effectRef>
+          <a:fontRef idx="minor">
+            <a:schemeClr val="tx1"/>
+          </a:fontRef>
+        </p:style>
+      </p:cxnSp>
+      <p:cxnSp>
+        <p:nvCxnSpPr>
+          <p:cNvPr id="60" name="Straight Arrow Connector 59">
+            <a:extLst>
+              <a:ext uri="{FF2B5EF4-FFF2-40B4-BE49-F238E27FC236}">
+                <a16:creationId xmlns:a16="http://schemas.microsoft.com/office/drawing/2014/main" id="{5A3DCD9B-2873-4A32-9A63-A1D70B900295}"/>
+              </a:ext>
+            </a:extLst>
+          </p:cNvPr>
+          <p:cNvCxnSpPr>
+            <a:cxnSpLocks/>
+          </p:cNvCxnSpPr>
+          <p:nvPr/>
+        </p:nvCxnSpPr>
+        <p:spPr>
+          <a:xfrm>
+            <a:off x="6778659" y="4414733"/>
+            <a:ext cx="859264" cy="84812"/>
+          </a:xfrm>
+          <a:prstGeom prst="straightConnector1">
+            <a:avLst/>
+          </a:prstGeom>
+          <a:ln w="9525" cap="flat" cmpd="sng" algn="ctr">
+            <a:solidFill>
+              <a:schemeClr val="accent1"/>
+            </a:solidFill>
+            <a:prstDash val="solid"/>
+            <a:round/>
+            <a:headEnd type="arrow" w="med" len="med"/>
+            <a:tailEnd type="arrow" w="med" len="med"/>
+          </a:ln>
+        </p:spPr>
+        <p:style>
+          <a:lnRef idx="0">
+            <a:scrgbClr r="0" g="0" b="0"/>
+          </a:lnRef>
+          <a:fillRef idx="0">
+            <a:scrgbClr r="0" g="0" b="0"/>
+          </a:fillRef>
+          <a:effectRef idx="0">
+            <a:scrgbClr r="0" g="0" b="0"/>
+          </a:effectRef>
+          <a:fontRef idx="minor">
+            <a:schemeClr val="tx1"/>
+          </a:fontRef>
+        </p:style>
+      </p:cxnSp>
+      <p:pic>
+        <p:nvPicPr>
+          <p:cNvPr id="45" name="Graphic 44">
+            <a:extLst>
+              <a:ext uri="{FF2B5EF4-FFF2-40B4-BE49-F238E27FC236}">
+                <a16:creationId xmlns:a16="http://schemas.microsoft.com/office/drawing/2014/main" id="{ABA9EDFD-D24F-432C-8666-1EF806B72C61}"/>
+              </a:ext>
+            </a:extLst>
+          </p:cNvPr>
+          <p:cNvPicPr>
+            <a:picLocks noChangeAspect="1"/>
+          </p:cNvPicPr>
+          <p:nvPr/>
+        </p:nvPicPr>
+        <p:blipFill>
+          <a:blip r:embed="rId2">
+            <a:extLst>
+              <a:ext uri="{28A0092B-C50C-407E-A947-70E740481C1C}">
+                <a14:useLocalDpi xmlns:a14="http://schemas.microsoft.com/office/drawing/2010/main" val="0"/>
+              </a:ext>
+              <a:ext uri="{96DAC541-7B7A-43D3-8B79-37D633B846F1}">
+                <asvg:svgBlip xmlns:asvg="http://schemas.microsoft.com/office/drawing/2016/SVG/main" r:embed="rId3"/>
+              </a:ext>
+            </a:extLst>
+          </a:blip>
+          <a:stretch>
+            <a:fillRect/>
+          </a:stretch>
+        </p:blipFill>
+        <p:spPr>
+          <a:xfrm flipH="1">
+            <a:off x="3361003" y="2637237"/>
+            <a:ext cx="775485" cy="775485"/>
+          </a:xfrm>
+          <a:prstGeom prst="rect">
+            <a:avLst/>
+          </a:prstGeom>
+        </p:spPr>
+      </p:pic>
+      <p:pic>
+        <p:nvPicPr>
+          <p:cNvPr id="47" name="Graphic 46">
+            <a:extLst>
+              <a:ext uri="{FF2B5EF4-FFF2-40B4-BE49-F238E27FC236}">
+                <a16:creationId xmlns:a16="http://schemas.microsoft.com/office/drawing/2014/main" id="{CF395CFA-7E8A-45FF-8BD4-4820261A1C45}"/>
+              </a:ext>
+            </a:extLst>
+          </p:cNvPr>
+          <p:cNvPicPr>
+            <a:picLocks noChangeAspect="1"/>
+          </p:cNvPicPr>
+          <p:nvPr/>
+        </p:nvPicPr>
+        <p:blipFill>
+          <a:blip r:embed="rId2">
+            <a:extLst>
+              <a:ext uri="{28A0092B-C50C-407E-A947-70E740481C1C}">
+                <a14:useLocalDpi xmlns:a14="http://schemas.microsoft.com/office/drawing/2010/main" val="0"/>
+              </a:ext>
+              <a:ext uri="{96DAC541-7B7A-43D3-8B79-37D633B846F1}">
+                <asvg:svgBlip xmlns:asvg="http://schemas.microsoft.com/office/drawing/2016/SVG/main" r:embed="rId3"/>
+              </a:ext>
+            </a:extLst>
+          </a:blip>
+          <a:stretch>
+            <a:fillRect/>
+          </a:stretch>
+        </p:blipFill>
+        <p:spPr>
+          <a:xfrm flipH="1" flipV="1">
+            <a:off x="3440293" y="3283509"/>
+            <a:ext cx="775485" cy="698761"/>
+          </a:xfrm>
+          <a:prstGeom prst="rect">
+            <a:avLst/>
+          </a:prstGeom>
+        </p:spPr>
+      </p:pic>
+      <p:sp>
+        <p:nvSpPr>
+          <p:cNvPr id="51" name="Thought Bubble: Cloud 50">
+            <a:extLst>
+              <a:ext uri="{FF2B5EF4-FFF2-40B4-BE49-F238E27FC236}">
+                <a16:creationId xmlns:a16="http://schemas.microsoft.com/office/drawing/2014/main" id="{4A7D5915-E394-42D3-A013-1C7807F2A76B}"/>
+              </a:ext>
+            </a:extLst>
+          </p:cNvPr>
+          <p:cNvSpPr/>
+          <p:nvPr/>
+        </p:nvSpPr>
+        <p:spPr>
+          <a:xfrm>
+            <a:off x="1211188" y="3802085"/>
+            <a:ext cx="914400" cy="612648"/>
+          </a:xfrm>
+          <a:prstGeom prst="cloudCallout">
+            <a:avLst/>
+          </a:prstGeom>
+          <a:noFill/>
+        </p:spPr>
+        <p:style>
+          <a:lnRef idx="2">
+            <a:schemeClr val="accent1">
+              <a:shade val="50000"/>
+            </a:schemeClr>
+          </a:lnRef>
+          <a:fillRef idx="1">
+            <a:schemeClr val="accent1"/>
+          </a:fillRef>
+          <a:effectRef idx="0">
+            <a:schemeClr val="accent1"/>
+          </a:effectRef>
+          <a:fontRef idx="minor">
+            <a:schemeClr val="lt1"/>
+          </a:fontRef>
+        </p:style>
+        <p:txBody>
+          <a:bodyPr rtlCol="0" anchor="ctr"/>
+          <a:lstStyle/>
+          <a:p>
+            <a:pPr algn="ctr"/>
+            <a:endParaRPr lang="en-GB"/>
+          </a:p>
+        </p:txBody>
+      </p:sp>
+      <p:sp>
+        <p:nvSpPr>
+          <p:cNvPr id="53" name="Thought Bubble: Cloud 52">
+            <a:extLst>
+              <a:ext uri="{FF2B5EF4-FFF2-40B4-BE49-F238E27FC236}">
+                <a16:creationId xmlns:a16="http://schemas.microsoft.com/office/drawing/2014/main" id="{32F23F7D-4F9B-45FC-9CD0-FE31763B087E}"/>
+              </a:ext>
+            </a:extLst>
+          </p:cNvPr>
+          <p:cNvSpPr/>
+          <p:nvPr/>
+        </p:nvSpPr>
+        <p:spPr>
+          <a:xfrm>
+            <a:off x="1069604" y="2532635"/>
+            <a:ext cx="914400" cy="612648"/>
+          </a:xfrm>
+          <a:prstGeom prst="cloudCallout">
+            <a:avLst/>
+          </a:prstGeom>
+          <a:noFill/>
+        </p:spPr>
+        <p:style>
+          <a:lnRef idx="2">
+            <a:schemeClr val="accent1">
+              <a:shade val="50000"/>
+            </a:schemeClr>
+          </a:lnRef>
+          <a:fillRef idx="1">
+            <a:schemeClr val="accent1"/>
+          </a:fillRef>
+          <a:effectRef idx="0">
+            <a:schemeClr val="accent1"/>
+          </a:effectRef>
+          <a:fontRef idx="minor">
+            <a:schemeClr val="lt1"/>
+          </a:fontRef>
+        </p:style>
+        <p:txBody>
+          <a:bodyPr rtlCol="0" anchor="ctr"/>
+          <a:lstStyle/>
+          <a:p>
+            <a:pPr algn="ctr"/>
+            <a:endParaRPr lang="en-GB"/>
+          </a:p>
+        </p:txBody>
+      </p:sp>
+      <p:pic>
+        <p:nvPicPr>
+          <p:cNvPr id="64" name="Graphic 63">
+            <a:extLst>
+              <a:ext uri="{FF2B5EF4-FFF2-40B4-BE49-F238E27FC236}">
+                <a16:creationId xmlns:a16="http://schemas.microsoft.com/office/drawing/2014/main" id="{769FD645-3E42-4AB5-84DC-40ADEA7B6285}"/>
+              </a:ext>
+            </a:extLst>
+          </p:cNvPr>
+          <p:cNvPicPr>
+            <a:picLocks noChangeAspect="1"/>
+          </p:cNvPicPr>
+          <p:nvPr/>
+        </p:nvPicPr>
+        <p:blipFill>
+          <a:blip r:embed="rId6">
+            <a:extLst>
+              <a:ext uri="{28A0092B-C50C-407E-A947-70E740481C1C}">
+                <a14:useLocalDpi xmlns:a14="http://schemas.microsoft.com/office/drawing/2010/main" val="0"/>
+              </a:ext>
+              <a:ext uri="{96DAC541-7B7A-43D3-8B79-37D633B846F1}">
+                <asvg:svgBlip xmlns:asvg="http://schemas.microsoft.com/office/drawing/2016/SVG/main" r:embed="rId7"/>
+              </a:ext>
+            </a:extLst>
+          </a:blip>
+          <a:stretch>
+            <a:fillRect/>
+          </a:stretch>
+        </p:blipFill>
+        <p:spPr>
+          <a:xfrm>
+            <a:off x="8359893" y="4497292"/>
+            <a:ext cx="1338750" cy="1338750"/>
+          </a:xfrm>
+          <a:prstGeom prst="rect">
+            <a:avLst/>
+          </a:prstGeom>
+        </p:spPr>
+      </p:pic>
+      <p:cxnSp>
+        <p:nvCxnSpPr>
+          <p:cNvPr id="76" name="Straight Arrow Connector 75">
+            <a:extLst>
+              <a:ext uri="{FF2B5EF4-FFF2-40B4-BE49-F238E27FC236}">
+                <a16:creationId xmlns:a16="http://schemas.microsoft.com/office/drawing/2014/main" id="{A6DC93C9-F71E-489B-B096-29B7FD704144}"/>
+              </a:ext>
+            </a:extLst>
+          </p:cNvPr>
+          <p:cNvCxnSpPr>
+            <a:cxnSpLocks/>
+          </p:cNvCxnSpPr>
+          <p:nvPr/>
+        </p:nvCxnSpPr>
+        <p:spPr>
+          <a:xfrm flipV="1">
+            <a:off x="4491637" y="2654176"/>
+            <a:ext cx="995816" cy="46895"/>
+          </a:xfrm>
+          <a:prstGeom prst="straightConnector1">
+            <a:avLst/>
+          </a:prstGeom>
+          <a:ln w="9525" cap="flat" cmpd="sng" algn="ctr">
+            <a:solidFill>
+              <a:schemeClr val="accent1"/>
+            </a:solidFill>
+            <a:prstDash val="solid"/>
+            <a:round/>
+            <a:headEnd type="arrow" w="med" len="med"/>
+            <a:tailEnd type="arrow" w="med" len="med"/>
+          </a:ln>
+        </p:spPr>
+        <p:style>
+          <a:lnRef idx="0">
+            <a:scrgbClr r="0" g="0" b="0"/>
+          </a:lnRef>
+          <a:fillRef idx="0">
+            <a:scrgbClr r="0" g="0" b="0"/>
+          </a:fillRef>
+          <a:effectRef idx="0">
+            <a:scrgbClr r="0" g="0" b="0"/>
+          </a:effectRef>
+          <a:fontRef idx="minor">
+            <a:schemeClr val="tx1"/>
+          </a:fontRef>
+        </p:style>
+      </p:cxnSp>
+      <p:cxnSp>
+        <p:nvCxnSpPr>
+          <p:cNvPr id="80" name="Straight Arrow Connector 79">
+            <a:extLst>
+              <a:ext uri="{FF2B5EF4-FFF2-40B4-BE49-F238E27FC236}">
+                <a16:creationId xmlns:a16="http://schemas.microsoft.com/office/drawing/2014/main" id="{8B097027-55A2-427E-BD80-972D48D4B55C}"/>
+              </a:ext>
+            </a:extLst>
+          </p:cNvPr>
+          <p:cNvCxnSpPr>
+            <a:cxnSpLocks/>
+          </p:cNvCxnSpPr>
+          <p:nvPr/>
+        </p:nvCxnSpPr>
+        <p:spPr>
+          <a:xfrm flipV="1">
+            <a:off x="4544334" y="3015711"/>
+            <a:ext cx="1070138" cy="867631"/>
+          </a:xfrm>
+          <a:prstGeom prst="straightConnector1">
+            <a:avLst/>
+          </a:prstGeom>
+          <a:ln w="9525" cap="flat" cmpd="sng" algn="ctr">
+            <a:solidFill>
+              <a:schemeClr val="accent1"/>
+            </a:solidFill>
+            <a:prstDash val="solid"/>
+            <a:round/>
+            <a:headEnd type="arrow" w="med" len="med"/>
+            <a:tailEnd type="arrow" w="med" len="med"/>
+          </a:ln>
+        </p:spPr>
+        <p:style>
+          <a:lnRef idx="0">
+            <a:scrgbClr r="0" g="0" b="0"/>
+          </a:lnRef>
+          <a:fillRef idx="0">
+            <a:scrgbClr r="0" g="0" b="0"/>
+          </a:fillRef>
+          <a:effectRef idx="0">
+            <a:scrgbClr r="0" g="0" b="0"/>
+          </a:effectRef>
+          <a:fontRef idx="minor">
+            <a:schemeClr val="tx1"/>
+          </a:fontRef>
+        </p:style>
+      </p:cxnSp>
+      <p:sp>
+        <p:nvSpPr>
+          <p:cNvPr id="83" name="Rectangle 82">
+            <a:extLst>
+              <a:ext uri="{FF2B5EF4-FFF2-40B4-BE49-F238E27FC236}">
+                <a16:creationId xmlns:a16="http://schemas.microsoft.com/office/drawing/2014/main" id="{E1EAC884-A552-4D88-80D4-8B31012D88A9}"/>
+              </a:ext>
+            </a:extLst>
+          </p:cNvPr>
+          <p:cNvSpPr/>
+          <p:nvPr/>
+        </p:nvSpPr>
+        <p:spPr>
+          <a:xfrm>
+            <a:off x="5289068" y="1530395"/>
+            <a:ext cx="5459034" cy="2067092"/>
+          </a:xfrm>
+          <a:prstGeom prst="rect">
+            <a:avLst/>
+          </a:prstGeom>
+          <a:noFill/>
+          <a:ln>
+            <a:prstDash val="dashDot"/>
+          </a:ln>
+        </p:spPr>
+        <p:style>
+          <a:lnRef idx="2">
+            <a:schemeClr val="accent1">
+              <a:shade val="50000"/>
+            </a:schemeClr>
+          </a:lnRef>
+          <a:fillRef idx="1">
+            <a:schemeClr val="accent1"/>
+          </a:fillRef>
+          <a:effectRef idx="0">
+            <a:schemeClr val="accent1"/>
+          </a:effectRef>
+          <a:fontRef idx="minor">
+            <a:schemeClr val="lt1"/>
+          </a:fontRef>
+        </p:style>
+        <p:txBody>
+          <a:bodyPr rtlCol="0" anchor="ctr"/>
+          <a:lstStyle/>
+          <a:p>
+            <a:pPr algn="ctr"/>
+            <a:endParaRPr lang="en-GB"/>
+          </a:p>
+        </p:txBody>
+      </p:sp>
+      <p:sp>
+        <p:nvSpPr>
+          <p:cNvPr id="84" name="Rectangle 83">
+            <a:extLst>
+              <a:ext uri="{FF2B5EF4-FFF2-40B4-BE49-F238E27FC236}">
+                <a16:creationId xmlns:a16="http://schemas.microsoft.com/office/drawing/2014/main" id="{A28AD7DC-1EB9-427D-AA37-521F2572F2D0}"/>
+              </a:ext>
+            </a:extLst>
+          </p:cNvPr>
+          <p:cNvSpPr/>
+          <p:nvPr/>
+        </p:nvSpPr>
+        <p:spPr>
+          <a:xfrm>
+            <a:off x="5328236" y="3756603"/>
+            <a:ext cx="5419866" cy="1980831"/>
+          </a:xfrm>
+          <a:prstGeom prst="rect">
+            <a:avLst/>
+          </a:prstGeom>
+          <a:noFill/>
+          <a:ln>
+            <a:prstDash val="dashDot"/>
+          </a:ln>
+        </p:spPr>
+        <p:style>
+          <a:lnRef idx="2">
+            <a:schemeClr val="accent1">
+              <a:shade val="50000"/>
+            </a:schemeClr>
+          </a:lnRef>
+          <a:fillRef idx="1">
+            <a:schemeClr val="accent1"/>
+          </a:fillRef>
+          <a:effectRef idx="0">
+            <a:schemeClr val="accent1"/>
+          </a:effectRef>
+          <a:fontRef idx="minor">
+            <a:schemeClr val="lt1"/>
+          </a:fontRef>
+        </p:style>
+        <p:txBody>
+          <a:bodyPr rtlCol="0" anchor="ctr"/>
+          <a:lstStyle/>
+          <a:p>
+            <a:pPr algn="ctr"/>
+            <a:endParaRPr lang="en-GB"/>
+          </a:p>
+        </p:txBody>
+      </p:sp>
+      <p:sp>
+        <p:nvSpPr>
+          <p:cNvPr id="91" name="TextBox 90">
+            <a:extLst>
+              <a:ext uri="{FF2B5EF4-FFF2-40B4-BE49-F238E27FC236}">
+                <a16:creationId xmlns:a16="http://schemas.microsoft.com/office/drawing/2014/main" id="{96FE0513-7CC9-4B31-80E8-71A72D5746B9}"/>
+              </a:ext>
+            </a:extLst>
+          </p:cNvPr>
+          <p:cNvSpPr txBox="1"/>
+          <p:nvPr/>
+        </p:nvSpPr>
+        <p:spPr>
+          <a:xfrm>
+            <a:off x="5193325" y="1286745"/>
+            <a:ext cx="1425814" cy="369332"/>
+          </a:xfrm>
+          <a:prstGeom prst="rect">
+            <a:avLst/>
+          </a:prstGeom>
+          <a:solidFill>
+            <a:schemeClr val="bg1"/>
+          </a:solidFill>
+        </p:spPr>
+        <p:txBody>
+          <a:bodyPr wrap="square" rtlCol="0">
+            <a:spAutoFit/>
+          </a:bodyPr>
+          <a:lstStyle/>
+          <a:p>
+            <a:r>
+              <a:rPr lang="en-US" dirty="0"/>
+              <a:t>Zones</a:t>
+            </a:r>
+            <a:endParaRPr lang="en-GB" dirty="0"/>
+          </a:p>
+        </p:txBody>
+      </p:sp>
     </p:spTree>
     <p:extLst>
       <p:ext uri="{BB962C8B-B14F-4D97-AF65-F5344CB8AC3E}">
-        <p14:creationId xmlns:p14="http://schemas.microsoft.com/office/powerpoint/2010/main" val="1612344009"/>
+        <p14:creationId xmlns:p14="http://schemas.microsoft.com/office/powerpoint/2010/main" val="2013328787"/>
       </p:ext>
     </p:extLst>
   </p:cSld>
@@ -9530,7 +9217,7 @@
           <p:cNvPr id="2" name="Title 1">
             <a:extLst>
               <a:ext uri="{FF2B5EF4-FFF2-40B4-BE49-F238E27FC236}">
-                <a16:creationId xmlns:a16="http://schemas.microsoft.com/office/drawing/2014/main" id="{65BDA774-1ECC-4A67-82F0-316003DC7BBD}"/>
+                <a16:creationId xmlns:a16="http://schemas.microsoft.com/office/drawing/2014/main" id="{60DB7148-A652-4ACF-AC4B-75310E7DF614}"/>
               </a:ext>
             </a:extLst>
           </p:cNvPr>
@@ -9541,12 +9228,7 @@
             <p:ph type="title"/>
           </p:nvPr>
         </p:nvSpPr>
-        <p:spPr>
-          <a:xfrm>
-            <a:off x="838200" y="365125"/>
-            <a:ext cx="10880188" cy="1325563"/>
-          </a:xfrm>
-        </p:spPr>
+        <p:spPr/>
         <p:txBody>
           <a:bodyPr/>
           <a:lstStyle/>
@@ -9557,7 +9239,7 @@
             </a:r>
             <a:r>
               <a:rPr lang="en-GB" dirty="0"/>
-              <a:t>implementation – Results </a:t>
+              <a:t>implementation</a:t>
             </a:r>
           </a:p>
         </p:txBody>
@@ -9567,7 +9249,7 @@
           <p:cNvPr id="3" name="Content Placeholder 2">
             <a:extLst>
               <a:ext uri="{FF2B5EF4-FFF2-40B4-BE49-F238E27FC236}">
-                <a16:creationId xmlns:a16="http://schemas.microsoft.com/office/drawing/2014/main" id="{D48252A8-40A4-4A4B-AF46-E022C5B091C1}"/>
+                <a16:creationId xmlns:a16="http://schemas.microsoft.com/office/drawing/2014/main" id="{433C6CCF-F6CD-402D-BF88-1B18F31A9E8C}"/>
               </a:ext>
             </a:extLst>
           </p:cNvPr>
@@ -9585,7 +9267,7 @@
           <a:p>
             <a:r>
               <a:rPr lang="en-GB" dirty="0"/>
-              <a:t>Able to scale processing, rest </a:t>
+              <a:t>1 machine for REST </a:t>
             </a:r>
             <a:r>
               <a:rPr lang="en-GB" dirty="0" err="1"/>
@@ -9593,31 +9275,47 @@
             </a:r>
             <a:r>
               <a:rPr lang="en-GB" dirty="0"/>
-              <a:t> out to multiple machines</a:t>
+              <a:t> on Netty to handle tracking requests</a:t>
             </a:r>
           </a:p>
           <a:p>
             <a:r>
               <a:rPr lang="en-GB" dirty="0"/>
-              <a:t>Able to handle 6K+++ concurrent requests</a:t>
-            </a:r>
-          </a:p>
-          <a:p>
+              <a:t>1 machine for REST </a:t>
+            </a:r>
+            <a:r>
+              <a:rPr lang="en-GB" dirty="0" err="1"/>
+              <a:t>api</a:t>
+            </a:r>
             <a:r>
               <a:rPr lang="en-GB" dirty="0"/>
-              <a:t>Max time for processing one request ~10s</a:t>
+              <a:t> on Netty to handle searching requests</a:t>
             </a:r>
           </a:p>
           <a:p>
             <a:r>
               <a:rPr lang="en-GB" dirty="0"/>
-              <a:t>4.5K+++ requests/s (tracking + searching)</a:t>
+              <a:t>1 machine for Mongo Db (store &amp; serve provider info only)</a:t>
             </a:r>
           </a:p>
           <a:p>
             <a:r>
               <a:rPr lang="en-GB" dirty="0"/>
-              <a:t>Easily indefinitely scaling out because of decentralizing</a:t>
+              <a:t>2 machines for Kafka &amp; service nodes</a:t>
+            </a:r>
+          </a:p>
+          <a:p>
+            <a:pPr lvl="1"/>
+            <a:r>
+              <a:rPr lang="en-GB" dirty="0"/>
+              <a:t>Each handle 2 city nodes + 2x16 sub-area nodes</a:t>
+            </a:r>
+          </a:p>
+          <a:p>
+            <a:pPr lvl="1"/>
+            <a:r>
+              <a:rPr lang="en-GB" dirty="0"/>
+              <a:t>The first processing machine also handle global node.</a:t>
             </a:r>
           </a:p>
         </p:txBody>
@@ -9627,7 +9325,7 @@
           <p:cNvPr id="4" name="Footer Placeholder 3">
             <a:extLst>
               <a:ext uri="{FF2B5EF4-FFF2-40B4-BE49-F238E27FC236}">
-                <a16:creationId xmlns:a16="http://schemas.microsoft.com/office/drawing/2014/main" id="{4F5120AE-C771-4FA5-AD10-E77ED9178E49}"/>
+                <a16:creationId xmlns:a16="http://schemas.microsoft.com/office/drawing/2014/main" id="{9AE4CA77-0ACB-45F1-B3FB-C2991AB3CFEC}"/>
               </a:ext>
             </a:extLst>
           </p:cNvPr>
@@ -9653,7 +9351,7 @@
     </p:spTree>
     <p:extLst>
       <p:ext uri="{BB962C8B-B14F-4D97-AF65-F5344CB8AC3E}">
-        <p14:creationId xmlns:p14="http://schemas.microsoft.com/office/powerpoint/2010/main" val="2476683941"/>
+        <p14:creationId xmlns:p14="http://schemas.microsoft.com/office/powerpoint/2010/main" val="1612344009"/>
       </p:ext>
     </p:extLst>
   </p:cSld>
@@ -9739,7 +9437,7 @@
           <a:p>
             <a:r>
               <a:rPr lang="en-US" dirty="0"/>
-              <a:t>Hierarchy geo-based </a:t>
+              <a:t>Hierarchical geo-based </a:t>
             </a:r>
             <a:r>
               <a:rPr lang="en-US" dirty="0" err="1"/>
@@ -9865,7 +9563,7 @@
           <p:cNvPr id="2" name="Title 1">
             <a:extLst>
               <a:ext uri="{FF2B5EF4-FFF2-40B4-BE49-F238E27FC236}">
-                <a16:creationId xmlns:a16="http://schemas.microsoft.com/office/drawing/2014/main" id="{D55A6919-7666-4855-B693-9E2554F7A77E}"/>
+                <a16:creationId xmlns:a16="http://schemas.microsoft.com/office/drawing/2014/main" id="{65BDA774-1ECC-4A67-82F0-316003DC7BBD}"/>
               </a:ext>
             </a:extLst>
           </p:cNvPr>
@@ -9878,8 +9576,8 @@
         </p:nvSpPr>
         <p:spPr>
           <a:xfrm>
-            <a:off x="838199" y="365125"/>
-            <a:ext cx="10837985" cy="1325563"/>
+            <a:off x="838200" y="365125"/>
+            <a:ext cx="10880188" cy="1325563"/>
           </a:xfrm>
         </p:spPr>
         <p:txBody>
@@ -9892,52 +9590,77 @@
             </a:r>
             <a:r>
               <a:rPr lang="en-GB" dirty="0"/>
-              <a:t>implementation – Demo</a:t>
-            </a:r>
-          </a:p>
-        </p:txBody>
-      </p:sp>
-      <p:pic>
-        <p:nvPicPr>
-          <p:cNvPr id="6" name="Content Placeholder 5">
-            <a:extLst>
-              <a:ext uri="{FF2B5EF4-FFF2-40B4-BE49-F238E27FC236}">
-                <a16:creationId xmlns:a16="http://schemas.microsoft.com/office/drawing/2014/main" id="{5624C7CE-0BB0-45F2-A54A-34DCCD5D025B}"/>
-              </a:ext>
-            </a:extLst>
-          </p:cNvPr>
-          <p:cNvPicPr>
-            <a:picLocks noGrp="1" noChangeAspect="1"/>
-          </p:cNvPicPr>
+              <a:t>implementation – Results </a:t>
+            </a:r>
+          </a:p>
+        </p:txBody>
+      </p:sp>
+      <p:sp>
+        <p:nvSpPr>
+          <p:cNvPr id="3" name="Content Placeholder 2">
+            <a:extLst>
+              <a:ext uri="{FF2B5EF4-FFF2-40B4-BE49-F238E27FC236}">
+                <a16:creationId xmlns:a16="http://schemas.microsoft.com/office/drawing/2014/main" id="{D48252A8-40A4-4A4B-AF46-E022C5B091C1}"/>
+              </a:ext>
+            </a:extLst>
+          </p:cNvPr>
+          <p:cNvSpPr>
+            <a:spLocks noGrp="1"/>
+          </p:cNvSpPr>
           <p:nvPr>
             <p:ph idx="1"/>
           </p:nvPr>
-        </p:nvPicPr>
-        <p:blipFill>
-          <a:blip r:embed="rId2">
-            <a:extLst>
-              <a:ext uri="{28A0092B-C50C-407E-A947-70E740481C1C}">
-                <a14:useLocalDpi xmlns:a14="http://schemas.microsoft.com/office/drawing/2010/main" val="0"/>
-              </a:ext>
-            </a:extLst>
-          </a:blip>
-          <a:stretch>
-            <a:fillRect/>
-          </a:stretch>
-        </p:blipFill>
-        <p:spPr>
-          <a:xfrm>
-            <a:off x="1009112" y="1520825"/>
-            <a:ext cx="8636523" cy="4351338"/>
-          </a:xfrm>
-        </p:spPr>
-      </p:pic>
+        </p:nvSpPr>
+        <p:spPr/>
+        <p:txBody>
+          <a:bodyPr/>
+          <a:lstStyle/>
+          <a:p>
+            <a:r>
+              <a:rPr lang="en-GB" dirty="0"/>
+              <a:t>Able to scale processing, rest </a:t>
+            </a:r>
+            <a:r>
+              <a:rPr lang="en-GB" dirty="0" err="1"/>
+              <a:t>api</a:t>
+            </a:r>
+            <a:r>
+              <a:rPr lang="en-GB" dirty="0"/>
+              <a:t> out to multiple machines</a:t>
+            </a:r>
+          </a:p>
+          <a:p>
+            <a:r>
+              <a:rPr lang="en-GB" dirty="0"/>
+              <a:t>Able to handle 6K+++ concurrent requests</a:t>
+            </a:r>
+          </a:p>
+          <a:p>
+            <a:r>
+              <a:rPr lang="en-GB" dirty="0"/>
+              <a:t>Max time for processing one request ~10s</a:t>
+            </a:r>
+          </a:p>
+          <a:p>
+            <a:r>
+              <a:rPr lang="en-GB" dirty="0"/>
+              <a:t>4.5K+++ requests/s (tracking + searching)</a:t>
+            </a:r>
+          </a:p>
+          <a:p>
+            <a:r>
+              <a:rPr lang="en-GB" dirty="0"/>
+              <a:t>Easily indefinitely scaling out because of decentralizing</a:t>
+            </a:r>
+          </a:p>
+        </p:txBody>
+      </p:sp>
       <p:sp>
         <p:nvSpPr>
           <p:cNvPr id="4" name="Footer Placeholder 3">
             <a:extLst>
               <a:ext uri="{FF2B5EF4-FFF2-40B4-BE49-F238E27FC236}">
-                <a16:creationId xmlns:a16="http://schemas.microsoft.com/office/drawing/2014/main" id="{421038B4-915F-4592-A8FF-1FFA51FA9440}"/>
+                <a16:creationId xmlns:a16="http://schemas.microsoft.com/office/drawing/2014/main" id="{4F5120AE-C771-4FA5-AD10-E77ED9178E49}"/>
               </a:ext>
             </a:extLst>
           </p:cNvPr>
@@ -9960,46 +9683,10 @@
           </a:p>
         </p:txBody>
       </p:sp>
-      <p:pic>
-        <p:nvPicPr>
-          <p:cNvPr id="8" name="Picture 7">
-            <a:extLst>
-              <a:ext uri="{FF2B5EF4-FFF2-40B4-BE49-F238E27FC236}">
-                <a16:creationId xmlns:a16="http://schemas.microsoft.com/office/drawing/2014/main" id="{90741126-3BA7-44A0-8CAE-B8F5CB898E77}"/>
-              </a:ext>
-            </a:extLst>
-          </p:cNvPr>
-          <p:cNvPicPr>
-            <a:picLocks noChangeAspect="1"/>
-          </p:cNvPicPr>
-          <p:nvPr/>
-        </p:nvPicPr>
-        <p:blipFill>
-          <a:blip r:embed="rId3">
-            <a:extLst>
-              <a:ext uri="{28A0092B-C50C-407E-A947-70E740481C1C}">
-                <a14:useLocalDpi xmlns:a14="http://schemas.microsoft.com/office/drawing/2010/main" val="0"/>
-              </a:ext>
-            </a:extLst>
-          </a:blip>
-          <a:stretch>
-            <a:fillRect/>
-          </a:stretch>
-        </p:blipFill>
-        <p:spPr>
-          <a:xfrm>
-            <a:off x="1693057" y="1860582"/>
-            <a:ext cx="9720331" cy="4351339"/>
-          </a:xfrm>
-          <a:prstGeom prst="rect">
-            <a:avLst/>
-          </a:prstGeom>
-        </p:spPr>
-      </p:pic>
     </p:spTree>
     <p:extLst>
       <p:ext uri="{BB962C8B-B14F-4D97-AF65-F5344CB8AC3E}">
-        <p14:creationId xmlns:p14="http://schemas.microsoft.com/office/powerpoint/2010/main" val="1961085888"/>
+        <p14:creationId xmlns:p14="http://schemas.microsoft.com/office/powerpoint/2010/main" val="2476683941"/>
       </p:ext>
     </p:extLst>
   </p:cSld>
@@ -10031,7 +9718,7 @@
           <p:cNvPr id="2" name="Title 1">
             <a:extLst>
               <a:ext uri="{FF2B5EF4-FFF2-40B4-BE49-F238E27FC236}">
-                <a16:creationId xmlns:a16="http://schemas.microsoft.com/office/drawing/2014/main" id="{218A609E-47B5-4D2F-9A77-0F13287FB72D}"/>
+                <a16:creationId xmlns:a16="http://schemas.microsoft.com/office/drawing/2014/main" id="{D55A6919-7666-4855-B693-9E2554F7A77E}"/>
               </a:ext>
             </a:extLst>
           </p:cNvPr>
@@ -10042,6 +9729,172 @@
             <p:ph type="title"/>
           </p:nvPr>
         </p:nvSpPr>
+        <p:spPr>
+          <a:xfrm>
+            <a:off x="838199" y="365125"/>
+            <a:ext cx="10837985" cy="1325563"/>
+          </a:xfrm>
+        </p:spPr>
+        <p:txBody>
+          <a:bodyPr/>
+          <a:lstStyle/>
+          <a:p>
+            <a:r>
+              <a:rPr lang="en-US" dirty="0"/>
+              <a:t>Micro-services-based </a:t>
+            </a:r>
+            <a:r>
+              <a:rPr lang="en-GB" dirty="0"/>
+              <a:t>implementation – Demo</a:t>
+            </a:r>
+          </a:p>
+        </p:txBody>
+      </p:sp>
+      <p:pic>
+        <p:nvPicPr>
+          <p:cNvPr id="6" name="Content Placeholder 5">
+            <a:extLst>
+              <a:ext uri="{FF2B5EF4-FFF2-40B4-BE49-F238E27FC236}">
+                <a16:creationId xmlns:a16="http://schemas.microsoft.com/office/drawing/2014/main" id="{5624C7CE-0BB0-45F2-A54A-34DCCD5D025B}"/>
+              </a:ext>
+            </a:extLst>
+          </p:cNvPr>
+          <p:cNvPicPr>
+            <a:picLocks noGrp="1" noChangeAspect="1"/>
+          </p:cNvPicPr>
+          <p:nvPr>
+            <p:ph idx="1"/>
+          </p:nvPr>
+        </p:nvPicPr>
+        <p:blipFill>
+          <a:blip r:embed="rId2">
+            <a:extLst>
+              <a:ext uri="{28A0092B-C50C-407E-A947-70E740481C1C}">
+                <a14:useLocalDpi xmlns:a14="http://schemas.microsoft.com/office/drawing/2010/main" val="0"/>
+              </a:ext>
+            </a:extLst>
+          </a:blip>
+          <a:stretch>
+            <a:fillRect/>
+          </a:stretch>
+        </p:blipFill>
+        <p:spPr>
+          <a:xfrm>
+            <a:off x="1009112" y="1520825"/>
+            <a:ext cx="8636523" cy="4351338"/>
+          </a:xfrm>
+        </p:spPr>
+      </p:pic>
+      <p:sp>
+        <p:nvSpPr>
+          <p:cNvPr id="4" name="Footer Placeholder 3">
+            <a:extLst>
+              <a:ext uri="{FF2B5EF4-FFF2-40B4-BE49-F238E27FC236}">
+                <a16:creationId xmlns:a16="http://schemas.microsoft.com/office/drawing/2014/main" id="{421038B4-915F-4592-A8FF-1FFA51FA9440}"/>
+              </a:ext>
+            </a:extLst>
+          </p:cNvPr>
+          <p:cNvSpPr>
+            <a:spLocks noGrp="1"/>
+          </p:cNvSpPr>
+          <p:nvPr>
+            <p:ph type="ftr" sz="quarter" idx="11"/>
+          </p:nvPr>
+        </p:nvSpPr>
+        <p:spPr/>
+        <p:txBody>
+          <a:bodyPr/>
+          <a:lstStyle/>
+          <a:p>
+            <a:r>
+              <a:rPr lang="en-GB"/>
+              <a:t>MUM-Compro tech talk – July 06, 2019</a:t>
+            </a:r>
+          </a:p>
+        </p:txBody>
+      </p:sp>
+      <p:pic>
+        <p:nvPicPr>
+          <p:cNvPr id="8" name="Picture 7">
+            <a:extLst>
+              <a:ext uri="{FF2B5EF4-FFF2-40B4-BE49-F238E27FC236}">
+                <a16:creationId xmlns:a16="http://schemas.microsoft.com/office/drawing/2014/main" id="{90741126-3BA7-44A0-8CAE-B8F5CB898E77}"/>
+              </a:ext>
+            </a:extLst>
+          </p:cNvPr>
+          <p:cNvPicPr>
+            <a:picLocks noChangeAspect="1"/>
+          </p:cNvPicPr>
+          <p:nvPr/>
+        </p:nvPicPr>
+        <p:blipFill>
+          <a:blip r:embed="rId3">
+            <a:extLst>
+              <a:ext uri="{28A0092B-C50C-407E-A947-70E740481C1C}">
+                <a14:useLocalDpi xmlns:a14="http://schemas.microsoft.com/office/drawing/2010/main" val="0"/>
+              </a:ext>
+            </a:extLst>
+          </a:blip>
+          <a:stretch>
+            <a:fillRect/>
+          </a:stretch>
+        </p:blipFill>
+        <p:spPr>
+          <a:xfrm>
+            <a:off x="1693057" y="1860582"/>
+            <a:ext cx="9720331" cy="4351339"/>
+          </a:xfrm>
+          <a:prstGeom prst="rect">
+            <a:avLst/>
+          </a:prstGeom>
+        </p:spPr>
+      </p:pic>
+    </p:spTree>
+    <p:extLst>
+      <p:ext uri="{BB962C8B-B14F-4D97-AF65-F5344CB8AC3E}">
+        <p14:creationId xmlns:p14="http://schemas.microsoft.com/office/powerpoint/2010/main" val="1961085888"/>
+      </p:ext>
+    </p:extLst>
+  </p:cSld>
+  <p:clrMapOvr>
+    <a:masterClrMapping/>
+  </p:clrMapOvr>
+</p:sld>
+</file>
+
+<file path=ppt/slides/slide22.xml><?xml version="1.0" encoding="utf-8"?>
+<p:sld xmlns:a="http://schemas.openxmlformats.org/drawingml/2006/main" xmlns:r="http://schemas.openxmlformats.org/officeDocument/2006/relationships" xmlns:p="http://schemas.openxmlformats.org/presentationml/2006/main">
+  <p:cSld>
+    <p:spTree>
+      <p:nvGrpSpPr>
+        <p:cNvPr id="1" name=""/>
+        <p:cNvGrpSpPr/>
+        <p:nvPr/>
+      </p:nvGrpSpPr>
+      <p:grpSpPr>
+        <a:xfrm>
+          <a:off x="0" y="0"/>
+          <a:ext cx="0" cy="0"/>
+          <a:chOff x="0" y="0"/>
+          <a:chExt cx="0" cy="0"/>
+        </a:xfrm>
+      </p:grpSpPr>
+      <p:sp>
+        <p:nvSpPr>
+          <p:cNvPr id="2" name="Title 1">
+            <a:extLst>
+              <a:ext uri="{FF2B5EF4-FFF2-40B4-BE49-F238E27FC236}">
+                <a16:creationId xmlns:a16="http://schemas.microsoft.com/office/drawing/2014/main" id="{218A609E-47B5-4D2F-9A77-0F13287FB72D}"/>
+              </a:ext>
+            </a:extLst>
+          </p:cNvPr>
+          <p:cNvSpPr>
+            <a:spLocks noGrp="1"/>
+          </p:cNvSpPr>
+          <p:nvPr>
+            <p:ph type="title"/>
+          </p:nvPr>
+        </p:nvSpPr>
         <p:spPr/>
         <p:txBody>
           <a:bodyPr/>
@@ -10105,13 +9958,8 @@
             <a:pPr lvl="1"/>
             <a:r>
               <a:rPr lang="en-US" dirty="0"/>
-              <a:t>Consume / </a:t>
-            </a:r>
-            <a:r>
-              <a:rPr lang="en-US"/>
-              <a:t>produce requests</a:t>
-            </a:r>
-            <a:endParaRPr lang="en-US" dirty="0"/>
+              <a:t>Consume, produce requests</a:t>
+            </a:r>
           </a:p>
         </p:txBody>
       </p:sp>
@@ -10763,8 +10611,8 @@
         </p:nvSpPr>
         <p:spPr>
           <a:xfrm>
-            <a:off x="3747741" y="5647925"/>
-            <a:ext cx="1219940" cy="646331"/>
+            <a:off x="3306231" y="5657982"/>
+            <a:ext cx="1824813" cy="369332"/>
           </a:xfrm>
           <a:prstGeom prst="rect">
             <a:avLst/>
@@ -11358,7 +11206,7 @@
 </p:sld>
 </file>
 
-<file path=ppt/slides/slide22.xml><?xml version="1.0" encoding="utf-8"?>
+<file path=ppt/slides/slide23.xml><?xml version="1.0" encoding="utf-8"?>
 <p:sld xmlns:a="http://schemas.openxmlformats.org/drawingml/2006/main" xmlns:r="http://schemas.openxmlformats.org/officeDocument/2006/relationships" xmlns:p="http://schemas.openxmlformats.org/presentationml/2006/main">
   <p:cSld>
     <p:spTree>
@@ -12472,7 +12320,7 @@
 </p:sld>
 </file>
 
-<file path=ppt/slides/slide23.xml><?xml version="1.0" encoding="utf-8"?>
+<file path=ppt/slides/slide24.xml><?xml version="1.0" encoding="utf-8"?>
 <p:sld xmlns:a="http://schemas.openxmlformats.org/drawingml/2006/main" xmlns:r="http://schemas.openxmlformats.org/officeDocument/2006/relationships" xmlns:p="http://schemas.openxmlformats.org/presentationml/2006/main">
   <p:cSld>
     <p:spTree>
@@ -13550,7 +13398,7 @@
 </p:sld>
 </file>
 
-<file path=ppt/slides/slide24.xml><?xml version="1.0" encoding="utf-8"?>
+<file path=ppt/slides/slide25.xml><?xml version="1.0" encoding="utf-8"?>
 <p:sld xmlns:a="http://schemas.openxmlformats.org/drawingml/2006/main" xmlns:r="http://schemas.openxmlformats.org/officeDocument/2006/relationships" xmlns:p="http://schemas.openxmlformats.org/presentationml/2006/main">
   <p:cSld>
     <p:spTree>
@@ -14582,1162 +14430,38 @@
           </a:fontRef>
         </p:style>
       </p:cxnSp>
+      <p:sp>
+        <p:nvSpPr>
+          <p:cNvPr id="39" name="Footer Placeholder 38">
+            <a:extLst>
+              <a:ext uri="{FF2B5EF4-FFF2-40B4-BE49-F238E27FC236}">
+                <a16:creationId xmlns:a16="http://schemas.microsoft.com/office/drawing/2014/main" id="{BB448C89-D354-4C84-BD5A-FE6E6883EC07}"/>
+              </a:ext>
+            </a:extLst>
+          </p:cNvPr>
+          <p:cNvSpPr>
+            <a:spLocks noGrp="1"/>
+          </p:cNvSpPr>
+          <p:nvPr>
+            <p:ph type="ftr" sz="quarter" idx="11"/>
+          </p:nvPr>
+        </p:nvSpPr>
+        <p:spPr/>
+        <p:txBody>
+          <a:bodyPr/>
+          <a:lstStyle/>
+          <a:p>
+            <a:r>
+              <a:rPr lang="en-GB"/>
+              <a:t>MUM-Compro tech talk – July 06, 2019</a:t>
+            </a:r>
+          </a:p>
+        </p:txBody>
+      </p:sp>
     </p:spTree>
     <p:extLst>
       <p:ext uri="{BB962C8B-B14F-4D97-AF65-F5344CB8AC3E}">
         <p14:creationId xmlns:p14="http://schemas.microsoft.com/office/powerpoint/2010/main" val="2731021873"/>
-      </p:ext>
-    </p:extLst>
-  </p:cSld>
-  <p:clrMapOvr>
-    <a:masterClrMapping/>
-  </p:clrMapOvr>
-</p:sld>
-</file>
-
-<file path=ppt/slides/slide25.xml><?xml version="1.0" encoding="utf-8"?>
-<p:sld xmlns:a="http://schemas.openxmlformats.org/drawingml/2006/main" xmlns:r="http://schemas.openxmlformats.org/officeDocument/2006/relationships" xmlns:p="http://schemas.openxmlformats.org/presentationml/2006/main">
-  <p:cSld>
-    <p:spTree>
-      <p:nvGrpSpPr>
-        <p:cNvPr id="1" name=""/>
-        <p:cNvGrpSpPr/>
-        <p:nvPr/>
-      </p:nvGrpSpPr>
-      <p:grpSpPr>
-        <a:xfrm>
-          <a:off x="0" y="0"/>
-          <a:ext cx="0" cy="0"/>
-          <a:chOff x="0" y="0"/>
-          <a:chExt cx="0" cy="0"/>
-        </a:xfrm>
-      </p:grpSpPr>
-      <p:sp>
-        <p:nvSpPr>
-          <p:cNvPr id="2" name="Title 1">
-            <a:extLst>
-              <a:ext uri="{FF2B5EF4-FFF2-40B4-BE49-F238E27FC236}">
-                <a16:creationId xmlns:a16="http://schemas.microsoft.com/office/drawing/2014/main" id="{218A609E-47B5-4D2F-9A77-0F13287FB72D}"/>
-              </a:ext>
-            </a:extLst>
-          </p:cNvPr>
-          <p:cNvSpPr>
-            <a:spLocks noGrp="1"/>
-          </p:cNvSpPr>
-          <p:nvPr>
-            <p:ph type="title"/>
-          </p:nvPr>
-        </p:nvSpPr>
-        <p:spPr/>
-        <p:txBody>
-          <a:bodyPr/>
-          <a:lstStyle/>
-          <a:p>
-            <a:r>
-              <a:rPr lang="en-US" dirty="0"/>
-              <a:t>Some tips to work with Micro-services</a:t>
-            </a:r>
-          </a:p>
-        </p:txBody>
-      </p:sp>
-      <p:sp>
-        <p:nvSpPr>
-          <p:cNvPr id="3" name="Content Placeholder 2">
-            <a:extLst>
-              <a:ext uri="{FF2B5EF4-FFF2-40B4-BE49-F238E27FC236}">
-                <a16:creationId xmlns:a16="http://schemas.microsoft.com/office/drawing/2014/main" id="{9B705169-90B5-413A-B27C-522EB23DA090}"/>
-              </a:ext>
-            </a:extLst>
-          </p:cNvPr>
-          <p:cNvSpPr>
-            <a:spLocks noGrp="1"/>
-          </p:cNvSpPr>
-          <p:nvPr>
-            <p:ph idx="1"/>
-          </p:nvPr>
-        </p:nvSpPr>
-        <p:spPr/>
-        <p:txBody>
-          <a:bodyPr/>
-          <a:lstStyle/>
-          <a:p>
-            <a:r>
-              <a:rPr lang="en-US" dirty="0"/>
-              <a:t>The bottle neck of micro-services would be network transportation</a:t>
-            </a:r>
-          </a:p>
-          <a:p>
-            <a:pPr lvl="1"/>
-            <a:r>
-              <a:rPr lang="en-US" dirty="0"/>
-              <a:t>Reduce amount/size of messages</a:t>
-            </a:r>
-          </a:p>
-          <a:p>
-            <a:pPr lvl="1"/>
-            <a:r>
-              <a:rPr lang="en-US" dirty="0"/>
-              <a:t>Optimizing by memory buffer</a:t>
-            </a:r>
-          </a:p>
-          <a:p>
-            <a:pPr lvl="1"/>
-            <a:r>
-              <a:rPr lang="en-US" dirty="0"/>
-              <a:t>Combine services</a:t>
-            </a:r>
-            <a:endParaRPr lang="en-GB" dirty="0"/>
-          </a:p>
-        </p:txBody>
-      </p:sp>
-      <p:sp>
-        <p:nvSpPr>
-          <p:cNvPr id="46" name="Thought Bubble: Cloud 45">
-            <a:extLst>
-              <a:ext uri="{FF2B5EF4-FFF2-40B4-BE49-F238E27FC236}">
-                <a16:creationId xmlns:a16="http://schemas.microsoft.com/office/drawing/2014/main" id="{3B4E09EA-B359-4DC7-BDC8-6F886EE5B52A}"/>
-              </a:ext>
-            </a:extLst>
-          </p:cNvPr>
-          <p:cNvSpPr/>
-          <p:nvPr/>
-        </p:nvSpPr>
-        <p:spPr>
-          <a:xfrm>
-            <a:off x="1279357" y="3519194"/>
-            <a:ext cx="914400" cy="612648"/>
-          </a:xfrm>
-          <a:prstGeom prst="cloudCallout">
-            <a:avLst/>
-          </a:prstGeom>
-          <a:noFill/>
-        </p:spPr>
-        <p:style>
-          <a:lnRef idx="2">
-            <a:schemeClr val="accent1">
-              <a:shade val="50000"/>
-            </a:schemeClr>
-          </a:lnRef>
-          <a:fillRef idx="1">
-            <a:schemeClr val="accent1"/>
-          </a:fillRef>
-          <a:effectRef idx="0">
-            <a:schemeClr val="accent1"/>
-          </a:effectRef>
-          <a:fontRef idx="minor">
-            <a:schemeClr val="lt1"/>
-          </a:fontRef>
-        </p:style>
-        <p:txBody>
-          <a:bodyPr rtlCol="0" anchor="ctr"/>
-          <a:lstStyle/>
-          <a:p>
-            <a:pPr algn="ctr"/>
-            <a:endParaRPr lang="en-GB"/>
-          </a:p>
-        </p:txBody>
-      </p:sp>
-      <p:sp>
-        <p:nvSpPr>
-          <p:cNvPr id="47" name="Thought Bubble: Cloud 46">
-            <a:extLst>
-              <a:ext uri="{FF2B5EF4-FFF2-40B4-BE49-F238E27FC236}">
-                <a16:creationId xmlns:a16="http://schemas.microsoft.com/office/drawing/2014/main" id="{8E15CCD8-3614-45F2-9A76-71EE30F5DBA7}"/>
-              </a:ext>
-            </a:extLst>
-          </p:cNvPr>
-          <p:cNvSpPr/>
-          <p:nvPr/>
-        </p:nvSpPr>
-        <p:spPr>
-          <a:xfrm>
-            <a:off x="1262518" y="4219309"/>
-            <a:ext cx="914400" cy="612648"/>
-          </a:xfrm>
-          <a:prstGeom prst="cloudCallout">
-            <a:avLst/>
-          </a:prstGeom>
-          <a:noFill/>
-        </p:spPr>
-        <p:style>
-          <a:lnRef idx="2">
-            <a:schemeClr val="accent1">
-              <a:shade val="50000"/>
-            </a:schemeClr>
-          </a:lnRef>
-          <a:fillRef idx="1">
-            <a:schemeClr val="accent1"/>
-          </a:fillRef>
-          <a:effectRef idx="0">
-            <a:schemeClr val="accent1"/>
-          </a:effectRef>
-          <a:fontRef idx="minor">
-            <a:schemeClr val="lt1"/>
-          </a:fontRef>
-        </p:style>
-        <p:txBody>
-          <a:bodyPr rtlCol="0" anchor="ctr"/>
-          <a:lstStyle/>
-          <a:p>
-            <a:pPr algn="ctr"/>
-            <a:endParaRPr lang="en-GB"/>
-          </a:p>
-        </p:txBody>
-      </p:sp>
-      <p:sp>
-        <p:nvSpPr>
-          <p:cNvPr id="48" name="Thought Bubble: Cloud 47">
-            <a:extLst>
-              <a:ext uri="{FF2B5EF4-FFF2-40B4-BE49-F238E27FC236}">
-                <a16:creationId xmlns:a16="http://schemas.microsoft.com/office/drawing/2014/main" id="{3F2B24BE-786D-4E1E-85D0-BD8293C6F800}"/>
-              </a:ext>
-            </a:extLst>
-          </p:cNvPr>
-          <p:cNvSpPr/>
-          <p:nvPr/>
-        </p:nvSpPr>
-        <p:spPr>
-          <a:xfrm>
-            <a:off x="1362393" y="4896198"/>
-            <a:ext cx="914400" cy="612648"/>
-          </a:xfrm>
-          <a:prstGeom prst="cloudCallout">
-            <a:avLst/>
-          </a:prstGeom>
-          <a:noFill/>
-        </p:spPr>
-        <p:style>
-          <a:lnRef idx="2">
-            <a:schemeClr val="accent1">
-              <a:shade val="50000"/>
-            </a:schemeClr>
-          </a:lnRef>
-          <a:fillRef idx="1">
-            <a:schemeClr val="accent1"/>
-          </a:fillRef>
-          <a:effectRef idx="0">
-            <a:schemeClr val="accent1"/>
-          </a:effectRef>
-          <a:fontRef idx="minor">
-            <a:schemeClr val="lt1"/>
-          </a:fontRef>
-        </p:style>
-        <p:txBody>
-          <a:bodyPr rtlCol="0" anchor="ctr"/>
-          <a:lstStyle/>
-          <a:p>
-            <a:pPr algn="ctr"/>
-            <a:endParaRPr lang="en-GB"/>
-          </a:p>
-        </p:txBody>
-      </p:sp>
-      <p:pic>
-        <p:nvPicPr>
-          <p:cNvPr id="49" name="Graphic 48">
-            <a:extLst>
-              <a:ext uri="{FF2B5EF4-FFF2-40B4-BE49-F238E27FC236}">
-                <a16:creationId xmlns:a16="http://schemas.microsoft.com/office/drawing/2014/main" id="{1F77B1EC-7021-4BD3-83AF-27E8C0FC96E5}"/>
-              </a:ext>
-            </a:extLst>
-          </p:cNvPr>
-          <p:cNvPicPr>
-            <a:picLocks noChangeAspect="1"/>
-          </p:cNvPicPr>
-          <p:nvPr/>
-        </p:nvPicPr>
-        <p:blipFill>
-          <a:blip r:embed="rId2">
-            <a:extLst>
-              <a:ext uri="{28A0092B-C50C-407E-A947-70E740481C1C}">
-                <a14:useLocalDpi xmlns:a14="http://schemas.microsoft.com/office/drawing/2010/main" val="0"/>
-              </a:ext>
-              <a:ext uri="{96DAC541-7B7A-43D3-8B79-37D633B846F1}">
-                <asvg:svgBlip xmlns:asvg="http://schemas.microsoft.com/office/drawing/2016/SVG/main" r:embed="rId3"/>
-              </a:ext>
-            </a:extLst>
-          </a:blip>
-          <a:stretch>
-            <a:fillRect/>
-          </a:stretch>
-        </p:blipFill>
-        <p:spPr>
-          <a:xfrm flipH="1">
-            <a:off x="3740123" y="3599603"/>
-            <a:ext cx="775485" cy="775485"/>
-          </a:xfrm>
-          <a:prstGeom prst="rect">
-            <a:avLst/>
-          </a:prstGeom>
-        </p:spPr>
-      </p:pic>
-      <p:pic>
-        <p:nvPicPr>
-          <p:cNvPr id="50" name="Graphic 49">
-            <a:extLst>
-              <a:ext uri="{FF2B5EF4-FFF2-40B4-BE49-F238E27FC236}">
-                <a16:creationId xmlns:a16="http://schemas.microsoft.com/office/drawing/2014/main" id="{5F987DB1-B839-40A2-AAD4-73B0C6015AA8}"/>
-              </a:ext>
-            </a:extLst>
-          </p:cNvPr>
-          <p:cNvPicPr>
-            <a:picLocks noChangeAspect="1"/>
-          </p:cNvPicPr>
-          <p:nvPr/>
-        </p:nvPicPr>
-        <p:blipFill>
-          <a:blip r:embed="rId2">
-            <a:extLst>
-              <a:ext uri="{28A0092B-C50C-407E-A947-70E740481C1C}">
-                <a14:useLocalDpi xmlns:a14="http://schemas.microsoft.com/office/drawing/2010/main" val="0"/>
-              </a:ext>
-              <a:ext uri="{96DAC541-7B7A-43D3-8B79-37D633B846F1}">
-                <asvg:svgBlip xmlns:asvg="http://schemas.microsoft.com/office/drawing/2016/SVG/main" r:embed="rId3"/>
-              </a:ext>
-            </a:extLst>
-          </a:blip>
-          <a:stretch>
-            <a:fillRect/>
-          </a:stretch>
-        </p:blipFill>
-        <p:spPr>
-          <a:xfrm flipH="1">
-            <a:off x="3758400" y="4156024"/>
-            <a:ext cx="775485" cy="775485"/>
-          </a:xfrm>
-          <a:prstGeom prst="rect">
-            <a:avLst/>
-          </a:prstGeom>
-        </p:spPr>
-      </p:pic>
-      <p:pic>
-        <p:nvPicPr>
-          <p:cNvPr id="51" name="Graphic 50">
-            <a:extLst>
-              <a:ext uri="{FF2B5EF4-FFF2-40B4-BE49-F238E27FC236}">
-                <a16:creationId xmlns:a16="http://schemas.microsoft.com/office/drawing/2014/main" id="{E4918283-F13F-4FFA-8874-0A29BB98D7C6}"/>
-              </a:ext>
-            </a:extLst>
-          </p:cNvPr>
-          <p:cNvPicPr>
-            <a:picLocks noChangeAspect="1"/>
-          </p:cNvPicPr>
-          <p:nvPr/>
-        </p:nvPicPr>
-        <p:blipFill>
-          <a:blip r:embed="rId2">
-            <a:extLst>
-              <a:ext uri="{28A0092B-C50C-407E-A947-70E740481C1C}">
-                <a14:useLocalDpi xmlns:a14="http://schemas.microsoft.com/office/drawing/2010/main" val="0"/>
-              </a:ext>
-              <a:ext uri="{96DAC541-7B7A-43D3-8B79-37D633B846F1}">
-                <asvg:svgBlip xmlns:asvg="http://schemas.microsoft.com/office/drawing/2016/SVG/main" r:embed="rId3"/>
-              </a:ext>
-            </a:extLst>
-          </a:blip>
-          <a:stretch>
-            <a:fillRect/>
-          </a:stretch>
-        </p:blipFill>
-        <p:spPr>
-          <a:xfrm flipH="1">
-            <a:off x="3750430" y="4653603"/>
-            <a:ext cx="775485" cy="775485"/>
-          </a:xfrm>
-          <a:prstGeom prst="rect">
-            <a:avLst/>
-          </a:prstGeom>
-        </p:spPr>
-      </p:pic>
-      <p:pic>
-        <p:nvPicPr>
-          <p:cNvPr id="52" name="Graphic 51">
-            <a:extLst>
-              <a:ext uri="{FF2B5EF4-FFF2-40B4-BE49-F238E27FC236}">
-                <a16:creationId xmlns:a16="http://schemas.microsoft.com/office/drawing/2014/main" id="{B7067B4B-E676-470C-AE90-4DFBFECB389C}"/>
-              </a:ext>
-            </a:extLst>
-          </p:cNvPr>
-          <p:cNvPicPr>
-            <a:picLocks noChangeAspect="1"/>
-          </p:cNvPicPr>
-          <p:nvPr/>
-        </p:nvPicPr>
-        <p:blipFill>
-          <a:blip r:embed="rId4">
-            <a:extLst>
-              <a:ext uri="{28A0092B-C50C-407E-A947-70E740481C1C}">
-                <a14:useLocalDpi xmlns:a14="http://schemas.microsoft.com/office/drawing/2010/main" val="0"/>
-              </a:ext>
-              <a:ext uri="{96DAC541-7B7A-43D3-8B79-37D633B846F1}">
-                <asvg:svgBlip xmlns:asvg="http://schemas.microsoft.com/office/drawing/2016/SVG/main" r:embed="rId5"/>
-              </a:ext>
-            </a:extLst>
-          </a:blip>
-          <a:stretch>
-            <a:fillRect/>
-          </a:stretch>
-        </p:blipFill>
-        <p:spPr>
-          <a:xfrm>
-            <a:off x="5962285" y="3509716"/>
-            <a:ext cx="617807" cy="617807"/>
-          </a:xfrm>
-          <a:prstGeom prst="rect">
-            <a:avLst/>
-          </a:prstGeom>
-        </p:spPr>
-      </p:pic>
-      <p:pic>
-        <p:nvPicPr>
-          <p:cNvPr id="53" name="Graphic 52">
-            <a:extLst>
-              <a:ext uri="{FF2B5EF4-FFF2-40B4-BE49-F238E27FC236}">
-                <a16:creationId xmlns:a16="http://schemas.microsoft.com/office/drawing/2014/main" id="{2D1AB9FC-CB69-4764-99F2-608894249BC2}"/>
-              </a:ext>
-            </a:extLst>
-          </p:cNvPr>
-          <p:cNvPicPr>
-            <a:picLocks noChangeAspect="1"/>
-          </p:cNvPicPr>
-          <p:nvPr/>
-        </p:nvPicPr>
-        <p:blipFill>
-          <a:blip r:embed="rId4">
-            <a:extLst>
-              <a:ext uri="{28A0092B-C50C-407E-A947-70E740481C1C}">
-                <a14:useLocalDpi xmlns:a14="http://schemas.microsoft.com/office/drawing/2010/main" val="0"/>
-              </a:ext>
-              <a:ext uri="{96DAC541-7B7A-43D3-8B79-37D633B846F1}">
-                <asvg:svgBlip xmlns:asvg="http://schemas.microsoft.com/office/drawing/2016/SVG/main" r:embed="rId5"/>
-              </a:ext>
-            </a:extLst>
-          </a:blip>
-          <a:stretch>
-            <a:fillRect/>
-          </a:stretch>
-        </p:blipFill>
-        <p:spPr>
-          <a:xfrm>
-            <a:off x="6155715" y="3647734"/>
-            <a:ext cx="617807" cy="617807"/>
-          </a:xfrm>
-          <a:prstGeom prst="rect">
-            <a:avLst/>
-          </a:prstGeom>
-        </p:spPr>
-      </p:pic>
-      <p:pic>
-        <p:nvPicPr>
-          <p:cNvPr id="54" name="Graphic 53">
-            <a:extLst>
-              <a:ext uri="{FF2B5EF4-FFF2-40B4-BE49-F238E27FC236}">
-                <a16:creationId xmlns:a16="http://schemas.microsoft.com/office/drawing/2014/main" id="{17D44AC2-6682-4CAA-89F2-744F8C4F585C}"/>
-              </a:ext>
-            </a:extLst>
-          </p:cNvPr>
-          <p:cNvPicPr>
-            <a:picLocks noChangeAspect="1"/>
-          </p:cNvPicPr>
-          <p:nvPr/>
-        </p:nvPicPr>
-        <p:blipFill>
-          <a:blip r:embed="rId4">
-            <a:extLst>
-              <a:ext uri="{28A0092B-C50C-407E-A947-70E740481C1C}">
-                <a14:useLocalDpi xmlns:a14="http://schemas.microsoft.com/office/drawing/2010/main" val="0"/>
-              </a:ext>
-              <a:ext uri="{96DAC541-7B7A-43D3-8B79-37D633B846F1}">
-                <asvg:svgBlip xmlns:asvg="http://schemas.microsoft.com/office/drawing/2016/SVG/main" r:embed="rId5"/>
-              </a:ext>
-            </a:extLst>
-          </a:blip>
-          <a:stretch>
-            <a:fillRect/>
-          </a:stretch>
-        </p:blipFill>
-        <p:spPr>
-          <a:xfrm>
-            <a:off x="6349145" y="3728194"/>
-            <a:ext cx="617807" cy="617807"/>
-          </a:xfrm>
-          <a:prstGeom prst="rect">
-            <a:avLst/>
-          </a:prstGeom>
-        </p:spPr>
-      </p:pic>
-      <p:pic>
-        <p:nvPicPr>
-          <p:cNvPr id="55" name="Graphic 54">
-            <a:extLst>
-              <a:ext uri="{FF2B5EF4-FFF2-40B4-BE49-F238E27FC236}">
-                <a16:creationId xmlns:a16="http://schemas.microsoft.com/office/drawing/2014/main" id="{D7D2AF45-1DF0-4335-B431-0C96BD024D6D}"/>
-              </a:ext>
-            </a:extLst>
-          </p:cNvPr>
-          <p:cNvPicPr>
-            <a:picLocks noChangeAspect="1"/>
-          </p:cNvPicPr>
-          <p:nvPr/>
-        </p:nvPicPr>
-        <p:blipFill>
-          <a:blip r:embed="rId4">
-            <a:extLst>
-              <a:ext uri="{28A0092B-C50C-407E-A947-70E740481C1C}">
-                <a14:useLocalDpi xmlns:a14="http://schemas.microsoft.com/office/drawing/2010/main" val="0"/>
-              </a:ext>
-              <a:ext uri="{96DAC541-7B7A-43D3-8B79-37D633B846F1}">
-                <asvg:svgBlip xmlns:asvg="http://schemas.microsoft.com/office/drawing/2016/SVG/main" r:embed="rId5"/>
-              </a:ext>
-            </a:extLst>
-          </a:blip>
-          <a:stretch>
-            <a:fillRect/>
-          </a:stretch>
-        </p:blipFill>
-        <p:spPr>
-          <a:xfrm>
-            <a:off x="5962285" y="4320546"/>
-            <a:ext cx="617807" cy="617807"/>
-          </a:xfrm>
-          <a:prstGeom prst="rect">
-            <a:avLst/>
-          </a:prstGeom>
-        </p:spPr>
-      </p:pic>
-      <p:pic>
-        <p:nvPicPr>
-          <p:cNvPr id="56" name="Graphic 55">
-            <a:extLst>
-              <a:ext uri="{FF2B5EF4-FFF2-40B4-BE49-F238E27FC236}">
-                <a16:creationId xmlns:a16="http://schemas.microsoft.com/office/drawing/2014/main" id="{4CF4D4F7-6F3F-4329-8776-A3A3DE3BA446}"/>
-              </a:ext>
-            </a:extLst>
-          </p:cNvPr>
-          <p:cNvPicPr>
-            <a:picLocks noChangeAspect="1"/>
-          </p:cNvPicPr>
-          <p:nvPr/>
-        </p:nvPicPr>
-        <p:blipFill>
-          <a:blip r:embed="rId4">
-            <a:extLst>
-              <a:ext uri="{28A0092B-C50C-407E-A947-70E740481C1C}">
-                <a14:useLocalDpi xmlns:a14="http://schemas.microsoft.com/office/drawing/2010/main" val="0"/>
-              </a:ext>
-              <a:ext uri="{96DAC541-7B7A-43D3-8B79-37D633B846F1}">
-                <asvg:svgBlip xmlns:asvg="http://schemas.microsoft.com/office/drawing/2016/SVG/main" r:embed="rId5"/>
-              </a:ext>
-            </a:extLst>
-          </a:blip>
-          <a:stretch>
-            <a:fillRect/>
-          </a:stretch>
-        </p:blipFill>
-        <p:spPr>
-          <a:xfrm>
-            <a:off x="6155715" y="4458564"/>
-            <a:ext cx="617807" cy="617807"/>
-          </a:xfrm>
-          <a:prstGeom prst="rect">
-            <a:avLst/>
-          </a:prstGeom>
-        </p:spPr>
-      </p:pic>
-      <p:pic>
-        <p:nvPicPr>
-          <p:cNvPr id="57" name="Graphic 56">
-            <a:extLst>
-              <a:ext uri="{FF2B5EF4-FFF2-40B4-BE49-F238E27FC236}">
-                <a16:creationId xmlns:a16="http://schemas.microsoft.com/office/drawing/2014/main" id="{5AF67D2B-11B2-4BC4-97DC-8F7226B64C78}"/>
-              </a:ext>
-            </a:extLst>
-          </p:cNvPr>
-          <p:cNvPicPr>
-            <a:picLocks noChangeAspect="1"/>
-          </p:cNvPicPr>
-          <p:nvPr/>
-        </p:nvPicPr>
-        <p:blipFill>
-          <a:blip r:embed="rId4">
-            <a:extLst>
-              <a:ext uri="{28A0092B-C50C-407E-A947-70E740481C1C}">
-                <a14:useLocalDpi xmlns:a14="http://schemas.microsoft.com/office/drawing/2010/main" val="0"/>
-              </a:ext>
-              <a:ext uri="{96DAC541-7B7A-43D3-8B79-37D633B846F1}">
-                <asvg:svgBlip xmlns:asvg="http://schemas.microsoft.com/office/drawing/2016/SVG/main" r:embed="rId5"/>
-              </a:ext>
-            </a:extLst>
-          </a:blip>
-          <a:stretch>
-            <a:fillRect/>
-          </a:stretch>
-        </p:blipFill>
-        <p:spPr>
-          <a:xfrm>
-            <a:off x="6349145" y="4539024"/>
-            <a:ext cx="617807" cy="617807"/>
-          </a:xfrm>
-          <a:prstGeom prst="rect">
-            <a:avLst/>
-          </a:prstGeom>
-        </p:spPr>
-      </p:pic>
-      <p:pic>
-        <p:nvPicPr>
-          <p:cNvPr id="58" name="Graphic 57">
-            <a:extLst>
-              <a:ext uri="{FF2B5EF4-FFF2-40B4-BE49-F238E27FC236}">
-                <a16:creationId xmlns:a16="http://schemas.microsoft.com/office/drawing/2014/main" id="{1ED98BEC-017F-4F0E-AF77-D5DD7D18F860}"/>
-              </a:ext>
-            </a:extLst>
-          </p:cNvPr>
-          <p:cNvPicPr>
-            <a:picLocks noChangeAspect="1"/>
-          </p:cNvPicPr>
-          <p:nvPr/>
-        </p:nvPicPr>
-        <p:blipFill>
-          <a:blip r:embed="rId6">
-            <a:extLst>
-              <a:ext uri="{28A0092B-C50C-407E-A947-70E740481C1C}">
-                <a14:useLocalDpi xmlns:a14="http://schemas.microsoft.com/office/drawing/2010/main" val="0"/>
-              </a:ext>
-              <a:ext uri="{96DAC541-7B7A-43D3-8B79-37D633B846F1}">
-                <asvg:svgBlip xmlns:asvg="http://schemas.microsoft.com/office/drawing/2016/SVG/main" r:embed="rId7"/>
-              </a:ext>
-            </a:extLst>
-          </a:blip>
-          <a:stretch>
-            <a:fillRect/>
-          </a:stretch>
-        </p:blipFill>
-        <p:spPr>
-          <a:xfrm>
-            <a:off x="8161267" y="4317306"/>
-            <a:ext cx="1338750" cy="1338750"/>
-          </a:xfrm>
-          <a:prstGeom prst="rect">
-            <a:avLst/>
-          </a:prstGeom>
-        </p:spPr>
-      </p:pic>
-      <p:pic>
-        <p:nvPicPr>
-          <p:cNvPr id="59" name="Graphic 58">
-            <a:extLst>
-              <a:ext uri="{FF2B5EF4-FFF2-40B4-BE49-F238E27FC236}">
-                <a16:creationId xmlns:a16="http://schemas.microsoft.com/office/drawing/2014/main" id="{82064C8A-1957-4DF1-BD3B-F2AE3744D3E9}"/>
-              </a:ext>
-            </a:extLst>
-          </p:cNvPr>
-          <p:cNvPicPr>
-            <a:picLocks noChangeAspect="1"/>
-          </p:cNvPicPr>
-          <p:nvPr/>
-        </p:nvPicPr>
-        <p:blipFill>
-          <a:blip r:embed="rId6">
-            <a:extLst>
-              <a:ext uri="{28A0092B-C50C-407E-A947-70E740481C1C}">
-                <a14:useLocalDpi xmlns:a14="http://schemas.microsoft.com/office/drawing/2010/main" val="0"/>
-              </a:ext>
-              <a:ext uri="{96DAC541-7B7A-43D3-8B79-37D633B846F1}">
-                <asvg:svgBlip xmlns:asvg="http://schemas.microsoft.com/office/drawing/2016/SVG/main" r:embed="rId7"/>
-              </a:ext>
-            </a:extLst>
-          </a:blip>
-          <a:stretch>
-            <a:fillRect/>
-          </a:stretch>
-        </p:blipFill>
-        <p:spPr>
-          <a:xfrm>
-            <a:off x="9583414" y="3599603"/>
-            <a:ext cx="1338750" cy="1338750"/>
-          </a:xfrm>
-          <a:prstGeom prst="rect">
-            <a:avLst/>
-          </a:prstGeom>
-        </p:spPr>
-      </p:pic>
-      <p:sp>
-        <p:nvSpPr>
-          <p:cNvPr id="60" name="TextBox 59">
-            <a:extLst>
-              <a:ext uri="{FF2B5EF4-FFF2-40B4-BE49-F238E27FC236}">
-                <a16:creationId xmlns:a16="http://schemas.microsoft.com/office/drawing/2014/main" id="{BA59E5A2-76AB-4F93-B7EC-057F932E83FA}"/>
-              </a:ext>
-            </a:extLst>
-          </p:cNvPr>
-          <p:cNvSpPr txBox="1"/>
-          <p:nvPr/>
-        </p:nvSpPr>
-        <p:spPr>
-          <a:xfrm>
-            <a:off x="1131304" y="5882638"/>
-            <a:ext cx="815926" cy="369332"/>
-          </a:xfrm>
-          <a:prstGeom prst="rect">
-            <a:avLst/>
-          </a:prstGeom>
-          <a:noFill/>
-        </p:spPr>
-        <p:txBody>
-          <a:bodyPr wrap="square" rtlCol="0">
-            <a:spAutoFit/>
-          </a:bodyPr>
-          <a:lstStyle/>
-          <a:p>
-            <a:r>
-              <a:rPr lang="en-US" dirty="0"/>
-              <a:t>Clients</a:t>
-            </a:r>
-            <a:endParaRPr lang="en-GB" dirty="0"/>
-          </a:p>
-        </p:txBody>
-      </p:sp>
-      <p:sp>
-        <p:nvSpPr>
-          <p:cNvPr id="61" name="TextBox 60">
-            <a:extLst>
-              <a:ext uri="{FF2B5EF4-FFF2-40B4-BE49-F238E27FC236}">
-                <a16:creationId xmlns:a16="http://schemas.microsoft.com/office/drawing/2014/main" id="{35F1599B-05CD-47D1-AC02-0B84C9D49B6D}"/>
-              </a:ext>
-            </a:extLst>
-          </p:cNvPr>
-          <p:cNvSpPr txBox="1"/>
-          <p:nvPr/>
-        </p:nvSpPr>
-        <p:spPr>
-          <a:xfrm>
-            <a:off x="3613764" y="5578573"/>
-            <a:ext cx="1064755" cy="646331"/>
-          </a:xfrm>
-          <a:prstGeom prst="rect">
-            <a:avLst/>
-          </a:prstGeom>
-          <a:noFill/>
-        </p:spPr>
-        <p:txBody>
-          <a:bodyPr wrap="square" rtlCol="0">
-            <a:spAutoFit/>
-          </a:bodyPr>
-          <a:lstStyle/>
-          <a:p>
-            <a:r>
-              <a:rPr lang="en-US" dirty="0"/>
-              <a:t>REST API servers</a:t>
-            </a:r>
-            <a:endParaRPr lang="en-GB" dirty="0"/>
-          </a:p>
-        </p:txBody>
-      </p:sp>
-      <p:sp>
-        <p:nvSpPr>
-          <p:cNvPr id="62" name="TextBox 61">
-            <a:extLst>
-              <a:ext uri="{FF2B5EF4-FFF2-40B4-BE49-F238E27FC236}">
-                <a16:creationId xmlns:a16="http://schemas.microsoft.com/office/drawing/2014/main" id="{6B3B66F7-064E-4D52-B89D-574777E4E77D}"/>
-              </a:ext>
-            </a:extLst>
-          </p:cNvPr>
-          <p:cNvSpPr txBox="1"/>
-          <p:nvPr/>
-        </p:nvSpPr>
-        <p:spPr>
-          <a:xfrm>
-            <a:off x="6036920" y="5760361"/>
-            <a:ext cx="736602" cy="369332"/>
-          </a:xfrm>
-          <a:prstGeom prst="rect">
-            <a:avLst/>
-          </a:prstGeom>
-          <a:noFill/>
-        </p:spPr>
-        <p:txBody>
-          <a:bodyPr wrap="square" rtlCol="0">
-            <a:spAutoFit/>
-          </a:bodyPr>
-          <a:lstStyle/>
-          <a:p>
-            <a:r>
-              <a:rPr lang="en-US" dirty="0"/>
-              <a:t>Kafka</a:t>
-            </a:r>
-            <a:endParaRPr lang="en-GB" dirty="0"/>
-          </a:p>
-        </p:txBody>
-      </p:sp>
-      <p:sp>
-        <p:nvSpPr>
-          <p:cNvPr id="63" name="TextBox 62">
-            <a:extLst>
-              <a:ext uri="{FF2B5EF4-FFF2-40B4-BE49-F238E27FC236}">
-                <a16:creationId xmlns:a16="http://schemas.microsoft.com/office/drawing/2014/main" id="{415F2F05-E82F-4C31-901E-2BC48D9741BB}"/>
-              </a:ext>
-            </a:extLst>
-          </p:cNvPr>
-          <p:cNvSpPr txBox="1"/>
-          <p:nvPr/>
-        </p:nvSpPr>
-        <p:spPr>
-          <a:xfrm>
-            <a:off x="8145146" y="5644273"/>
-            <a:ext cx="2253630" cy="369332"/>
-          </a:xfrm>
-          <a:prstGeom prst="rect">
-            <a:avLst/>
-          </a:prstGeom>
-          <a:noFill/>
-        </p:spPr>
-        <p:txBody>
-          <a:bodyPr wrap="square" rtlCol="0">
-            <a:spAutoFit/>
-          </a:bodyPr>
-          <a:lstStyle/>
-          <a:p>
-            <a:r>
-              <a:rPr lang="en-US" dirty="0"/>
-              <a:t>Service units</a:t>
-            </a:r>
-            <a:endParaRPr lang="en-GB" dirty="0"/>
-          </a:p>
-        </p:txBody>
-      </p:sp>
-      <p:cxnSp>
-        <p:nvCxnSpPr>
-          <p:cNvPr id="64" name="Straight Arrow Connector 63">
-            <a:extLst>
-              <a:ext uri="{FF2B5EF4-FFF2-40B4-BE49-F238E27FC236}">
-                <a16:creationId xmlns:a16="http://schemas.microsoft.com/office/drawing/2014/main" id="{EF2D609E-30E4-42DF-AD3A-7D54D1B828C1}"/>
-              </a:ext>
-            </a:extLst>
-          </p:cNvPr>
-          <p:cNvCxnSpPr>
-            <a:cxnSpLocks/>
-          </p:cNvCxnSpPr>
-          <p:nvPr/>
-        </p:nvCxnSpPr>
-        <p:spPr>
-          <a:xfrm>
-            <a:off x="2231840" y="4458564"/>
-            <a:ext cx="1294631" cy="1"/>
-          </a:xfrm>
-          <a:prstGeom prst="straightConnector1">
-            <a:avLst/>
-          </a:prstGeom>
-          <a:ln w="9525" cap="flat" cmpd="sng" algn="ctr">
-            <a:solidFill>
-              <a:schemeClr val="accent1"/>
-            </a:solidFill>
-            <a:prstDash val="solid"/>
-            <a:round/>
-            <a:headEnd type="arrow" w="med" len="med"/>
-            <a:tailEnd type="arrow" w="med" len="med"/>
-          </a:ln>
-        </p:spPr>
-        <p:style>
-          <a:lnRef idx="0">
-            <a:scrgbClr r="0" g="0" b="0"/>
-          </a:lnRef>
-          <a:fillRef idx="0">
-            <a:scrgbClr r="0" g="0" b="0"/>
-          </a:fillRef>
-          <a:effectRef idx="0">
-            <a:scrgbClr r="0" g="0" b="0"/>
-          </a:effectRef>
-          <a:fontRef idx="minor">
-            <a:schemeClr val="tx1"/>
-          </a:fontRef>
-        </p:style>
-      </p:cxnSp>
-      <p:pic>
-        <p:nvPicPr>
-          <p:cNvPr id="65" name="Graphic 64">
-            <a:extLst>
-              <a:ext uri="{FF2B5EF4-FFF2-40B4-BE49-F238E27FC236}">
-                <a16:creationId xmlns:a16="http://schemas.microsoft.com/office/drawing/2014/main" id="{981BBC79-ADB1-4D7B-87EC-6FC408912439}"/>
-              </a:ext>
-            </a:extLst>
-          </p:cNvPr>
-          <p:cNvPicPr>
-            <a:picLocks noChangeAspect="1"/>
-          </p:cNvPicPr>
-          <p:nvPr/>
-        </p:nvPicPr>
-        <p:blipFill>
-          <a:blip r:embed="rId6">
-            <a:extLst>
-              <a:ext uri="{28A0092B-C50C-407E-A947-70E740481C1C}">
-                <a14:useLocalDpi xmlns:a14="http://schemas.microsoft.com/office/drawing/2010/main" val="0"/>
-              </a:ext>
-              <a:ext uri="{96DAC541-7B7A-43D3-8B79-37D633B846F1}">
-                <asvg:svgBlip xmlns:asvg="http://schemas.microsoft.com/office/drawing/2016/SVG/main" r:embed="rId7"/>
-              </a:ext>
-            </a:extLst>
-          </a:blip>
-          <a:stretch>
-            <a:fillRect/>
-          </a:stretch>
-        </p:blipFill>
-        <p:spPr>
-          <a:xfrm>
-            <a:off x="8244664" y="3038708"/>
-            <a:ext cx="1338750" cy="1338750"/>
-          </a:xfrm>
-          <a:prstGeom prst="rect">
-            <a:avLst/>
-          </a:prstGeom>
-        </p:spPr>
-      </p:pic>
-      <p:cxnSp>
-        <p:nvCxnSpPr>
-          <p:cNvPr id="66" name="Straight Arrow Connector 65">
-            <a:extLst>
-              <a:ext uri="{FF2B5EF4-FFF2-40B4-BE49-F238E27FC236}">
-                <a16:creationId xmlns:a16="http://schemas.microsoft.com/office/drawing/2014/main" id="{B29D1F67-7C31-4C4A-9408-B826512C89E9}"/>
-              </a:ext>
-            </a:extLst>
-          </p:cNvPr>
-          <p:cNvCxnSpPr>
-            <a:cxnSpLocks/>
-          </p:cNvCxnSpPr>
-          <p:nvPr/>
-        </p:nvCxnSpPr>
-        <p:spPr>
-          <a:xfrm>
-            <a:off x="4551058" y="4458564"/>
-            <a:ext cx="1294631" cy="1"/>
-          </a:xfrm>
-          <a:prstGeom prst="straightConnector1">
-            <a:avLst/>
-          </a:prstGeom>
-          <a:ln w="9525" cap="flat" cmpd="sng" algn="ctr">
-            <a:solidFill>
-              <a:schemeClr val="accent1"/>
-            </a:solidFill>
-            <a:prstDash val="solid"/>
-            <a:round/>
-            <a:headEnd type="arrow" w="med" len="med"/>
-            <a:tailEnd type="arrow" w="med" len="med"/>
-          </a:ln>
-        </p:spPr>
-        <p:style>
-          <a:lnRef idx="0">
-            <a:scrgbClr r="0" g="0" b="0"/>
-          </a:lnRef>
-          <a:fillRef idx="0">
-            <a:scrgbClr r="0" g="0" b="0"/>
-          </a:fillRef>
-          <a:effectRef idx="0">
-            <a:scrgbClr r="0" g="0" b="0"/>
-          </a:effectRef>
-          <a:fontRef idx="minor">
-            <a:schemeClr val="tx1"/>
-          </a:fontRef>
-        </p:style>
-      </p:cxnSp>
-      <p:cxnSp>
-        <p:nvCxnSpPr>
-          <p:cNvPr id="67" name="Straight Arrow Connector 66">
-            <a:extLst>
-              <a:ext uri="{FF2B5EF4-FFF2-40B4-BE49-F238E27FC236}">
-                <a16:creationId xmlns:a16="http://schemas.microsoft.com/office/drawing/2014/main" id="{4A3BD868-17CB-44CF-A1C4-5D61889164CD}"/>
-              </a:ext>
-            </a:extLst>
-          </p:cNvPr>
-          <p:cNvCxnSpPr>
-            <a:cxnSpLocks/>
-          </p:cNvCxnSpPr>
-          <p:nvPr/>
-        </p:nvCxnSpPr>
-        <p:spPr>
-          <a:xfrm>
-            <a:off x="6898838" y="4458564"/>
-            <a:ext cx="1294631" cy="1"/>
-          </a:xfrm>
-          <a:prstGeom prst="straightConnector1">
-            <a:avLst/>
-          </a:prstGeom>
-          <a:ln w="9525" cap="flat" cmpd="sng" algn="ctr">
-            <a:solidFill>
-              <a:schemeClr val="accent1"/>
-            </a:solidFill>
-            <a:prstDash val="solid"/>
-            <a:round/>
-            <a:headEnd type="arrow" w="med" len="med"/>
-            <a:tailEnd type="arrow" w="med" len="med"/>
-          </a:ln>
-        </p:spPr>
-        <p:style>
-          <a:lnRef idx="0">
-            <a:scrgbClr r="0" g="0" b="0"/>
-          </a:lnRef>
-          <a:fillRef idx="0">
-            <a:scrgbClr r="0" g="0" b="0"/>
-          </a:fillRef>
-          <a:effectRef idx="0">
-            <a:scrgbClr r="0" g="0" b="0"/>
-          </a:effectRef>
-          <a:fontRef idx="minor">
-            <a:schemeClr val="tx1"/>
-          </a:fontRef>
-        </p:style>
-      </p:cxnSp>
-      <p:sp>
-        <p:nvSpPr>
-          <p:cNvPr id="68" name="Rectangle 67">
-            <a:extLst>
-              <a:ext uri="{FF2B5EF4-FFF2-40B4-BE49-F238E27FC236}">
-                <a16:creationId xmlns:a16="http://schemas.microsoft.com/office/drawing/2014/main" id="{9C66C649-CA01-4100-89ED-4846821A34B8}"/>
-              </a:ext>
-            </a:extLst>
-          </p:cNvPr>
-          <p:cNvSpPr/>
-          <p:nvPr/>
-        </p:nvSpPr>
-        <p:spPr>
-          <a:xfrm>
-            <a:off x="4823155" y="4593503"/>
-            <a:ext cx="867602" cy="161564"/>
-          </a:xfrm>
-          <a:prstGeom prst="rect">
-            <a:avLst/>
-          </a:prstGeom>
-          <a:noFill/>
-          <a:ln>
-            <a:solidFill>
-              <a:srgbClr val="FF0000"/>
-            </a:solidFill>
-          </a:ln>
-        </p:spPr>
-        <p:style>
-          <a:lnRef idx="2">
-            <a:schemeClr val="accent6"/>
-          </a:lnRef>
-          <a:fillRef idx="1">
-            <a:schemeClr val="lt1"/>
-          </a:fillRef>
-          <a:effectRef idx="0">
-            <a:schemeClr val="accent6"/>
-          </a:effectRef>
-          <a:fontRef idx="minor">
-            <a:schemeClr val="dk1"/>
-          </a:fontRef>
-        </p:style>
-        <p:txBody>
-          <a:bodyPr rtlCol="0" anchor="ctr"/>
-          <a:lstStyle/>
-          <a:p>
-            <a:pPr algn="ctr"/>
-            <a:endParaRPr lang="en-GB"/>
-          </a:p>
-        </p:txBody>
-      </p:sp>
-      <p:sp>
-        <p:nvSpPr>
-          <p:cNvPr id="69" name="Rectangle 68">
-            <a:extLst>
-              <a:ext uri="{FF2B5EF4-FFF2-40B4-BE49-F238E27FC236}">
-                <a16:creationId xmlns:a16="http://schemas.microsoft.com/office/drawing/2014/main" id="{B2EDFF6A-ABD4-4AF0-A78E-FDAC5C7E00F6}"/>
-              </a:ext>
-            </a:extLst>
-          </p:cNvPr>
-          <p:cNvSpPr/>
-          <p:nvPr/>
-        </p:nvSpPr>
-        <p:spPr>
-          <a:xfrm>
-            <a:off x="7090493" y="4593502"/>
-            <a:ext cx="867602" cy="161565"/>
-          </a:xfrm>
-          <a:prstGeom prst="rect">
-            <a:avLst/>
-          </a:prstGeom>
-          <a:noFill/>
-          <a:ln>
-            <a:solidFill>
-              <a:srgbClr val="FF0000"/>
-            </a:solidFill>
-          </a:ln>
-        </p:spPr>
-        <p:style>
-          <a:lnRef idx="2">
-            <a:schemeClr val="accent6"/>
-          </a:lnRef>
-          <a:fillRef idx="1">
-            <a:schemeClr val="lt1"/>
-          </a:fillRef>
-          <a:effectRef idx="0">
-            <a:schemeClr val="accent6"/>
-          </a:effectRef>
-          <a:fontRef idx="minor">
-            <a:schemeClr val="dk1"/>
-          </a:fontRef>
-        </p:style>
-        <p:txBody>
-          <a:bodyPr rtlCol="0" anchor="ctr"/>
-          <a:lstStyle/>
-          <a:p>
-            <a:pPr algn="ctr"/>
-            <a:endParaRPr lang="en-GB"/>
-          </a:p>
-        </p:txBody>
-      </p:sp>
-      <p:sp>
-        <p:nvSpPr>
-          <p:cNvPr id="70" name="Rectangle 69">
-            <a:extLst>
-              <a:ext uri="{FF2B5EF4-FFF2-40B4-BE49-F238E27FC236}">
-                <a16:creationId xmlns:a16="http://schemas.microsoft.com/office/drawing/2014/main" id="{1E4687A3-5E3B-429C-89FE-B0BB7DE464E7}"/>
-              </a:ext>
-            </a:extLst>
-          </p:cNvPr>
-          <p:cNvSpPr/>
-          <p:nvPr/>
-        </p:nvSpPr>
-        <p:spPr>
-          <a:xfrm>
-            <a:off x="3564663" y="3622178"/>
-            <a:ext cx="1133176" cy="1806910"/>
-          </a:xfrm>
-          <a:prstGeom prst="rect">
-            <a:avLst/>
-          </a:prstGeom>
-          <a:noFill/>
-          <a:ln>
-            <a:solidFill>
-              <a:srgbClr val="FF0000"/>
-            </a:solidFill>
-          </a:ln>
-        </p:spPr>
-        <p:style>
-          <a:lnRef idx="2">
-            <a:schemeClr val="accent6"/>
-          </a:lnRef>
-          <a:fillRef idx="1">
-            <a:schemeClr val="lt1"/>
-          </a:fillRef>
-          <a:effectRef idx="0">
-            <a:schemeClr val="accent6"/>
-          </a:effectRef>
-          <a:fontRef idx="minor">
-            <a:schemeClr val="dk1"/>
-          </a:fontRef>
-        </p:style>
-        <p:txBody>
-          <a:bodyPr rtlCol="0" anchor="ctr"/>
-          <a:lstStyle/>
-          <a:p>
-            <a:pPr algn="ctr"/>
-            <a:endParaRPr lang="en-GB"/>
-          </a:p>
-        </p:txBody>
-      </p:sp>
-    </p:spTree>
-    <p:extLst>
-      <p:ext uri="{BB962C8B-B14F-4D97-AF65-F5344CB8AC3E}">
-        <p14:creationId xmlns:p14="http://schemas.microsoft.com/office/powerpoint/2010/main" val="3167756212"/>
       </p:ext>
     </p:extLst>
   </p:cSld>
@@ -15769,7 +14493,7 @@
           <p:cNvPr id="2" name="Title 1">
             <a:extLst>
               <a:ext uri="{FF2B5EF4-FFF2-40B4-BE49-F238E27FC236}">
-                <a16:creationId xmlns:a16="http://schemas.microsoft.com/office/drawing/2014/main" id="{4141C3C9-7B36-4431-B5FD-D23F990E22F0}"/>
+                <a16:creationId xmlns:a16="http://schemas.microsoft.com/office/drawing/2014/main" id="{218A609E-47B5-4D2F-9A77-0F13287FB72D}"/>
               </a:ext>
             </a:extLst>
           </p:cNvPr>
@@ -15787,9 +14511,8 @@
           <a:p>
             <a:r>
               <a:rPr lang="en-US" dirty="0"/>
-              <a:t>Conclusions</a:t>
-            </a:r>
-            <a:endParaRPr lang="en-GB" dirty="0"/>
+              <a:t>Some tips to work with Micro-services</a:t>
+            </a:r>
           </a:p>
         </p:txBody>
       </p:sp>
@@ -15798,7 +14521,7 @@
           <p:cNvPr id="3" name="Content Placeholder 2">
             <a:extLst>
               <a:ext uri="{FF2B5EF4-FFF2-40B4-BE49-F238E27FC236}">
-                <a16:creationId xmlns:a16="http://schemas.microsoft.com/office/drawing/2014/main" id="{566596BE-ADB3-462D-8428-7FF87934E971}"/>
+                <a16:creationId xmlns:a16="http://schemas.microsoft.com/office/drawing/2014/main" id="{9B705169-90B5-413A-B27C-522EB23DA090}"/>
               </a:ext>
             </a:extLst>
           </p:cNvPr>
@@ -15811,80 +14534,1088 @@
         </p:nvSpPr>
         <p:spPr/>
         <p:txBody>
-          <a:bodyPr>
-            <a:normAutofit/>
+          <a:bodyPr/>
+          <a:lstStyle/>
+          <a:p>
+            <a:r>
+              <a:rPr lang="en-US" dirty="0"/>
+              <a:t>The bottle neck of micro-services would be network transportation</a:t>
+            </a:r>
+          </a:p>
+          <a:p>
+            <a:pPr lvl="1"/>
+            <a:r>
+              <a:rPr lang="en-US" dirty="0"/>
+              <a:t>Reduce amount/size of messages</a:t>
+            </a:r>
+          </a:p>
+          <a:p>
+            <a:pPr lvl="1"/>
+            <a:r>
+              <a:rPr lang="en-US" dirty="0"/>
+              <a:t>Optimizing by memory buffer</a:t>
+            </a:r>
+          </a:p>
+          <a:p>
+            <a:pPr lvl="1"/>
+            <a:r>
+              <a:rPr lang="en-US" dirty="0"/>
+              <a:t>Combine services</a:t>
+            </a:r>
+            <a:endParaRPr lang="en-GB" dirty="0"/>
+          </a:p>
+        </p:txBody>
+      </p:sp>
+      <p:sp>
+        <p:nvSpPr>
+          <p:cNvPr id="46" name="Thought Bubble: Cloud 45">
+            <a:extLst>
+              <a:ext uri="{FF2B5EF4-FFF2-40B4-BE49-F238E27FC236}">
+                <a16:creationId xmlns:a16="http://schemas.microsoft.com/office/drawing/2014/main" id="{3B4E09EA-B359-4DC7-BDC8-6F886EE5B52A}"/>
+              </a:ext>
+            </a:extLst>
+          </p:cNvPr>
+          <p:cNvSpPr/>
+          <p:nvPr/>
+        </p:nvSpPr>
+        <p:spPr>
+          <a:xfrm>
+            <a:off x="1279357" y="3519194"/>
+            <a:ext cx="914400" cy="612648"/>
+          </a:xfrm>
+          <a:prstGeom prst="cloudCallout">
+            <a:avLst/>
+          </a:prstGeom>
+          <a:noFill/>
+        </p:spPr>
+        <p:style>
+          <a:lnRef idx="2">
+            <a:schemeClr val="accent1">
+              <a:shade val="50000"/>
+            </a:schemeClr>
+          </a:lnRef>
+          <a:fillRef idx="1">
+            <a:schemeClr val="accent1"/>
+          </a:fillRef>
+          <a:effectRef idx="0">
+            <a:schemeClr val="accent1"/>
+          </a:effectRef>
+          <a:fontRef idx="minor">
+            <a:schemeClr val="lt1"/>
+          </a:fontRef>
+        </p:style>
+        <p:txBody>
+          <a:bodyPr rtlCol="0" anchor="ctr"/>
+          <a:lstStyle/>
+          <a:p>
+            <a:pPr algn="ctr"/>
+            <a:endParaRPr lang="en-GB"/>
+          </a:p>
+        </p:txBody>
+      </p:sp>
+      <p:sp>
+        <p:nvSpPr>
+          <p:cNvPr id="47" name="Thought Bubble: Cloud 46">
+            <a:extLst>
+              <a:ext uri="{FF2B5EF4-FFF2-40B4-BE49-F238E27FC236}">
+                <a16:creationId xmlns:a16="http://schemas.microsoft.com/office/drawing/2014/main" id="{8E15CCD8-3614-45F2-9A76-71EE30F5DBA7}"/>
+              </a:ext>
+            </a:extLst>
+          </p:cNvPr>
+          <p:cNvSpPr/>
+          <p:nvPr/>
+        </p:nvSpPr>
+        <p:spPr>
+          <a:xfrm>
+            <a:off x="1262518" y="4219309"/>
+            <a:ext cx="914400" cy="612648"/>
+          </a:xfrm>
+          <a:prstGeom prst="cloudCallout">
+            <a:avLst/>
+          </a:prstGeom>
+          <a:noFill/>
+        </p:spPr>
+        <p:style>
+          <a:lnRef idx="2">
+            <a:schemeClr val="accent1">
+              <a:shade val="50000"/>
+            </a:schemeClr>
+          </a:lnRef>
+          <a:fillRef idx="1">
+            <a:schemeClr val="accent1"/>
+          </a:fillRef>
+          <a:effectRef idx="0">
+            <a:schemeClr val="accent1"/>
+          </a:effectRef>
+          <a:fontRef idx="minor">
+            <a:schemeClr val="lt1"/>
+          </a:fontRef>
+        </p:style>
+        <p:txBody>
+          <a:bodyPr rtlCol="0" anchor="ctr"/>
+          <a:lstStyle/>
+          <a:p>
+            <a:pPr algn="ctr"/>
+            <a:endParaRPr lang="en-GB"/>
+          </a:p>
+        </p:txBody>
+      </p:sp>
+      <p:sp>
+        <p:nvSpPr>
+          <p:cNvPr id="48" name="Thought Bubble: Cloud 47">
+            <a:extLst>
+              <a:ext uri="{FF2B5EF4-FFF2-40B4-BE49-F238E27FC236}">
+                <a16:creationId xmlns:a16="http://schemas.microsoft.com/office/drawing/2014/main" id="{3F2B24BE-786D-4E1E-85D0-BD8293C6F800}"/>
+              </a:ext>
+            </a:extLst>
+          </p:cNvPr>
+          <p:cNvSpPr/>
+          <p:nvPr/>
+        </p:nvSpPr>
+        <p:spPr>
+          <a:xfrm>
+            <a:off x="1362393" y="4896198"/>
+            <a:ext cx="914400" cy="612648"/>
+          </a:xfrm>
+          <a:prstGeom prst="cloudCallout">
+            <a:avLst/>
+          </a:prstGeom>
+          <a:noFill/>
+        </p:spPr>
+        <p:style>
+          <a:lnRef idx="2">
+            <a:schemeClr val="accent1">
+              <a:shade val="50000"/>
+            </a:schemeClr>
+          </a:lnRef>
+          <a:fillRef idx="1">
+            <a:schemeClr val="accent1"/>
+          </a:fillRef>
+          <a:effectRef idx="0">
+            <a:schemeClr val="accent1"/>
+          </a:effectRef>
+          <a:fontRef idx="minor">
+            <a:schemeClr val="lt1"/>
+          </a:fontRef>
+        </p:style>
+        <p:txBody>
+          <a:bodyPr rtlCol="0" anchor="ctr"/>
+          <a:lstStyle/>
+          <a:p>
+            <a:pPr algn="ctr"/>
+            <a:endParaRPr lang="en-GB"/>
+          </a:p>
+        </p:txBody>
+      </p:sp>
+      <p:pic>
+        <p:nvPicPr>
+          <p:cNvPr id="49" name="Graphic 48">
+            <a:extLst>
+              <a:ext uri="{FF2B5EF4-FFF2-40B4-BE49-F238E27FC236}">
+                <a16:creationId xmlns:a16="http://schemas.microsoft.com/office/drawing/2014/main" id="{1F77B1EC-7021-4BD3-83AF-27E8C0FC96E5}"/>
+              </a:ext>
+            </a:extLst>
+          </p:cNvPr>
+          <p:cNvPicPr>
+            <a:picLocks noChangeAspect="1"/>
+          </p:cNvPicPr>
+          <p:nvPr/>
+        </p:nvPicPr>
+        <p:blipFill>
+          <a:blip r:embed="rId2">
+            <a:extLst>
+              <a:ext uri="{28A0092B-C50C-407E-A947-70E740481C1C}">
+                <a14:useLocalDpi xmlns:a14="http://schemas.microsoft.com/office/drawing/2010/main" val="0"/>
+              </a:ext>
+              <a:ext uri="{96DAC541-7B7A-43D3-8B79-37D633B846F1}">
+                <asvg:svgBlip xmlns:asvg="http://schemas.microsoft.com/office/drawing/2016/SVG/main" r:embed="rId3"/>
+              </a:ext>
+            </a:extLst>
+          </a:blip>
+          <a:stretch>
+            <a:fillRect/>
+          </a:stretch>
+        </p:blipFill>
+        <p:spPr>
+          <a:xfrm flipH="1">
+            <a:off x="3740123" y="3599603"/>
+            <a:ext cx="775485" cy="775485"/>
+          </a:xfrm>
+          <a:prstGeom prst="rect">
+            <a:avLst/>
+          </a:prstGeom>
+        </p:spPr>
+      </p:pic>
+      <p:pic>
+        <p:nvPicPr>
+          <p:cNvPr id="50" name="Graphic 49">
+            <a:extLst>
+              <a:ext uri="{FF2B5EF4-FFF2-40B4-BE49-F238E27FC236}">
+                <a16:creationId xmlns:a16="http://schemas.microsoft.com/office/drawing/2014/main" id="{5F987DB1-B839-40A2-AAD4-73B0C6015AA8}"/>
+              </a:ext>
+            </a:extLst>
+          </p:cNvPr>
+          <p:cNvPicPr>
+            <a:picLocks noChangeAspect="1"/>
+          </p:cNvPicPr>
+          <p:nvPr/>
+        </p:nvPicPr>
+        <p:blipFill>
+          <a:blip r:embed="rId2">
+            <a:extLst>
+              <a:ext uri="{28A0092B-C50C-407E-A947-70E740481C1C}">
+                <a14:useLocalDpi xmlns:a14="http://schemas.microsoft.com/office/drawing/2010/main" val="0"/>
+              </a:ext>
+              <a:ext uri="{96DAC541-7B7A-43D3-8B79-37D633B846F1}">
+                <asvg:svgBlip xmlns:asvg="http://schemas.microsoft.com/office/drawing/2016/SVG/main" r:embed="rId3"/>
+              </a:ext>
+            </a:extLst>
+          </a:blip>
+          <a:stretch>
+            <a:fillRect/>
+          </a:stretch>
+        </p:blipFill>
+        <p:spPr>
+          <a:xfrm flipH="1">
+            <a:off x="3758400" y="4156024"/>
+            <a:ext cx="775485" cy="775485"/>
+          </a:xfrm>
+          <a:prstGeom prst="rect">
+            <a:avLst/>
+          </a:prstGeom>
+        </p:spPr>
+      </p:pic>
+      <p:pic>
+        <p:nvPicPr>
+          <p:cNvPr id="51" name="Graphic 50">
+            <a:extLst>
+              <a:ext uri="{FF2B5EF4-FFF2-40B4-BE49-F238E27FC236}">
+                <a16:creationId xmlns:a16="http://schemas.microsoft.com/office/drawing/2014/main" id="{E4918283-F13F-4FFA-8874-0A29BB98D7C6}"/>
+              </a:ext>
+            </a:extLst>
+          </p:cNvPr>
+          <p:cNvPicPr>
+            <a:picLocks noChangeAspect="1"/>
+          </p:cNvPicPr>
+          <p:nvPr/>
+        </p:nvPicPr>
+        <p:blipFill>
+          <a:blip r:embed="rId2">
+            <a:extLst>
+              <a:ext uri="{28A0092B-C50C-407E-A947-70E740481C1C}">
+                <a14:useLocalDpi xmlns:a14="http://schemas.microsoft.com/office/drawing/2010/main" val="0"/>
+              </a:ext>
+              <a:ext uri="{96DAC541-7B7A-43D3-8B79-37D633B846F1}">
+                <asvg:svgBlip xmlns:asvg="http://schemas.microsoft.com/office/drawing/2016/SVG/main" r:embed="rId3"/>
+              </a:ext>
+            </a:extLst>
+          </a:blip>
+          <a:stretch>
+            <a:fillRect/>
+          </a:stretch>
+        </p:blipFill>
+        <p:spPr>
+          <a:xfrm flipH="1">
+            <a:off x="3750430" y="4653603"/>
+            <a:ext cx="775485" cy="775485"/>
+          </a:xfrm>
+          <a:prstGeom prst="rect">
+            <a:avLst/>
+          </a:prstGeom>
+        </p:spPr>
+      </p:pic>
+      <p:pic>
+        <p:nvPicPr>
+          <p:cNvPr id="52" name="Graphic 51">
+            <a:extLst>
+              <a:ext uri="{FF2B5EF4-FFF2-40B4-BE49-F238E27FC236}">
+                <a16:creationId xmlns:a16="http://schemas.microsoft.com/office/drawing/2014/main" id="{B7067B4B-E676-470C-AE90-4DFBFECB389C}"/>
+              </a:ext>
+            </a:extLst>
+          </p:cNvPr>
+          <p:cNvPicPr>
+            <a:picLocks noChangeAspect="1"/>
+          </p:cNvPicPr>
+          <p:nvPr/>
+        </p:nvPicPr>
+        <p:blipFill>
+          <a:blip r:embed="rId4">
+            <a:extLst>
+              <a:ext uri="{28A0092B-C50C-407E-A947-70E740481C1C}">
+                <a14:useLocalDpi xmlns:a14="http://schemas.microsoft.com/office/drawing/2010/main" val="0"/>
+              </a:ext>
+              <a:ext uri="{96DAC541-7B7A-43D3-8B79-37D633B846F1}">
+                <asvg:svgBlip xmlns:asvg="http://schemas.microsoft.com/office/drawing/2016/SVG/main" r:embed="rId5"/>
+              </a:ext>
+            </a:extLst>
+          </a:blip>
+          <a:stretch>
+            <a:fillRect/>
+          </a:stretch>
+        </p:blipFill>
+        <p:spPr>
+          <a:xfrm>
+            <a:off x="5962285" y="3509716"/>
+            <a:ext cx="617807" cy="617807"/>
+          </a:xfrm>
+          <a:prstGeom prst="rect">
+            <a:avLst/>
+          </a:prstGeom>
+        </p:spPr>
+      </p:pic>
+      <p:pic>
+        <p:nvPicPr>
+          <p:cNvPr id="53" name="Graphic 52">
+            <a:extLst>
+              <a:ext uri="{FF2B5EF4-FFF2-40B4-BE49-F238E27FC236}">
+                <a16:creationId xmlns:a16="http://schemas.microsoft.com/office/drawing/2014/main" id="{2D1AB9FC-CB69-4764-99F2-608894249BC2}"/>
+              </a:ext>
+            </a:extLst>
+          </p:cNvPr>
+          <p:cNvPicPr>
+            <a:picLocks noChangeAspect="1"/>
+          </p:cNvPicPr>
+          <p:nvPr/>
+        </p:nvPicPr>
+        <p:blipFill>
+          <a:blip r:embed="rId4">
+            <a:extLst>
+              <a:ext uri="{28A0092B-C50C-407E-A947-70E740481C1C}">
+                <a14:useLocalDpi xmlns:a14="http://schemas.microsoft.com/office/drawing/2010/main" val="0"/>
+              </a:ext>
+              <a:ext uri="{96DAC541-7B7A-43D3-8B79-37D633B846F1}">
+                <asvg:svgBlip xmlns:asvg="http://schemas.microsoft.com/office/drawing/2016/SVG/main" r:embed="rId5"/>
+              </a:ext>
+            </a:extLst>
+          </a:blip>
+          <a:stretch>
+            <a:fillRect/>
+          </a:stretch>
+        </p:blipFill>
+        <p:spPr>
+          <a:xfrm>
+            <a:off x="6155715" y="3647734"/>
+            <a:ext cx="617807" cy="617807"/>
+          </a:xfrm>
+          <a:prstGeom prst="rect">
+            <a:avLst/>
+          </a:prstGeom>
+        </p:spPr>
+      </p:pic>
+      <p:pic>
+        <p:nvPicPr>
+          <p:cNvPr id="54" name="Graphic 53">
+            <a:extLst>
+              <a:ext uri="{FF2B5EF4-FFF2-40B4-BE49-F238E27FC236}">
+                <a16:creationId xmlns:a16="http://schemas.microsoft.com/office/drawing/2014/main" id="{17D44AC2-6682-4CAA-89F2-744F8C4F585C}"/>
+              </a:ext>
+            </a:extLst>
+          </p:cNvPr>
+          <p:cNvPicPr>
+            <a:picLocks noChangeAspect="1"/>
+          </p:cNvPicPr>
+          <p:nvPr/>
+        </p:nvPicPr>
+        <p:blipFill>
+          <a:blip r:embed="rId4">
+            <a:extLst>
+              <a:ext uri="{28A0092B-C50C-407E-A947-70E740481C1C}">
+                <a14:useLocalDpi xmlns:a14="http://schemas.microsoft.com/office/drawing/2010/main" val="0"/>
+              </a:ext>
+              <a:ext uri="{96DAC541-7B7A-43D3-8B79-37D633B846F1}">
+                <asvg:svgBlip xmlns:asvg="http://schemas.microsoft.com/office/drawing/2016/SVG/main" r:embed="rId5"/>
+              </a:ext>
+            </a:extLst>
+          </a:blip>
+          <a:stretch>
+            <a:fillRect/>
+          </a:stretch>
+        </p:blipFill>
+        <p:spPr>
+          <a:xfrm>
+            <a:off x="6349145" y="3728194"/>
+            <a:ext cx="617807" cy="617807"/>
+          </a:xfrm>
+          <a:prstGeom prst="rect">
+            <a:avLst/>
+          </a:prstGeom>
+        </p:spPr>
+      </p:pic>
+      <p:pic>
+        <p:nvPicPr>
+          <p:cNvPr id="55" name="Graphic 54">
+            <a:extLst>
+              <a:ext uri="{FF2B5EF4-FFF2-40B4-BE49-F238E27FC236}">
+                <a16:creationId xmlns:a16="http://schemas.microsoft.com/office/drawing/2014/main" id="{D7D2AF45-1DF0-4335-B431-0C96BD024D6D}"/>
+              </a:ext>
+            </a:extLst>
+          </p:cNvPr>
+          <p:cNvPicPr>
+            <a:picLocks noChangeAspect="1"/>
+          </p:cNvPicPr>
+          <p:nvPr/>
+        </p:nvPicPr>
+        <p:blipFill>
+          <a:blip r:embed="rId4">
+            <a:extLst>
+              <a:ext uri="{28A0092B-C50C-407E-A947-70E740481C1C}">
+                <a14:useLocalDpi xmlns:a14="http://schemas.microsoft.com/office/drawing/2010/main" val="0"/>
+              </a:ext>
+              <a:ext uri="{96DAC541-7B7A-43D3-8B79-37D633B846F1}">
+                <asvg:svgBlip xmlns:asvg="http://schemas.microsoft.com/office/drawing/2016/SVG/main" r:embed="rId5"/>
+              </a:ext>
+            </a:extLst>
+          </a:blip>
+          <a:stretch>
+            <a:fillRect/>
+          </a:stretch>
+        </p:blipFill>
+        <p:spPr>
+          <a:xfrm>
+            <a:off x="5962285" y="4320546"/>
+            <a:ext cx="617807" cy="617807"/>
+          </a:xfrm>
+          <a:prstGeom prst="rect">
+            <a:avLst/>
+          </a:prstGeom>
+        </p:spPr>
+      </p:pic>
+      <p:pic>
+        <p:nvPicPr>
+          <p:cNvPr id="56" name="Graphic 55">
+            <a:extLst>
+              <a:ext uri="{FF2B5EF4-FFF2-40B4-BE49-F238E27FC236}">
+                <a16:creationId xmlns:a16="http://schemas.microsoft.com/office/drawing/2014/main" id="{4CF4D4F7-6F3F-4329-8776-A3A3DE3BA446}"/>
+              </a:ext>
+            </a:extLst>
+          </p:cNvPr>
+          <p:cNvPicPr>
+            <a:picLocks noChangeAspect="1"/>
+          </p:cNvPicPr>
+          <p:nvPr/>
+        </p:nvPicPr>
+        <p:blipFill>
+          <a:blip r:embed="rId4">
+            <a:extLst>
+              <a:ext uri="{28A0092B-C50C-407E-A947-70E740481C1C}">
+                <a14:useLocalDpi xmlns:a14="http://schemas.microsoft.com/office/drawing/2010/main" val="0"/>
+              </a:ext>
+              <a:ext uri="{96DAC541-7B7A-43D3-8B79-37D633B846F1}">
+                <asvg:svgBlip xmlns:asvg="http://schemas.microsoft.com/office/drawing/2016/SVG/main" r:embed="rId5"/>
+              </a:ext>
+            </a:extLst>
+          </a:blip>
+          <a:stretch>
+            <a:fillRect/>
+          </a:stretch>
+        </p:blipFill>
+        <p:spPr>
+          <a:xfrm>
+            <a:off x="6155715" y="4458564"/>
+            <a:ext cx="617807" cy="617807"/>
+          </a:xfrm>
+          <a:prstGeom prst="rect">
+            <a:avLst/>
+          </a:prstGeom>
+        </p:spPr>
+      </p:pic>
+      <p:pic>
+        <p:nvPicPr>
+          <p:cNvPr id="57" name="Graphic 56">
+            <a:extLst>
+              <a:ext uri="{FF2B5EF4-FFF2-40B4-BE49-F238E27FC236}">
+                <a16:creationId xmlns:a16="http://schemas.microsoft.com/office/drawing/2014/main" id="{5AF67D2B-11B2-4BC4-97DC-8F7226B64C78}"/>
+              </a:ext>
+            </a:extLst>
+          </p:cNvPr>
+          <p:cNvPicPr>
+            <a:picLocks noChangeAspect="1"/>
+          </p:cNvPicPr>
+          <p:nvPr/>
+        </p:nvPicPr>
+        <p:blipFill>
+          <a:blip r:embed="rId4">
+            <a:extLst>
+              <a:ext uri="{28A0092B-C50C-407E-A947-70E740481C1C}">
+                <a14:useLocalDpi xmlns:a14="http://schemas.microsoft.com/office/drawing/2010/main" val="0"/>
+              </a:ext>
+              <a:ext uri="{96DAC541-7B7A-43D3-8B79-37D633B846F1}">
+                <asvg:svgBlip xmlns:asvg="http://schemas.microsoft.com/office/drawing/2016/SVG/main" r:embed="rId5"/>
+              </a:ext>
+            </a:extLst>
+          </a:blip>
+          <a:stretch>
+            <a:fillRect/>
+          </a:stretch>
+        </p:blipFill>
+        <p:spPr>
+          <a:xfrm>
+            <a:off x="6349145" y="4539024"/>
+            <a:ext cx="617807" cy="617807"/>
+          </a:xfrm>
+          <a:prstGeom prst="rect">
+            <a:avLst/>
+          </a:prstGeom>
+        </p:spPr>
+      </p:pic>
+      <p:pic>
+        <p:nvPicPr>
+          <p:cNvPr id="58" name="Graphic 57">
+            <a:extLst>
+              <a:ext uri="{FF2B5EF4-FFF2-40B4-BE49-F238E27FC236}">
+                <a16:creationId xmlns:a16="http://schemas.microsoft.com/office/drawing/2014/main" id="{1ED98BEC-017F-4F0E-AF77-D5DD7D18F860}"/>
+              </a:ext>
+            </a:extLst>
+          </p:cNvPr>
+          <p:cNvPicPr>
+            <a:picLocks noChangeAspect="1"/>
+          </p:cNvPicPr>
+          <p:nvPr/>
+        </p:nvPicPr>
+        <p:blipFill>
+          <a:blip r:embed="rId6">
+            <a:extLst>
+              <a:ext uri="{28A0092B-C50C-407E-A947-70E740481C1C}">
+                <a14:useLocalDpi xmlns:a14="http://schemas.microsoft.com/office/drawing/2010/main" val="0"/>
+              </a:ext>
+              <a:ext uri="{96DAC541-7B7A-43D3-8B79-37D633B846F1}">
+                <asvg:svgBlip xmlns:asvg="http://schemas.microsoft.com/office/drawing/2016/SVG/main" r:embed="rId7"/>
+              </a:ext>
+            </a:extLst>
+          </a:blip>
+          <a:stretch>
+            <a:fillRect/>
+          </a:stretch>
+        </p:blipFill>
+        <p:spPr>
+          <a:xfrm>
+            <a:off x="8161267" y="4317306"/>
+            <a:ext cx="1338750" cy="1338750"/>
+          </a:xfrm>
+          <a:prstGeom prst="rect">
+            <a:avLst/>
+          </a:prstGeom>
+        </p:spPr>
+      </p:pic>
+      <p:pic>
+        <p:nvPicPr>
+          <p:cNvPr id="59" name="Graphic 58">
+            <a:extLst>
+              <a:ext uri="{FF2B5EF4-FFF2-40B4-BE49-F238E27FC236}">
+                <a16:creationId xmlns:a16="http://schemas.microsoft.com/office/drawing/2014/main" id="{82064C8A-1957-4DF1-BD3B-F2AE3744D3E9}"/>
+              </a:ext>
+            </a:extLst>
+          </p:cNvPr>
+          <p:cNvPicPr>
+            <a:picLocks noChangeAspect="1"/>
+          </p:cNvPicPr>
+          <p:nvPr/>
+        </p:nvPicPr>
+        <p:blipFill>
+          <a:blip r:embed="rId6">
+            <a:extLst>
+              <a:ext uri="{28A0092B-C50C-407E-A947-70E740481C1C}">
+                <a14:useLocalDpi xmlns:a14="http://schemas.microsoft.com/office/drawing/2010/main" val="0"/>
+              </a:ext>
+              <a:ext uri="{96DAC541-7B7A-43D3-8B79-37D633B846F1}">
+                <asvg:svgBlip xmlns:asvg="http://schemas.microsoft.com/office/drawing/2016/SVG/main" r:embed="rId7"/>
+              </a:ext>
+            </a:extLst>
+          </a:blip>
+          <a:stretch>
+            <a:fillRect/>
+          </a:stretch>
+        </p:blipFill>
+        <p:spPr>
+          <a:xfrm>
+            <a:off x="9583414" y="3599603"/>
+            <a:ext cx="1338750" cy="1338750"/>
+          </a:xfrm>
+          <a:prstGeom prst="rect">
+            <a:avLst/>
+          </a:prstGeom>
+        </p:spPr>
+      </p:pic>
+      <p:sp>
+        <p:nvSpPr>
+          <p:cNvPr id="60" name="TextBox 59">
+            <a:extLst>
+              <a:ext uri="{FF2B5EF4-FFF2-40B4-BE49-F238E27FC236}">
+                <a16:creationId xmlns:a16="http://schemas.microsoft.com/office/drawing/2014/main" id="{BA59E5A2-76AB-4F93-B7EC-057F932E83FA}"/>
+              </a:ext>
+            </a:extLst>
+          </p:cNvPr>
+          <p:cNvSpPr txBox="1"/>
+          <p:nvPr/>
+        </p:nvSpPr>
+        <p:spPr>
+          <a:xfrm>
+            <a:off x="1131304" y="5882638"/>
+            <a:ext cx="815926" cy="369332"/>
+          </a:xfrm>
+          <a:prstGeom prst="rect">
+            <a:avLst/>
+          </a:prstGeom>
+          <a:noFill/>
+        </p:spPr>
+        <p:txBody>
+          <a:bodyPr wrap="square" rtlCol="0">
+            <a:spAutoFit/>
           </a:bodyPr>
           <a:lstStyle/>
           <a:p>
-            <a:pPr marL="0" indent="0">
-              <a:buNone/>
-            </a:pPr>
-            <a:r>
-              <a:rPr lang="en-US" sz="3200" dirty="0"/>
-              <a:t>Micro-services is</a:t>
-            </a:r>
-          </a:p>
-          <a:p>
             <a:r>
               <a:rPr lang="en-US" dirty="0"/>
-              <a:t>Clustering</a:t>
-            </a:r>
-          </a:p>
-          <a:p>
-            <a:r>
-              <a:rPr lang="en-US" dirty="0" err="1"/>
-              <a:t>Sharding</a:t>
-            </a:r>
-            <a:endParaRPr lang="en-US" dirty="0"/>
-          </a:p>
+              <a:t>Clients</a:t>
+            </a:r>
+            <a:endParaRPr lang="en-GB" dirty="0"/>
+          </a:p>
+        </p:txBody>
+      </p:sp>
+      <p:sp>
+        <p:nvSpPr>
+          <p:cNvPr id="61" name="TextBox 60">
+            <a:extLst>
+              <a:ext uri="{FF2B5EF4-FFF2-40B4-BE49-F238E27FC236}">
+                <a16:creationId xmlns:a16="http://schemas.microsoft.com/office/drawing/2014/main" id="{35F1599B-05CD-47D1-AC02-0B84C9D49B6D}"/>
+              </a:ext>
+            </a:extLst>
+          </p:cNvPr>
+          <p:cNvSpPr txBox="1"/>
+          <p:nvPr/>
+        </p:nvSpPr>
+        <p:spPr>
+          <a:xfrm>
+            <a:off x="3613764" y="5578573"/>
+            <a:ext cx="1064755" cy="646331"/>
+          </a:xfrm>
+          <a:prstGeom prst="rect">
+            <a:avLst/>
+          </a:prstGeom>
+          <a:noFill/>
+        </p:spPr>
+        <p:txBody>
+          <a:bodyPr wrap="square" rtlCol="0">
+            <a:spAutoFit/>
+          </a:bodyPr>
+          <a:lstStyle/>
           <a:p>
             <a:r>
               <a:rPr lang="en-US" dirty="0"/>
-              <a:t>Decentralized</a:t>
-            </a:r>
-          </a:p>
+              <a:t>REST API servers</a:t>
+            </a:r>
+            <a:endParaRPr lang="en-GB" dirty="0"/>
+          </a:p>
+        </p:txBody>
+      </p:sp>
+      <p:sp>
+        <p:nvSpPr>
+          <p:cNvPr id="62" name="TextBox 61">
+            <a:extLst>
+              <a:ext uri="{FF2B5EF4-FFF2-40B4-BE49-F238E27FC236}">
+                <a16:creationId xmlns:a16="http://schemas.microsoft.com/office/drawing/2014/main" id="{6B3B66F7-064E-4D52-B89D-574777E4E77D}"/>
+              </a:ext>
+            </a:extLst>
+          </p:cNvPr>
+          <p:cNvSpPr txBox="1"/>
+          <p:nvPr/>
+        </p:nvSpPr>
+        <p:spPr>
+          <a:xfrm>
+            <a:off x="6036920" y="5760361"/>
+            <a:ext cx="736602" cy="369332"/>
+          </a:xfrm>
+          <a:prstGeom prst="rect">
+            <a:avLst/>
+          </a:prstGeom>
+          <a:noFill/>
+        </p:spPr>
+        <p:txBody>
+          <a:bodyPr wrap="square" rtlCol="0">
+            <a:spAutoFit/>
+          </a:bodyPr>
+          <a:lstStyle/>
           <a:p>
             <a:r>
               <a:rPr lang="en-US" dirty="0"/>
-              <a:t>Fault tolerant/elastics/scale out</a:t>
-            </a:r>
-          </a:p>
+              <a:t>Kafka</a:t>
+            </a:r>
+            <a:endParaRPr lang="en-GB" dirty="0"/>
+          </a:p>
+        </p:txBody>
+      </p:sp>
+      <p:sp>
+        <p:nvSpPr>
+          <p:cNvPr id="63" name="TextBox 62">
+            <a:extLst>
+              <a:ext uri="{FF2B5EF4-FFF2-40B4-BE49-F238E27FC236}">
+                <a16:creationId xmlns:a16="http://schemas.microsoft.com/office/drawing/2014/main" id="{415F2F05-E82F-4C31-901E-2BC48D9741BB}"/>
+              </a:ext>
+            </a:extLst>
+          </p:cNvPr>
+          <p:cNvSpPr txBox="1"/>
+          <p:nvPr/>
+        </p:nvSpPr>
+        <p:spPr>
+          <a:xfrm>
+            <a:off x="8145146" y="5644273"/>
+            <a:ext cx="2253630" cy="369332"/>
+          </a:xfrm>
+          <a:prstGeom prst="rect">
+            <a:avLst/>
+          </a:prstGeom>
+          <a:noFill/>
+        </p:spPr>
+        <p:txBody>
+          <a:bodyPr wrap="square" rtlCol="0">
+            <a:spAutoFit/>
+          </a:bodyPr>
+          <a:lstStyle/>
           <a:p>
             <a:r>
               <a:rPr lang="en-US" dirty="0"/>
-              <a:t>Asynchronous &amp; parallel &amp; concurrent programing</a:t>
-            </a:r>
-          </a:p>
-          <a:p>
-            <a:r>
-              <a:rPr lang="en-US" dirty="0"/>
-              <a:t>Not a magic-stick</a:t>
-            </a:r>
-          </a:p>
-          <a:p>
-            <a:pPr lvl="1"/>
-            <a:r>
-              <a:rPr lang="en-US" dirty="0"/>
-              <a:t>Need good algorithm &amp; design &amp; optimizations</a:t>
-            </a:r>
-          </a:p>
-          <a:p>
+              <a:t>Service units</a:t>
+            </a:r>
             <a:endParaRPr lang="en-GB" dirty="0"/>
           </a:p>
-          <a:p>
-            <a:endParaRPr lang="en-GB" dirty="0"/>
-          </a:p>
-          <a:p>
-            <a:endParaRPr lang="en-GB" dirty="0"/>
-          </a:p>
-        </p:txBody>
-      </p:sp>
-      <p:sp>
-        <p:nvSpPr>
-          <p:cNvPr id="4" name="Footer Placeholder 3">
-            <a:extLst>
-              <a:ext uri="{FF2B5EF4-FFF2-40B4-BE49-F238E27FC236}">
-                <a16:creationId xmlns:a16="http://schemas.microsoft.com/office/drawing/2014/main" id="{D03321CF-7FE9-4FA9-969B-0A1B05A63888}"/>
+        </p:txBody>
+      </p:sp>
+      <p:cxnSp>
+        <p:nvCxnSpPr>
+          <p:cNvPr id="64" name="Straight Arrow Connector 63">
+            <a:extLst>
+              <a:ext uri="{FF2B5EF4-FFF2-40B4-BE49-F238E27FC236}">
+                <a16:creationId xmlns:a16="http://schemas.microsoft.com/office/drawing/2014/main" id="{EF2D609E-30E4-42DF-AD3A-7D54D1B828C1}"/>
+              </a:ext>
+            </a:extLst>
+          </p:cNvPr>
+          <p:cNvCxnSpPr>
+            <a:cxnSpLocks/>
+          </p:cNvCxnSpPr>
+          <p:nvPr/>
+        </p:nvCxnSpPr>
+        <p:spPr>
+          <a:xfrm>
+            <a:off x="2231840" y="4458564"/>
+            <a:ext cx="1294631" cy="1"/>
+          </a:xfrm>
+          <a:prstGeom prst="straightConnector1">
+            <a:avLst/>
+          </a:prstGeom>
+          <a:ln w="9525" cap="flat" cmpd="sng" algn="ctr">
+            <a:solidFill>
+              <a:schemeClr val="accent1"/>
+            </a:solidFill>
+            <a:prstDash val="solid"/>
+            <a:round/>
+            <a:headEnd type="arrow" w="med" len="med"/>
+            <a:tailEnd type="arrow" w="med" len="med"/>
+          </a:ln>
+        </p:spPr>
+        <p:style>
+          <a:lnRef idx="0">
+            <a:scrgbClr r="0" g="0" b="0"/>
+          </a:lnRef>
+          <a:fillRef idx="0">
+            <a:scrgbClr r="0" g="0" b="0"/>
+          </a:fillRef>
+          <a:effectRef idx="0">
+            <a:scrgbClr r="0" g="0" b="0"/>
+          </a:effectRef>
+          <a:fontRef idx="minor">
+            <a:schemeClr val="tx1"/>
+          </a:fontRef>
+        </p:style>
+      </p:cxnSp>
+      <p:pic>
+        <p:nvPicPr>
+          <p:cNvPr id="65" name="Graphic 64">
+            <a:extLst>
+              <a:ext uri="{FF2B5EF4-FFF2-40B4-BE49-F238E27FC236}">
+                <a16:creationId xmlns:a16="http://schemas.microsoft.com/office/drawing/2014/main" id="{981BBC79-ADB1-4D7B-87EC-6FC408912439}"/>
+              </a:ext>
+            </a:extLst>
+          </p:cNvPr>
+          <p:cNvPicPr>
+            <a:picLocks noChangeAspect="1"/>
+          </p:cNvPicPr>
+          <p:nvPr/>
+        </p:nvPicPr>
+        <p:blipFill>
+          <a:blip r:embed="rId6">
+            <a:extLst>
+              <a:ext uri="{28A0092B-C50C-407E-A947-70E740481C1C}">
+                <a14:useLocalDpi xmlns:a14="http://schemas.microsoft.com/office/drawing/2010/main" val="0"/>
+              </a:ext>
+              <a:ext uri="{96DAC541-7B7A-43D3-8B79-37D633B846F1}">
+                <asvg:svgBlip xmlns:asvg="http://schemas.microsoft.com/office/drawing/2016/SVG/main" r:embed="rId7"/>
+              </a:ext>
+            </a:extLst>
+          </a:blip>
+          <a:stretch>
+            <a:fillRect/>
+          </a:stretch>
+        </p:blipFill>
+        <p:spPr>
+          <a:xfrm>
+            <a:off x="8244664" y="3038708"/>
+            <a:ext cx="1338750" cy="1338750"/>
+          </a:xfrm>
+          <a:prstGeom prst="rect">
+            <a:avLst/>
+          </a:prstGeom>
+        </p:spPr>
+      </p:pic>
+      <p:cxnSp>
+        <p:nvCxnSpPr>
+          <p:cNvPr id="66" name="Straight Arrow Connector 65">
+            <a:extLst>
+              <a:ext uri="{FF2B5EF4-FFF2-40B4-BE49-F238E27FC236}">
+                <a16:creationId xmlns:a16="http://schemas.microsoft.com/office/drawing/2014/main" id="{B29D1F67-7C31-4C4A-9408-B826512C89E9}"/>
+              </a:ext>
+            </a:extLst>
+          </p:cNvPr>
+          <p:cNvCxnSpPr>
+            <a:cxnSpLocks/>
+          </p:cNvCxnSpPr>
+          <p:nvPr/>
+        </p:nvCxnSpPr>
+        <p:spPr>
+          <a:xfrm>
+            <a:off x="4551058" y="4458564"/>
+            <a:ext cx="1294631" cy="1"/>
+          </a:xfrm>
+          <a:prstGeom prst="straightConnector1">
+            <a:avLst/>
+          </a:prstGeom>
+          <a:ln w="9525" cap="flat" cmpd="sng" algn="ctr">
+            <a:solidFill>
+              <a:schemeClr val="accent1"/>
+            </a:solidFill>
+            <a:prstDash val="solid"/>
+            <a:round/>
+            <a:headEnd type="arrow" w="med" len="med"/>
+            <a:tailEnd type="arrow" w="med" len="med"/>
+          </a:ln>
+        </p:spPr>
+        <p:style>
+          <a:lnRef idx="0">
+            <a:scrgbClr r="0" g="0" b="0"/>
+          </a:lnRef>
+          <a:fillRef idx="0">
+            <a:scrgbClr r="0" g="0" b="0"/>
+          </a:fillRef>
+          <a:effectRef idx="0">
+            <a:scrgbClr r="0" g="0" b="0"/>
+          </a:effectRef>
+          <a:fontRef idx="minor">
+            <a:schemeClr val="tx1"/>
+          </a:fontRef>
+        </p:style>
+      </p:cxnSp>
+      <p:cxnSp>
+        <p:nvCxnSpPr>
+          <p:cNvPr id="67" name="Straight Arrow Connector 66">
+            <a:extLst>
+              <a:ext uri="{FF2B5EF4-FFF2-40B4-BE49-F238E27FC236}">
+                <a16:creationId xmlns:a16="http://schemas.microsoft.com/office/drawing/2014/main" id="{4A3BD868-17CB-44CF-A1C4-5D61889164CD}"/>
+              </a:ext>
+            </a:extLst>
+          </p:cNvPr>
+          <p:cNvCxnSpPr>
+            <a:cxnSpLocks/>
+          </p:cNvCxnSpPr>
+          <p:nvPr/>
+        </p:nvCxnSpPr>
+        <p:spPr>
+          <a:xfrm>
+            <a:off x="6898838" y="4458564"/>
+            <a:ext cx="1294631" cy="1"/>
+          </a:xfrm>
+          <a:prstGeom prst="straightConnector1">
+            <a:avLst/>
+          </a:prstGeom>
+          <a:ln w="9525" cap="flat" cmpd="sng" algn="ctr">
+            <a:solidFill>
+              <a:schemeClr val="accent1"/>
+            </a:solidFill>
+            <a:prstDash val="solid"/>
+            <a:round/>
+            <a:headEnd type="arrow" w="med" len="med"/>
+            <a:tailEnd type="arrow" w="med" len="med"/>
+          </a:ln>
+        </p:spPr>
+        <p:style>
+          <a:lnRef idx="0">
+            <a:scrgbClr r="0" g="0" b="0"/>
+          </a:lnRef>
+          <a:fillRef idx="0">
+            <a:scrgbClr r="0" g="0" b="0"/>
+          </a:fillRef>
+          <a:effectRef idx="0">
+            <a:scrgbClr r="0" g="0" b="0"/>
+          </a:effectRef>
+          <a:fontRef idx="minor">
+            <a:schemeClr val="tx1"/>
+          </a:fontRef>
+        </p:style>
+      </p:cxnSp>
+      <p:sp>
+        <p:nvSpPr>
+          <p:cNvPr id="68" name="Rectangle 67">
+            <a:extLst>
+              <a:ext uri="{FF2B5EF4-FFF2-40B4-BE49-F238E27FC236}">
+                <a16:creationId xmlns:a16="http://schemas.microsoft.com/office/drawing/2014/main" id="{9C66C649-CA01-4100-89ED-4846821A34B8}"/>
+              </a:ext>
+            </a:extLst>
+          </p:cNvPr>
+          <p:cNvSpPr/>
+          <p:nvPr/>
+        </p:nvSpPr>
+        <p:spPr>
+          <a:xfrm>
+            <a:off x="4823155" y="4593503"/>
+            <a:ext cx="867602" cy="161564"/>
+          </a:xfrm>
+          <a:prstGeom prst="rect">
+            <a:avLst/>
+          </a:prstGeom>
+          <a:noFill/>
+          <a:ln>
+            <a:solidFill>
+              <a:srgbClr val="FF0000"/>
+            </a:solidFill>
+          </a:ln>
+        </p:spPr>
+        <p:style>
+          <a:lnRef idx="2">
+            <a:schemeClr val="accent6"/>
+          </a:lnRef>
+          <a:fillRef idx="1">
+            <a:schemeClr val="lt1"/>
+          </a:fillRef>
+          <a:effectRef idx="0">
+            <a:schemeClr val="accent6"/>
+          </a:effectRef>
+          <a:fontRef idx="minor">
+            <a:schemeClr val="dk1"/>
+          </a:fontRef>
+        </p:style>
+        <p:txBody>
+          <a:bodyPr rtlCol="0" anchor="ctr"/>
+          <a:lstStyle/>
+          <a:p>
+            <a:pPr algn="ctr"/>
+            <a:endParaRPr lang="en-GB"/>
+          </a:p>
+        </p:txBody>
+      </p:sp>
+      <p:sp>
+        <p:nvSpPr>
+          <p:cNvPr id="69" name="Rectangle 68">
+            <a:extLst>
+              <a:ext uri="{FF2B5EF4-FFF2-40B4-BE49-F238E27FC236}">
+                <a16:creationId xmlns:a16="http://schemas.microsoft.com/office/drawing/2014/main" id="{B2EDFF6A-ABD4-4AF0-A78E-FDAC5C7E00F6}"/>
+              </a:ext>
+            </a:extLst>
+          </p:cNvPr>
+          <p:cNvSpPr/>
+          <p:nvPr/>
+        </p:nvSpPr>
+        <p:spPr>
+          <a:xfrm>
+            <a:off x="7090493" y="4593502"/>
+            <a:ext cx="867602" cy="161565"/>
+          </a:xfrm>
+          <a:prstGeom prst="rect">
+            <a:avLst/>
+          </a:prstGeom>
+          <a:noFill/>
+          <a:ln>
+            <a:solidFill>
+              <a:srgbClr val="FF0000"/>
+            </a:solidFill>
+          </a:ln>
+        </p:spPr>
+        <p:style>
+          <a:lnRef idx="2">
+            <a:schemeClr val="accent6"/>
+          </a:lnRef>
+          <a:fillRef idx="1">
+            <a:schemeClr val="lt1"/>
+          </a:fillRef>
+          <a:effectRef idx="0">
+            <a:schemeClr val="accent6"/>
+          </a:effectRef>
+          <a:fontRef idx="minor">
+            <a:schemeClr val="dk1"/>
+          </a:fontRef>
+        </p:style>
+        <p:txBody>
+          <a:bodyPr rtlCol="0" anchor="ctr"/>
+          <a:lstStyle/>
+          <a:p>
+            <a:pPr algn="ctr"/>
+            <a:endParaRPr lang="en-GB"/>
+          </a:p>
+        </p:txBody>
+      </p:sp>
+      <p:sp>
+        <p:nvSpPr>
+          <p:cNvPr id="70" name="Rectangle 69">
+            <a:extLst>
+              <a:ext uri="{FF2B5EF4-FFF2-40B4-BE49-F238E27FC236}">
+                <a16:creationId xmlns:a16="http://schemas.microsoft.com/office/drawing/2014/main" id="{1E4687A3-5E3B-429C-89FE-B0BB7DE464E7}"/>
+              </a:ext>
+            </a:extLst>
+          </p:cNvPr>
+          <p:cNvSpPr/>
+          <p:nvPr/>
+        </p:nvSpPr>
+        <p:spPr>
+          <a:xfrm>
+            <a:off x="3564663" y="3622178"/>
+            <a:ext cx="1133176" cy="1806910"/>
+          </a:xfrm>
+          <a:prstGeom prst="rect">
+            <a:avLst/>
+          </a:prstGeom>
+          <a:noFill/>
+          <a:ln>
+            <a:solidFill>
+              <a:srgbClr val="FF0000"/>
+            </a:solidFill>
+          </a:ln>
+        </p:spPr>
+        <p:style>
+          <a:lnRef idx="2">
+            <a:schemeClr val="accent6"/>
+          </a:lnRef>
+          <a:fillRef idx="1">
+            <a:schemeClr val="lt1"/>
+          </a:fillRef>
+          <a:effectRef idx="0">
+            <a:schemeClr val="accent6"/>
+          </a:effectRef>
+          <a:fontRef idx="minor">
+            <a:schemeClr val="dk1"/>
+          </a:fontRef>
+        </p:style>
+        <p:txBody>
+          <a:bodyPr rtlCol="0" anchor="ctr"/>
+          <a:lstStyle/>
+          <a:p>
+            <a:pPr algn="ctr"/>
+            <a:endParaRPr lang="en-GB"/>
+          </a:p>
+        </p:txBody>
+      </p:sp>
+      <p:sp>
+        <p:nvSpPr>
+          <p:cNvPr id="39" name="Footer Placeholder 38">
+            <a:extLst>
+              <a:ext uri="{FF2B5EF4-FFF2-40B4-BE49-F238E27FC236}">
+                <a16:creationId xmlns:a16="http://schemas.microsoft.com/office/drawing/2014/main" id="{9947990E-AD2F-4EB3-AA9F-D519C2ACB553}"/>
               </a:ext>
             </a:extLst>
           </p:cNvPr>
@@ -15910,7 +15641,7 @@
     </p:spTree>
     <p:extLst>
       <p:ext uri="{BB962C8B-B14F-4D97-AF65-F5344CB8AC3E}">
-        <p14:creationId xmlns:p14="http://schemas.microsoft.com/office/powerpoint/2010/main" val="3168391912"/>
+        <p14:creationId xmlns:p14="http://schemas.microsoft.com/office/powerpoint/2010/main" val="3167756212"/>
       </p:ext>
     </p:extLst>
   </p:cSld>
@@ -15942,7 +15673,7 @@
           <p:cNvPr id="2" name="Title 1">
             <a:extLst>
               <a:ext uri="{FF2B5EF4-FFF2-40B4-BE49-F238E27FC236}">
-                <a16:creationId xmlns:a16="http://schemas.microsoft.com/office/drawing/2014/main" id="{701CAB06-900C-4889-A862-55439B2D647E}"/>
+                <a16:creationId xmlns:a16="http://schemas.microsoft.com/office/drawing/2014/main" id="{4141C3C9-7B36-4431-B5FD-D23F990E22F0}"/>
               </a:ext>
             </a:extLst>
           </p:cNvPr>
@@ -15960,7 +15691,7 @@
           <a:p>
             <a:r>
               <a:rPr lang="en-US" dirty="0"/>
-              <a:t>Future research</a:t>
+              <a:t>Conclusions</a:t>
             </a:r>
             <a:endParaRPr lang="en-GB" dirty="0"/>
           </a:p>
@@ -15971,7 +15702,7 @@
           <p:cNvPr id="3" name="Content Placeholder 2">
             <a:extLst>
               <a:ext uri="{FF2B5EF4-FFF2-40B4-BE49-F238E27FC236}">
-                <a16:creationId xmlns:a16="http://schemas.microsoft.com/office/drawing/2014/main" id="{9163DF02-1A07-4585-BD07-AF94B6BAA094}"/>
+                <a16:creationId xmlns:a16="http://schemas.microsoft.com/office/drawing/2014/main" id="{566596BE-ADB3-462D-8428-7FF87934E971}"/>
               </a:ext>
             </a:extLst>
           </p:cNvPr>
@@ -15984,50 +15715,72 @@
         </p:nvSpPr>
         <p:spPr/>
         <p:txBody>
-          <a:bodyPr/>
-          <a:lstStyle/>
+          <a:bodyPr>
+            <a:normAutofit/>
+          </a:bodyPr>
+          <a:lstStyle/>
+          <a:p>
+            <a:pPr marL="0" indent="0">
+              <a:buNone/>
+            </a:pPr>
+            <a:r>
+              <a:rPr lang="en-US" sz="3200" dirty="0"/>
+              <a:t>Micro-services is</a:t>
+            </a:r>
+          </a:p>
           <a:p>
             <a:r>
               <a:rPr lang="en-US" dirty="0"/>
-              <a:t>Auto deploy &amp;</a:t>
-            </a:r>
-            <a:r>
-              <a:rPr lang="en-GB" dirty="0"/>
-              <a:t> scaling</a:t>
-            </a:r>
+              <a:t>Clustering</a:t>
+            </a:r>
+          </a:p>
+          <a:p>
+            <a:r>
+              <a:rPr lang="en-US" dirty="0" err="1"/>
+              <a:t>Sharding</a:t>
+            </a:r>
+            <a:endParaRPr lang="en-US" dirty="0"/>
+          </a:p>
+          <a:p>
             <a:r>
               <a:rPr lang="en-US" dirty="0"/>
-              <a:t> service nodes (Docker &amp; Kubernetes)</a:t>
+              <a:t>Decentralizing</a:t>
             </a:r>
           </a:p>
           <a:p>
             <a:r>
               <a:rPr lang="en-US" dirty="0"/>
-              <a:t>A micro-services framework that can auto balance micro-services to nodes in a cluster system</a:t>
+              <a:t>Fault tolerant/elastics/scale out</a:t>
+            </a:r>
+          </a:p>
+          <a:p>
+            <a:r>
+              <a:rPr lang="en-US" dirty="0"/>
+              <a:t>Asynchronous &amp; parallel &amp; concurrent programing</a:t>
+            </a:r>
+          </a:p>
+          <a:p>
+            <a:r>
+              <a:rPr lang="en-US" dirty="0"/>
+              <a:t>Not a magic-stick</a:t>
             </a:r>
           </a:p>
           <a:p>
             <a:pPr lvl="1"/>
             <a:r>
               <a:rPr lang="en-US" dirty="0"/>
-              <a:t>For example, currently I used 2 processing machines for 69 service nodes</a:t>
-            </a:r>
-          </a:p>
-          <a:p>
-            <a:pPr lvl="1"/>
-            <a:r>
-              <a:rPr lang="en-US" dirty="0"/>
-              <a:t>If I add another machine to processing-network, micro-services are auto re-organized so that 23 services run on each machine. </a:t>
-            </a:r>
-          </a:p>
-          <a:p>
-            <a:pPr lvl="1"/>
-            <a:r>
-              <a:rPr lang="en-US" dirty="0"/>
-              <a:t>Or auto re-organized by processing weight of each node so that the sum of processing weight would be same for each processing machine.</a:t>
-            </a:r>
+              <a:t>Need good algorithm &amp; design &amp; optimizations</a:t>
+            </a:r>
+          </a:p>
+          <a:p>
             <a:endParaRPr lang="en-GB" dirty="0"/>
           </a:p>
+          <a:p>
+            <a:endParaRPr lang="en-GB" dirty="0"/>
+          </a:p>
+          <a:p>
+            <a:endParaRPr lang="en-GB" dirty="0"/>
+          </a:p>
         </p:txBody>
       </p:sp>
       <p:sp>
@@ -16035,7 +15788,7 @@
           <p:cNvPr id="4" name="Footer Placeholder 3">
             <a:extLst>
               <a:ext uri="{FF2B5EF4-FFF2-40B4-BE49-F238E27FC236}">
-                <a16:creationId xmlns:a16="http://schemas.microsoft.com/office/drawing/2014/main" id="{1547B3BF-9F02-4E34-9A0B-FABA173FA38D}"/>
+                <a16:creationId xmlns:a16="http://schemas.microsoft.com/office/drawing/2014/main" id="{D03321CF-7FE9-4FA9-969B-0A1B05A63888}"/>
               </a:ext>
             </a:extLst>
           </p:cNvPr>
@@ -16061,7 +15814,7 @@
     </p:spTree>
     <p:extLst>
       <p:ext uri="{BB962C8B-B14F-4D97-AF65-F5344CB8AC3E}">
-        <p14:creationId xmlns:p14="http://schemas.microsoft.com/office/powerpoint/2010/main" val="1625583208"/>
+        <p14:creationId xmlns:p14="http://schemas.microsoft.com/office/powerpoint/2010/main" val="3168391912"/>
       </p:ext>
     </p:extLst>
   </p:cSld>
@@ -16093,7 +15846,7 @@
           <p:cNvPr id="2" name="Title 1">
             <a:extLst>
               <a:ext uri="{FF2B5EF4-FFF2-40B4-BE49-F238E27FC236}">
-                <a16:creationId xmlns:a16="http://schemas.microsoft.com/office/drawing/2014/main" id="{35457C3B-ED87-4A1E-A091-A90FE59FEA97}"/>
+                <a16:creationId xmlns:a16="http://schemas.microsoft.com/office/drawing/2014/main" id="{701CAB06-900C-4889-A862-55439B2D647E}"/>
               </a:ext>
             </a:extLst>
           </p:cNvPr>
@@ -16101,7 +15854,7 @@
             <a:spLocks noGrp="1"/>
           </p:cNvSpPr>
           <p:nvPr>
-            <p:ph type="ctrTitle"/>
+            <p:ph type="title"/>
           </p:nvPr>
         </p:nvSpPr>
         <p:spPr/>
@@ -16110,18 +15863,82 @@
           <a:lstStyle/>
           <a:p>
             <a:r>
-              <a:rPr lang="en-US" dirty="0">
-                <a:solidFill>
-                  <a:schemeClr val="accent1"/>
-                </a:solidFill>
-              </a:rPr>
-              <a:t>Q&amp;A</a:t>
-            </a:r>
-            <a:endParaRPr lang="en-GB" dirty="0">
-              <a:solidFill>
-                <a:schemeClr val="accent1"/>
-              </a:solidFill>
-            </a:endParaRPr>
+              <a:rPr lang="en-US" dirty="0"/>
+              <a:t>Future research</a:t>
+            </a:r>
+            <a:endParaRPr lang="en-GB" dirty="0"/>
+          </a:p>
+        </p:txBody>
+      </p:sp>
+      <p:sp>
+        <p:nvSpPr>
+          <p:cNvPr id="3" name="Content Placeholder 2">
+            <a:extLst>
+              <a:ext uri="{FF2B5EF4-FFF2-40B4-BE49-F238E27FC236}">
+                <a16:creationId xmlns:a16="http://schemas.microsoft.com/office/drawing/2014/main" id="{9163DF02-1A07-4585-BD07-AF94B6BAA094}"/>
+              </a:ext>
+            </a:extLst>
+          </p:cNvPr>
+          <p:cNvSpPr>
+            <a:spLocks noGrp="1"/>
+          </p:cNvSpPr>
+          <p:nvPr>
+            <p:ph idx="1"/>
+          </p:nvPr>
+        </p:nvSpPr>
+        <p:spPr/>
+        <p:txBody>
+          <a:bodyPr/>
+          <a:lstStyle/>
+          <a:p>
+            <a:r>
+              <a:rPr lang="en-US" dirty="0"/>
+              <a:t>Auto deploy &amp;</a:t>
+            </a:r>
+            <a:r>
+              <a:rPr lang="en-GB" dirty="0"/>
+              <a:t> scaling</a:t>
+            </a:r>
+            <a:r>
+              <a:rPr lang="en-US" dirty="0"/>
+              <a:t> </a:t>
+            </a:r>
+            <a:r>
+              <a:rPr lang="en-US" dirty="0" err="1"/>
+              <a:t>api</a:t>
+            </a:r>
+            <a:r>
+              <a:rPr lang="en-US" dirty="0"/>
+              <a:t>/service nodes (Docker &amp; Kubernetes)</a:t>
+            </a:r>
+          </a:p>
+          <a:p>
+            <a:r>
+              <a:rPr lang="en-US" dirty="0"/>
+              <a:t>A micro-services framework that can auto balance micro-services to nodes in a cluster system</a:t>
+            </a:r>
+          </a:p>
+          <a:p>
+            <a:pPr lvl="1"/>
+            <a:r>
+              <a:rPr lang="en-US" dirty="0"/>
+              <a:t>For example, currently I used 2 processing machines for 69 service nodes</a:t>
+            </a:r>
+          </a:p>
+          <a:p>
+            <a:pPr lvl="1"/>
+            <a:r>
+              <a:rPr lang="en-US" dirty="0"/>
+              <a:t>If I add another machine to processing-network, micro-services are auto re-organized so that 23 services run on each machine. </a:t>
+            </a:r>
+          </a:p>
+          <a:p>
+            <a:pPr lvl="1"/>
+            <a:r>
+              <a:rPr lang="en-US" dirty="0"/>
+              <a:t>Or auto re-organized by processing weight of each node so that the sum of processing weight would be same for each processing machine.</a:t>
+            </a:r>
+            <a:endParaRPr lang="en-GB" dirty="0"/>
           </a:p>
         </p:txBody>
       </p:sp>
@@ -16130,7 +15947,7 @@
           <p:cNvPr id="4" name="Footer Placeholder 3">
             <a:extLst>
               <a:ext uri="{FF2B5EF4-FFF2-40B4-BE49-F238E27FC236}">
-                <a16:creationId xmlns:a16="http://schemas.microsoft.com/office/drawing/2014/main" id="{2684719D-88DB-42BE-B6AB-629CF6D3C98A}"/>
+                <a16:creationId xmlns:a16="http://schemas.microsoft.com/office/drawing/2014/main" id="{1547B3BF-9F02-4E34-9A0B-FABA173FA38D}"/>
               </a:ext>
             </a:extLst>
           </p:cNvPr>
@@ -16156,7 +15973,7 @@
     </p:spTree>
     <p:extLst>
       <p:ext uri="{BB962C8B-B14F-4D97-AF65-F5344CB8AC3E}">
-        <p14:creationId xmlns:p14="http://schemas.microsoft.com/office/powerpoint/2010/main" val="4286881063"/>
+        <p14:creationId xmlns:p14="http://schemas.microsoft.com/office/powerpoint/2010/main" val="1625583208"/>
       </p:ext>
     </p:extLst>
   </p:cSld>
@@ -16188,7 +16005,7 @@
           <p:cNvPr id="2" name="Title 1">
             <a:extLst>
               <a:ext uri="{FF2B5EF4-FFF2-40B4-BE49-F238E27FC236}">
-                <a16:creationId xmlns:a16="http://schemas.microsoft.com/office/drawing/2014/main" id="{FF7DDBEA-3B65-4F76-975D-55F71797BD49}"/>
+                <a16:creationId xmlns:a16="http://schemas.microsoft.com/office/drawing/2014/main" id="{35457C3B-ED87-4A1E-A091-A90FE59FEA97}"/>
               </a:ext>
             </a:extLst>
           </p:cNvPr>
@@ -16196,7 +16013,7 @@
             <a:spLocks noGrp="1"/>
           </p:cNvSpPr>
           <p:nvPr>
-            <p:ph type="title"/>
+            <p:ph type="ctrTitle"/>
           </p:nvPr>
         </p:nvSpPr>
         <p:spPr/>
@@ -16205,179 +16022,18 @@
           <a:lstStyle/>
           <a:p>
             <a:r>
-              <a:rPr lang="en-US" dirty="0"/>
-              <a:t>Thanks</a:t>
-            </a:r>
-            <a:endParaRPr lang="en-GB" dirty="0"/>
-          </a:p>
-        </p:txBody>
-      </p:sp>
-      <p:sp>
-        <p:nvSpPr>
-          <p:cNvPr id="3" name="Content Placeholder 2">
-            <a:extLst>
-              <a:ext uri="{FF2B5EF4-FFF2-40B4-BE49-F238E27FC236}">
-                <a16:creationId xmlns:a16="http://schemas.microsoft.com/office/drawing/2014/main" id="{EFAD27F9-F5BC-45E9-B239-ACD254B68E22}"/>
-              </a:ext>
-            </a:extLst>
-          </p:cNvPr>
-          <p:cNvSpPr>
-            <a:spLocks noGrp="1"/>
-          </p:cNvSpPr>
-          <p:nvPr>
-            <p:ph idx="1"/>
-          </p:nvPr>
-        </p:nvSpPr>
-        <p:spPr/>
-        <p:txBody>
-          <a:bodyPr>
-            <a:normAutofit fontScale="92500" lnSpcReduction="10000"/>
-          </a:bodyPr>
-          <a:lstStyle/>
-          <a:p>
-            <a:r>
-              <a:rPr lang="en-US" dirty="0"/>
-              <a:t>Prof. </a:t>
-            </a:r>
-            <a:r>
-              <a:rPr lang="en-GB" dirty="0"/>
-              <a:t>Steve </a:t>
-            </a:r>
-            <a:r>
-              <a:rPr lang="en-GB" dirty="0" err="1"/>
-              <a:t>Nolle</a:t>
-            </a:r>
-            <a:r>
-              <a:rPr lang="en-GB" dirty="0"/>
-              <a:t> – MPP - </a:t>
-            </a:r>
-            <a:r>
-              <a:rPr lang="en-GB" sz="2400" dirty="0"/>
-              <a:t>Took me to Java would</a:t>
-            </a:r>
-          </a:p>
-          <a:p>
-            <a:r>
-              <a:rPr lang="en-GB" dirty="0"/>
-              <a:t>Prof. Rene de Jong – Software engineering - </a:t>
-            </a:r>
-            <a:r>
-              <a:rPr lang="en-GB" sz="2400" dirty="0"/>
-              <a:t>Sprint to finish this projects</a:t>
-            </a:r>
-            <a:endParaRPr lang="en-GB" dirty="0"/>
-          </a:p>
-          <a:p>
-            <a:r>
-              <a:rPr lang="en-GB" dirty="0" err="1"/>
-              <a:t>Ph.D</a:t>
-            </a:r>
-            <a:r>
-              <a:rPr lang="en-GB" dirty="0"/>
-              <a:t> Bruce Lester – Parallel programming - </a:t>
-            </a:r>
-            <a:r>
-              <a:rPr lang="en-GB" sz="2400" dirty="0"/>
-              <a:t>Parallel is powerful but be careful with collision and need good algorithm</a:t>
-            </a:r>
-            <a:endParaRPr lang="en-GB" dirty="0"/>
-          </a:p>
-          <a:p>
-            <a:r>
-              <a:rPr lang="en-GB" dirty="0"/>
-              <a:t>Prof. Asaad Saad – Modern web application - </a:t>
-            </a:r>
-            <a:r>
-              <a:rPr lang="en-GB" sz="2400" dirty="0"/>
-              <a:t>Asynchronous programming is awesome. </a:t>
-            </a:r>
-            <a:endParaRPr lang="en-GB" dirty="0"/>
-          </a:p>
-          <a:p>
-            <a:r>
-              <a:rPr lang="en-GB" dirty="0"/>
-              <a:t>Prof. </a:t>
-            </a:r>
-            <a:r>
-              <a:rPr lang="en-GB" dirty="0" err="1"/>
-              <a:t>Mrudula</a:t>
-            </a:r>
-            <a:r>
-              <a:rPr lang="en-GB" dirty="0"/>
-              <a:t> </a:t>
-            </a:r>
-            <a:r>
-              <a:rPr lang="en-GB" dirty="0" err="1"/>
-              <a:t>Mukadam</a:t>
-            </a:r>
-            <a:r>
-              <a:rPr lang="en-GB" dirty="0"/>
-              <a:t> - Big Data Technology - </a:t>
-            </a:r>
-            <a:r>
-              <a:rPr lang="en-GB" sz="2400" dirty="0"/>
-              <a:t>The power of cluster system.</a:t>
-            </a:r>
-          </a:p>
-          <a:p>
-            <a:r>
-              <a:rPr lang="en-GB" dirty="0"/>
-              <a:t>Prof. Michael </a:t>
-            </a:r>
-            <a:r>
-              <a:rPr lang="en-GB" dirty="0" err="1"/>
-              <a:t>Zijlstra</a:t>
-            </a:r>
-            <a:r>
-              <a:rPr lang="en-GB" dirty="0"/>
-              <a:t> - Enterprise Architecture - </a:t>
-            </a:r>
-            <a:r>
-              <a:rPr lang="en-GB" sz="2200" dirty="0"/>
-              <a:t>Micro–services, the cutting-edge technology</a:t>
-            </a:r>
-          </a:p>
-          <a:p>
-            <a:r>
-              <a:rPr lang="en-GB" dirty="0" err="1"/>
-              <a:t>Dr.</a:t>
-            </a:r>
-            <a:r>
-              <a:rPr lang="en-GB" dirty="0"/>
-              <a:t> Renuka </a:t>
-            </a:r>
-            <a:r>
-              <a:rPr lang="en-GB" dirty="0" err="1"/>
-              <a:t>Mohanraj</a:t>
-            </a:r>
-            <a:r>
-              <a:rPr lang="en-GB" dirty="0"/>
-              <a:t> – </a:t>
-            </a:r>
-            <a:r>
-              <a:rPr lang="en-GB" sz="2600" dirty="0"/>
-              <a:t>helped me a lot to have this teach talk.</a:t>
-            </a:r>
-            <a:endParaRPr lang="en-GB" dirty="0"/>
-          </a:p>
-          <a:p>
-            <a:r>
-              <a:rPr lang="en-GB" dirty="0"/>
-              <a:t>MUM </a:t>
-            </a:r>
-            <a:r>
-              <a:rPr lang="en-GB" dirty="0" err="1"/>
-              <a:t>Compro</a:t>
-            </a:r>
-            <a:r>
-              <a:rPr lang="en-GB" dirty="0"/>
-              <a:t> department - </a:t>
-            </a:r>
-            <a:r>
-              <a:rPr lang="en-GB" sz="2200" dirty="0"/>
-              <a:t>Took me to next level of development progress</a:t>
-            </a:r>
-            <a:endParaRPr lang="en-GB" dirty="0"/>
+              <a:rPr lang="en-US" dirty="0">
+                <a:solidFill>
+                  <a:schemeClr val="accent1"/>
+                </a:solidFill>
+              </a:rPr>
+              <a:t>Q&amp;A</a:t>
+            </a:r>
+            <a:endParaRPr lang="en-GB" dirty="0">
+              <a:solidFill>
+                <a:schemeClr val="accent1"/>
+              </a:solidFill>
+            </a:endParaRPr>
           </a:p>
         </p:txBody>
       </p:sp>
@@ -16386,7 +16042,7 @@
           <p:cNvPr id="4" name="Footer Placeholder 3">
             <a:extLst>
               <a:ext uri="{FF2B5EF4-FFF2-40B4-BE49-F238E27FC236}">
-                <a16:creationId xmlns:a16="http://schemas.microsoft.com/office/drawing/2014/main" id="{57653FE5-0000-4EFF-8130-E4B8C00A0824}"/>
+                <a16:creationId xmlns:a16="http://schemas.microsoft.com/office/drawing/2014/main" id="{2684719D-88DB-42BE-B6AB-629CF6D3C98A}"/>
               </a:ext>
             </a:extLst>
           </p:cNvPr>
@@ -16412,7 +16068,7 @@
     </p:spTree>
     <p:extLst>
       <p:ext uri="{BB962C8B-B14F-4D97-AF65-F5344CB8AC3E}">
-        <p14:creationId xmlns:p14="http://schemas.microsoft.com/office/powerpoint/2010/main" val="2346992060"/>
+        <p14:creationId xmlns:p14="http://schemas.microsoft.com/office/powerpoint/2010/main" val="4286881063"/>
       </p:ext>
     </p:extLst>
   </p:cSld>
@@ -16768,6 +16424,262 @@
 </p:sld>
 </file>
 
+<file path=ppt/slides/slide30.xml><?xml version="1.0" encoding="utf-8"?>
+<p:sld xmlns:a="http://schemas.openxmlformats.org/drawingml/2006/main" xmlns:r="http://schemas.openxmlformats.org/officeDocument/2006/relationships" xmlns:p="http://schemas.openxmlformats.org/presentationml/2006/main">
+  <p:cSld>
+    <p:spTree>
+      <p:nvGrpSpPr>
+        <p:cNvPr id="1" name=""/>
+        <p:cNvGrpSpPr/>
+        <p:nvPr/>
+      </p:nvGrpSpPr>
+      <p:grpSpPr>
+        <a:xfrm>
+          <a:off x="0" y="0"/>
+          <a:ext cx="0" cy="0"/>
+          <a:chOff x="0" y="0"/>
+          <a:chExt cx="0" cy="0"/>
+        </a:xfrm>
+      </p:grpSpPr>
+      <p:sp>
+        <p:nvSpPr>
+          <p:cNvPr id="2" name="Title 1">
+            <a:extLst>
+              <a:ext uri="{FF2B5EF4-FFF2-40B4-BE49-F238E27FC236}">
+                <a16:creationId xmlns:a16="http://schemas.microsoft.com/office/drawing/2014/main" id="{FF7DDBEA-3B65-4F76-975D-55F71797BD49}"/>
+              </a:ext>
+            </a:extLst>
+          </p:cNvPr>
+          <p:cNvSpPr>
+            <a:spLocks noGrp="1"/>
+          </p:cNvSpPr>
+          <p:nvPr>
+            <p:ph type="title"/>
+          </p:nvPr>
+        </p:nvSpPr>
+        <p:spPr/>
+        <p:txBody>
+          <a:bodyPr/>
+          <a:lstStyle/>
+          <a:p>
+            <a:r>
+              <a:rPr lang="en-US" dirty="0"/>
+              <a:t>Thanks</a:t>
+            </a:r>
+            <a:endParaRPr lang="en-GB" dirty="0"/>
+          </a:p>
+        </p:txBody>
+      </p:sp>
+      <p:sp>
+        <p:nvSpPr>
+          <p:cNvPr id="3" name="Content Placeholder 2">
+            <a:extLst>
+              <a:ext uri="{FF2B5EF4-FFF2-40B4-BE49-F238E27FC236}">
+                <a16:creationId xmlns:a16="http://schemas.microsoft.com/office/drawing/2014/main" id="{EFAD27F9-F5BC-45E9-B239-ACD254B68E22}"/>
+              </a:ext>
+            </a:extLst>
+          </p:cNvPr>
+          <p:cNvSpPr>
+            <a:spLocks noGrp="1"/>
+          </p:cNvSpPr>
+          <p:nvPr>
+            <p:ph idx="1"/>
+          </p:nvPr>
+        </p:nvSpPr>
+        <p:spPr/>
+        <p:txBody>
+          <a:bodyPr>
+            <a:normAutofit fontScale="92500" lnSpcReduction="10000"/>
+          </a:bodyPr>
+          <a:lstStyle/>
+          <a:p>
+            <a:r>
+              <a:rPr lang="en-US" dirty="0"/>
+              <a:t>Prof. </a:t>
+            </a:r>
+            <a:r>
+              <a:rPr lang="en-GB" dirty="0"/>
+              <a:t>Steve </a:t>
+            </a:r>
+            <a:r>
+              <a:rPr lang="en-GB" dirty="0" err="1"/>
+              <a:t>Nolle</a:t>
+            </a:r>
+            <a:r>
+              <a:rPr lang="en-GB" dirty="0"/>
+              <a:t> – MPP - </a:t>
+            </a:r>
+            <a:r>
+              <a:rPr lang="en-GB" sz="2400" dirty="0"/>
+              <a:t>Took me to Java would</a:t>
+            </a:r>
+          </a:p>
+          <a:p>
+            <a:r>
+              <a:rPr lang="en-GB" dirty="0"/>
+              <a:t>Prof. Rene de Jong – Software engineering - </a:t>
+            </a:r>
+            <a:r>
+              <a:rPr lang="en-GB" sz="2400" dirty="0"/>
+              <a:t>Sprints to finish this projects</a:t>
+            </a:r>
+            <a:endParaRPr lang="en-GB" dirty="0"/>
+          </a:p>
+          <a:p>
+            <a:r>
+              <a:rPr lang="en-GB" dirty="0" err="1"/>
+              <a:t>Ph.D</a:t>
+            </a:r>
+            <a:r>
+              <a:rPr lang="en-GB" dirty="0"/>
+              <a:t> Bruce Lester – Parallel programming - </a:t>
+            </a:r>
+            <a:r>
+              <a:rPr lang="en-GB" sz="2400" dirty="0"/>
+              <a:t>Parallel is powerful but be careful with collision and need good algorithm</a:t>
+            </a:r>
+            <a:endParaRPr lang="en-GB" dirty="0"/>
+          </a:p>
+          <a:p>
+            <a:r>
+              <a:rPr lang="en-GB" dirty="0"/>
+              <a:t>Prof. Asaad Saad – Modern web application - </a:t>
+            </a:r>
+            <a:r>
+              <a:rPr lang="en-GB" sz="2400" dirty="0"/>
+              <a:t>Asynchronous programming is awesome. </a:t>
+            </a:r>
+            <a:endParaRPr lang="en-GB" dirty="0"/>
+          </a:p>
+          <a:p>
+            <a:r>
+              <a:rPr lang="en-GB" dirty="0"/>
+              <a:t>Prof. </a:t>
+            </a:r>
+            <a:r>
+              <a:rPr lang="en-GB" dirty="0" err="1"/>
+              <a:t>Mrudula</a:t>
+            </a:r>
+            <a:r>
+              <a:rPr lang="en-GB" dirty="0"/>
+              <a:t> </a:t>
+            </a:r>
+            <a:r>
+              <a:rPr lang="en-GB" dirty="0" err="1"/>
+              <a:t>Mukadam</a:t>
+            </a:r>
+            <a:r>
+              <a:rPr lang="en-GB" dirty="0"/>
+              <a:t> - Big Data Technology - </a:t>
+            </a:r>
+            <a:r>
+              <a:rPr lang="en-GB" sz="2400" dirty="0"/>
+              <a:t>The power of cluster system.</a:t>
+            </a:r>
+          </a:p>
+          <a:p>
+            <a:r>
+              <a:rPr lang="en-GB" dirty="0"/>
+              <a:t>Prof. Michael </a:t>
+            </a:r>
+            <a:r>
+              <a:rPr lang="en-GB" dirty="0" err="1"/>
+              <a:t>Zijlstra</a:t>
+            </a:r>
+            <a:r>
+              <a:rPr lang="en-GB" dirty="0"/>
+              <a:t> - Enterprise Architecture - </a:t>
+            </a:r>
+            <a:r>
+              <a:rPr lang="en-GB" sz="2200" dirty="0"/>
+              <a:t>Micro–services, the cutting-edge technology</a:t>
+            </a:r>
+          </a:p>
+          <a:p>
+            <a:r>
+              <a:rPr lang="en-GB" dirty="0" err="1"/>
+              <a:t>Dr.</a:t>
+            </a:r>
+            <a:r>
+              <a:rPr lang="en-GB" dirty="0"/>
+              <a:t> Renuka </a:t>
+            </a:r>
+            <a:r>
+              <a:rPr lang="en-GB" dirty="0" err="1"/>
+              <a:t>Mohanraj</a:t>
+            </a:r>
+            <a:r>
+              <a:rPr lang="en-GB" dirty="0"/>
+              <a:t> – </a:t>
+            </a:r>
+            <a:r>
+              <a:rPr lang="en-GB" sz="2600" dirty="0"/>
+              <a:t>helped me a lot to have this teach talk.</a:t>
+            </a:r>
+            <a:endParaRPr lang="en-GB" dirty="0"/>
+          </a:p>
+          <a:p>
+            <a:r>
+              <a:rPr lang="en-GB" dirty="0"/>
+              <a:t>MUM </a:t>
+            </a:r>
+            <a:r>
+              <a:rPr lang="en-GB" dirty="0" err="1"/>
+              <a:t>Compro</a:t>
+            </a:r>
+            <a:r>
+              <a:rPr lang="en-GB" dirty="0"/>
+              <a:t> department - </a:t>
+            </a:r>
+            <a:r>
+              <a:rPr lang="en-GB" sz="2200" dirty="0"/>
+              <a:t>Took me to next level of development progress</a:t>
+            </a:r>
+            <a:endParaRPr lang="en-GB" dirty="0"/>
+          </a:p>
+        </p:txBody>
+      </p:sp>
+      <p:sp>
+        <p:nvSpPr>
+          <p:cNvPr id="4" name="Footer Placeholder 3">
+            <a:extLst>
+              <a:ext uri="{FF2B5EF4-FFF2-40B4-BE49-F238E27FC236}">
+                <a16:creationId xmlns:a16="http://schemas.microsoft.com/office/drawing/2014/main" id="{57653FE5-0000-4EFF-8130-E4B8C00A0824}"/>
+              </a:ext>
+            </a:extLst>
+          </p:cNvPr>
+          <p:cNvSpPr>
+            <a:spLocks noGrp="1"/>
+          </p:cNvSpPr>
+          <p:nvPr>
+            <p:ph type="ftr" sz="quarter" idx="11"/>
+          </p:nvPr>
+        </p:nvSpPr>
+        <p:spPr/>
+        <p:txBody>
+          <a:bodyPr/>
+          <a:lstStyle/>
+          <a:p>
+            <a:r>
+              <a:rPr lang="en-GB"/>
+              <a:t>MUM-Compro tech talk – July 06, 2019</a:t>
+            </a:r>
+          </a:p>
+        </p:txBody>
+      </p:sp>
+    </p:spTree>
+    <p:extLst>
+      <p:ext uri="{BB962C8B-B14F-4D97-AF65-F5344CB8AC3E}">
+        <p14:creationId xmlns:p14="http://schemas.microsoft.com/office/powerpoint/2010/main" val="2346992060"/>
+      </p:ext>
+    </p:extLst>
+  </p:cSld>
+  <p:clrMapOvr>
+    <a:masterClrMapping/>
+  </p:clrMapOvr>
+</p:sld>
+</file>
+
 <file path=ppt/slides/slide4.xml><?xml version="1.0" encoding="utf-8"?>
 <p:sld xmlns:a="http://schemas.openxmlformats.org/drawingml/2006/main" xmlns:r="http://schemas.openxmlformats.org/officeDocument/2006/relationships" xmlns:p="http://schemas.openxmlformats.org/presentationml/2006/main">
   <p:cSld>
@@ -17017,6 +16929,12 @@
           <a:p>
             <a:r>
               <a:rPr lang="en-GB" dirty="0"/>
+              <a:t>Serving requests from 60K clients</a:t>
+            </a:r>
+          </a:p>
+          <a:p>
+            <a:r>
+              <a:rPr lang="en-GB" dirty="0"/>
               <a:t>Simulated by </a:t>
             </a:r>
           </a:p>
@@ -17170,7 +17088,7 @@
               <a:rPr lang="en-US" dirty="0">
                 <a:sym typeface="Wingdings" panose="05000000000000000000" pitchFamily="2" charset="2"/>
               </a:rPr>
-              <a:t>clustering</a:t>
+              <a:t>Clustering</a:t>
             </a:r>
             <a:r>
               <a:rPr lang="en-US" dirty="0"/>
@@ -17332,7 +17250,7 @@
         <p:spPr>
           <a:xfrm>
             <a:off x="838200" y="1825625"/>
-            <a:ext cx="5562600" cy="4351338"/>
+            <a:ext cx="5696610" cy="4351338"/>
           </a:xfrm>
         </p:spPr>
         <p:txBody>
@@ -17349,14 +17267,21 @@
             </a:r>
             <a:r>
               <a:rPr lang="en-US" dirty="0"/>
-              <a:t> is not efficient</a:t>
+              <a:t> is not efficient enough</a:t>
             </a:r>
           </a:p>
           <a:p>
             <a:pPr lvl="1"/>
             <a:r>
               <a:rPr lang="en-US" dirty="0"/>
-              <a:t>Every single search request have to be processed by all nodes</a:t>
+              <a:t>Searching based on location</a:t>
+            </a:r>
+          </a:p>
+          <a:p>
+            <a:pPr lvl="1"/>
+            <a:r>
+              <a:rPr lang="en-US" dirty="0"/>
+              <a:t>Every search request have to be processed by all nodes</a:t>
             </a:r>
           </a:p>
           <a:p>
@@ -17369,9 +17294,6 @@
               <a:rPr lang="en-US" dirty="0" err="1"/>
               <a:t>shardings</a:t>
             </a:r>
-            <a:endParaRPr lang="en-US" dirty="0"/>
-          </a:p>
-          <a:p>
             <a:endParaRPr lang="en-US" dirty="0"/>
           </a:p>
           <a:p>
@@ -17498,6 +17420,97 @@
   <p:clrMapOvr>
     <a:masterClrMapping/>
   </p:clrMapOvr>
+  <p:timing>
+    <p:tnLst>
+      <p:par>
+        <p:cTn id="1" dur="indefinite" restart="never" nodeType="tmRoot">
+          <p:childTnLst>
+            <p:seq concurrent="1" nextAc="seek">
+              <p:cTn id="2" dur="indefinite" nodeType="mainSeq">
+                <p:childTnLst>
+                  <p:par>
+                    <p:cTn id="3" fill="hold">
+                      <p:stCondLst>
+                        <p:cond delay="indefinite"/>
+                      </p:stCondLst>
+                      <p:childTnLst>
+                        <p:par>
+                          <p:cTn id="4" fill="hold">
+                            <p:stCondLst>
+                              <p:cond delay="0"/>
+                            </p:stCondLst>
+                            <p:childTnLst>
+                              <p:par>
+                                <p:cTn id="5" presetID="10" presetClass="entr" presetSubtype="0" fill="hold" nodeType="clickEffect">
+                                  <p:stCondLst>
+                                    <p:cond delay="0"/>
+                                  </p:stCondLst>
+                                  <p:childTnLst>
+                                    <p:set>
+                                      <p:cBhvr>
+                                        <p:cTn id="6" dur="1" fill="hold">
+                                          <p:stCondLst>
+                                            <p:cond delay="0"/>
+                                          </p:stCondLst>
+                                        </p:cTn>
+                                        <p:tgtEl>
+                                          <p:spTgt spid="3">
+                                            <p:txEl>
+                                              <p:pRg st="4" end="4"/>
+                                            </p:txEl>
+                                          </p:spTgt>
+                                        </p:tgtEl>
+                                        <p:attrNameLst>
+                                          <p:attrName>style.visibility</p:attrName>
+                                        </p:attrNameLst>
+                                      </p:cBhvr>
+                                      <p:to>
+                                        <p:strVal val="visible"/>
+                                      </p:to>
+                                    </p:set>
+                                    <p:animEffect transition="in" filter="fade">
+                                      <p:cBhvr>
+                                        <p:cTn id="7" dur="500"/>
+                                        <p:tgtEl>
+                                          <p:spTgt spid="3">
+                                            <p:txEl>
+                                              <p:pRg st="4" end="4"/>
+                                            </p:txEl>
+                                          </p:spTgt>
+                                        </p:tgtEl>
+                                      </p:cBhvr>
+                                    </p:animEffect>
+                                  </p:childTnLst>
+                                </p:cTn>
+                              </p:par>
+                            </p:childTnLst>
+                          </p:cTn>
+                        </p:par>
+                      </p:childTnLst>
+                    </p:cTn>
+                  </p:par>
+                </p:childTnLst>
+              </p:cTn>
+              <p:prevCondLst>
+                <p:cond evt="onPrev" delay="0">
+                  <p:tgtEl>
+                    <p:sldTgt/>
+                  </p:tgtEl>
+                </p:cond>
+              </p:prevCondLst>
+              <p:nextCondLst>
+                <p:cond evt="onNext" delay="0">
+                  <p:tgtEl>
+                    <p:sldTgt/>
+                  </p:tgtEl>
+                </p:cond>
+              </p:nextCondLst>
+            </p:seq>
+          </p:childTnLst>
+        </p:cTn>
+      </p:par>
+    </p:tnLst>
+  </p:timing>
 </p:sld>
 </file>
 
@@ -17541,7 +17554,7 @@
           <a:p>
             <a:r>
               <a:rPr lang="en-US" dirty="0"/>
-              <a:t>Hierarchy geo-based </a:t>
+              <a:t>Hierarchical geo-based </a:t>
             </a:r>
             <a:r>
               <a:rPr lang="en-US" dirty="0" err="1"/>
@@ -17587,7 +17600,7 @@
           <a:p>
             <a:r>
               <a:rPr lang="en-US" dirty="0"/>
-              <a:t>Hub structure is a tree</a:t>
+              <a:t>Hubs are structured in a tree</a:t>
             </a:r>
           </a:p>
           <a:p>
@@ -18568,7 +18581,7 @@
           <a:p>
             <a:r>
               <a:rPr lang="en-US" dirty="0"/>
-              <a:t>Hierarchy geo-based </a:t>
+              <a:t>Hierarchical geo-based </a:t>
             </a:r>
             <a:r>
               <a:rPr lang="en-US" dirty="0" err="1"/>
@@ -19045,7 +19058,7 @@
             <a:avLst/>
           </a:prstGeom>
           <a:solidFill>
-            <a:srgbClr val="FF0000"/>
+            <a:srgbClr val="0070C0"/>
           </a:solidFill>
         </p:spPr>
         <p:style>

--- a/slide.pptx
+++ b/slide.pptx
@@ -3886,8 +3886,8 @@
         </p:nvSpPr>
         <p:spPr>
           <a:xfrm>
-            <a:off x="901148" y="1214438"/>
-            <a:ext cx="10535478" cy="2387600"/>
+            <a:off x="901147" y="1214438"/>
+            <a:ext cx="10747513" cy="2387600"/>
           </a:xfrm>
         </p:spPr>
         <p:txBody>
@@ -3902,7 +3902,7 @@
                   <a:schemeClr val="accent1"/>
                 </a:solidFill>
               </a:rPr>
-              <a:t>Overcome challenges of </a:t>
+              <a:t>Hierarchical geo-based micro-services</a:t>
             </a:r>
             <a:br>
               <a:rPr lang="en-US" dirty="0">
@@ -3917,7 +3917,22 @@
                   <a:schemeClr val="accent1"/>
                 </a:solidFill>
               </a:rPr>
-              <a:t>tracking-searching problem by hierarchical geo-based micro-services</a:t>
+              <a:t>to overcome challenges of </a:t>
+            </a:r>
+            <a:br>
+              <a:rPr lang="en-US" dirty="0">
+                <a:solidFill>
+                  <a:schemeClr val="accent1"/>
+                </a:solidFill>
+              </a:rPr>
+            </a:br>
+            <a:r>
+              <a:rPr lang="en-US" dirty="0">
+                <a:solidFill>
+                  <a:schemeClr val="accent1"/>
+                </a:solidFill>
+              </a:rPr>
+              <a:t>tracking-searching problem</a:t>
             </a:r>
             <a:endParaRPr lang="en-GB" dirty="0">
               <a:solidFill>
@@ -6804,7 +6819,7 @@
           <a:p>
             <a:r>
               <a:rPr lang="en-GB" dirty="0"/>
-              <a:t>2 machine for REST </a:t>
+              <a:t>2 machines for REST </a:t>
             </a:r>
             <a:r>
               <a:rPr lang="en-GB" dirty="0" err="1"/>
@@ -7309,7 +7324,7 @@
         </p:spPr>
         <p:txBody>
           <a:bodyPr>
-            <a:normAutofit lnSpcReduction="10000"/>
+            <a:normAutofit/>
           </a:bodyPr>
           <a:lstStyle/>
           <a:p>
@@ -7327,14 +7342,14 @@
           <a:p>
             <a:r>
               <a:rPr lang="en-US" dirty="0"/>
-              <a:t>Each micro-service node handle 2 hub-based message topics from specific Kafka</a:t>
+              <a:t>Each micro-service node handle 2 hub-based message topics (tracking/searching) from a specific Kafka</a:t>
             </a:r>
           </a:p>
           <a:p>
             <a:pPr lvl="1"/>
             <a:r>
               <a:rPr lang="en-US" dirty="0"/>
-              <a:t>Total 69x2 (tracking/searching) topics for test case.</a:t>
+              <a:t>Total 69x2 topics for test case.</a:t>
             </a:r>
           </a:p>
           <a:p>
@@ -7361,13 +7376,6 @@
             </a:r>
           </a:p>
           <a:p>
-            <a:pPr lvl="1"/>
-            <a:r>
-              <a:rPr lang="en-GB" dirty="0"/>
-              <a:t>Separate storage so that no need kind of node like MongoDB master (decentralized)</a:t>
-            </a:r>
-          </a:p>
-          <a:p>
             <a:r>
               <a:rPr lang="en-US" dirty="0"/>
               <a:t>Each hub ~ [</a:t>
@@ -7384,7 +7392,7 @@
           <a:p>
             <a:r>
               <a:rPr lang="en-US" dirty="0"/>
-              <a:t>Hubs grouped by zone (each zone has 1 Kafka server)</a:t>
+              <a:t>Hubs grouped by zone (each zone covered by 1 Kafka server)</a:t>
             </a:r>
             <a:endParaRPr lang="en-GB" dirty="0"/>
           </a:p>
@@ -8032,7 +8040,7 @@
         </p:blipFill>
         <p:spPr>
           <a:xfrm>
-            <a:off x="5606154" y="3844252"/>
+            <a:off x="5606154" y="3990024"/>
             <a:ext cx="617807" cy="617807"/>
           </a:xfrm>
           <a:prstGeom prst="rect">
@@ -8071,7 +8079,7 @@
         </p:blipFill>
         <p:spPr>
           <a:xfrm>
-            <a:off x="5799584" y="3982270"/>
+            <a:off x="5799584" y="4128042"/>
             <a:ext cx="617807" cy="617807"/>
           </a:xfrm>
           <a:prstGeom prst="rect">
@@ -8110,7 +8118,7 @@
         </p:blipFill>
         <p:spPr>
           <a:xfrm>
-            <a:off x="5993014" y="4062730"/>
+            <a:off x="5993014" y="4208502"/>
             <a:ext cx="617807" cy="617807"/>
           </a:xfrm>
           <a:prstGeom prst="rect">
@@ -8568,7 +8576,7 @@
         <p:spPr>
           <a:xfrm>
             <a:off x="4464817" y="2862401"/>
-            <a:ext cx="1043269" cy="1020940"/>
+            <a:ext cx="1141337" cy="1127623"/>
           </a:xfrm>
           <a:prstGeom prst="straightConnector1">
             <a:avLst/>
@@ -8708,8 +8716,8 @@
         </p:nvCxnSpPr>
         <p:spPr>
           <a:xfrm>
-            <a:off x="6778659" y="4414733"/>
-            <a:ext cx="859264" cy="84812"/>
+            <a:off x="6765376" y="4499545"/>
+            <a:ext cx="872547" cy="0"/>
           </a:xfrm>
           <a:prstGeom prst="straightConnector1">
             <a:avLst/>
@@ -9267,29 +9275,13 @@
           <a:p>
             <a:r>
               <a:rPr lang="en-GB" dirty="0"/>
-              <a:t>1 machine for REST </a:t>
-            </a:r>
-            <a:r>
-              <a:rPr lang="en-GB" dirty="0" err="1"/>
-              <a:t>api</a:t>
-            </a:r>
+              <a:t>1 machine for REST API on Netty to handle tracking requests</a:t>
+            </a:r>
+          </a:p>
+          <a:p>
             <a:r>
               <a:rPr lang="en-GB" dirty="0"/>
-              <a:t> on Netty to handle tracking requests</a:t>
-            </a:r>
-          </a:p>
-          <a:p>
-            <a:r>
-              <a:rPr lang="en-GB" dirty="0"/>
-              <a:t>1 machine for REST </a:t>
-            </a:r>
-            <a:r>
-              <a:rPr lang="en-GB" dirty="0" err="1"/>
-              <a:t>api</a:t>
-            </a:r>
-            <a:r>
-              <a:rPr lang="en-GB" dirty="0"/>
-              <a:t> on Netty to handle searching requests</a:t>
+              <a:t>1 machine for REST API on Netty to handle searching requests</a:t>
             </a:r>
           </a:p>
           <a:p>
@@ -12505,7 +12497,7 @@
         </p:nvSpPr>
         <p:spPr>
           <a:xfrm>
-            <a:off x="1074911" y="3102294"/>
+            <a:off x="1082229" y="3493044"/>
             <a:ext cx="914400" cy="612648"/>
           </a:xfrm>
           <a:prstGeom prst="cloudCallout">
@@ -12599,7 +12591,7 @@
         </p:nvSpPr>
         <p:spPr>
           <a:xfrm>
-            <a:off x="1074911" y="5280434"/>
+            <a:off x="1033626" y="5043408"/>
             <a:ext cx="914400" cy="612648"/>
           </a:xfrm>
           <a:prstGeom prst="cloudCallout">
@@ -13075,7 +13067,7 @@
         </p:nvSpPr>
         <p:spPr>
           <a:xfrm>
-            <a:off x="1074911" y="6123543"/>
+            <a:off x="1062523" y="5828939"/>
             <a:ext cx="815926" cy="369332"/>
           </a:xfrm>
           <a:prstGeom prst="rect">
@@ -15691,7 +15683,7 @@
           <a:p>
             <a:r>
               <a:rPr lang="en-US" dirty="0"/>
-              <a:t>Conclusions</a:t>
+              <a:t>Conclusions - Micro-services is …</a:t>
             </a:r>
             <a:endParaRPr lang="en-GB" dirty="0"/>
           </a:p>
@@ -15719,15 +15711,6 @@
             <a:normAutofit/>
           </a:bodyPr>
           <a:lstStyle/>
-          <a:p>
-            <a:pPr marL="0" indent="0">
-              <a:buNone/>
-            </a:pPr>
-            <a:r>
-              <a:rPr lang="en-US" sz="3200" dirty="0"/>
-              <a:t>Micro-services is</a:t>
-            </a:r>
-          </a:p>
           <a:p>
             <a:r>
               <a:rPr lang="en-US" dirty="0"/>
@@ -16929,7 +16912,7 @@
           <a:p>
             <a:r>
               <a:rPr lang="en-GB" dirty="0"/>
-              <a:t>Serving requests from 60K clients</a:t>
+              <a:t>Serving searching requests from 60K clients</a:t>
             </a:r>
           </a:p>
           <a:p>

--- a/slide.pptx
+++ b/slide.pptx
@@ -9642,7 +9642,7 @@
           <a:p>
             <a:r>
               <a:rPr lang="en-GB" dirty="0"/>
-              <a:t>Easily indefinitely scaling out because of decentralizing</a:t>
+              <a:t>Easily, indefinitely scaling out because of decentralizing</a:t>
             </a:r>
           </a:p>
         </p:txBody>
@@ -12392,7 +12392,7 @@
             <a:pPr lvl="1"/>
             <a:r>
               <a:rPr lang="en-US" dirty="0"/>
-              <a:t>By chained read/write.</a:t>
+              <a:t>By chaining read/write.</a:t>
             </a:r>
           </a:p>
           <a:p>
@@ -14545,7 +14545,7 @@
             <a:pPr lvl="1"/>
             <a:r>
               <a:rPr lang="en-US" dirty="0"/>
-              <a:t>Optimizing by memory buffer</a:t>
+              <a:t>Optimize by memory buffer</a:t>
             </a:r>
           </a:p>
           <a:p>
@@ -17610,7 +17610,15 @@
           <a:p>
             <a:r>
               <a:rPr lang="en-US" dirty="0"/>
-              <a:t>Small number of node in tree, can be cache in memory for fast </a:t>
+              <a:t>Small </a:t>
+            </a:r>
+            <a:r>
+              <a:rPr lang="en-US"/>
+              <a:t>&amp; unchanged number </a:t>
+            </a:r>
+            <a:r>
+              <a:rPr lang="en-US" dirty="0"/>
+              <a:t>of node in tree, can be cache in memory for fast </a:t>
             </a:r>
             <a:r>
               <a:rPr lang="en-US" dirty="0" err="1"/>
